--- a/lab 2 - DS and Distance_Similarity.pptx
+++ b/lab 2 - DS and Distance_Similarity.pptx
@@ -10,43 +10,48 @@
     <p:sldId id="289" r:id="rId4"/>
     <p:sldId id="281" r:id="rId5"/>
     <p:sldId id="257" r:id="rId6"/>
-    <p:sldId id="258" r:id="rId7"/>
-    <p:sldId id="259" r:id="rId8"/>
-    <p:sldId id="260" r:id="rId9"/>
-    <p:sldId id="274" r:id="rId10"/>
-    <p:sldId id="261" r:id="rId11"/>
-    <p:sldId id="262" r:id="rId12"/>
-    <p:sldId id="263" r:id="rId13"/>
-    <p:sldId id="264" r:id="rId14"/>
-    <p:sldId id="265" r:id="rId15"/>
-    <p:sldId id="290" r:id="rId16"/>
-    <p:sldId id="275" r:id="rId17"/>
-    <p:sldId id="283" r:id="rId18"/>
-    <p:sldId id="266" r:id="rId19"/>
-    <p:sldId id="285" r:id="rId20"/>
-    <p:sldId id="268" r:id="rId21"/>
-    <p:sldId id="271" r:id="rId22"/>
-    <p:sldId id="269" r:id="rId23"/>
-    <p:sldId id="270" r:id="rId24"/>
-    <p:sldId id="272" r:id="rId25"/>
-    <p:sldId id="286" r:id="rId26"/>
-    <p:sldId id="273" r:id="rId27"/>
-    <p:sldId id="276" r:id="rId28"/>
-    <p:sldId id="277" r:id="rId29"/>
-    <p:sldId id="291" r:id="rId30"/>
-    <p:sldId id="292" r:id="rId31"/>
-    <p:sldId id="293" r:id="rId32"/>
-    <p:sldId id="294" r:id="rId33"/>
-    <p:sldId id="295" r:id="rId34"/>
-    <p:sldId id="296" r:id="rId35"/>
-    <p:sldId id="287" r:id="rId36"/>
-    <p:sldId id="278" r:id="rId37"/>
-    <p:sldId id="279" r:id="rId38"/>
+    <p:sldId id="298" r:id="rId7"/>
+    <p:sldId id="297" r:id="rId8"/>
+    <p:sldId id="299" r:id="rId9"/>
+    <p:sldId id="301" r:id="rId10"/>
+    <p:sldId id="300" r:id="rId11"/>
+    <p:sldId id="258" r:id="rId12"/>
+    <p:sldId id="259" r:id="rId13"/>
+    <p:sldId id="260" r:id="rId14"/>
+    <p:sldId id="274" r:id="rId15"/>
+    <p:sldId id="261" r:id="rId16"/>
+    <p:sldId id="262" r:id="rId17"/>
+    <p:sldId id="263" r:id="rId18"/>
+    <p:sldId id="264" r:id="rId19"/>
+    <p:sldId id="265" r:id="rId20"/>
+    <p:sldId id="290" r:id="rId21"/>
+    <p:sldId id="275" r:id="rId22"/>
+    <p:sldId id="283" r:id="rId23"/>
+    <p:sldId id="266" r:id="rId24"/>
+    <p:sldId id="285" r:id="rId25"/>
+    <p:sldId id="268" r:id="rId26"/>
+    <p:sldId id="271" r:id="rId27"/>
+    <p:sldId id="269" r:id="rId28"/>
+    <p:sldId id="270" r:id="rId29"/>
+    <p:sldId id="272" r:id="rId30"/>
+    <p:sldId id="286" r:id="rId31"/>
+    <p:sldId id="273" r:id="rId32"/>
+    <p:sldId id="276" r:id="rId33"/>
+    <p:sldId id="277" r:id="rId34"/>
+    <p:sldId id="291" r:id="rId35"/>
+    <p:sldId id="292" r:id="rId36"/>
+    <p:sldId id="293" r:id="rId37"/>
+    <p:sldId id="294" r:id="rId38"/>
+    <p:sldId id="295" r:id="rId39"/>
+    <p:sldId id="296" r:id="rId40"/>
+    <p:sldId id="287" r:id="rId41"/>
+    <p:sldId id="278" r:id="rId42"/>
+    <p:sldId id="279" r:id="rId43"/>
   </p:sldIdLst>
   <p:sldSz cx="12192000" cy="6858000"/>
   <p:notesSz cx="6858000" cy="9144000"/>
   <p:custDataLst>
-    <p:tags r:id="rId39"/>
+    <p:tags r:id="rId44"/>
   </p:custDataLst>
   <p:defaultTextStyle>
     <a:defPPr marR="0" lvl="0" algn="l" rtl="0">
@@ -5528,6 +5533,3149 @@
   <p:cSld>
     <p:spTree>
       <p:nvGrpSpPr>
+        <p:cNvPr id="1" name="">
+          <a:extLst>
+            <a:ext uri="{FF2B5EF4-FFF2-40B4-BE49-F238E27FC236}">
+              <a16:creationId xmlns:a16="http://schemas.microsoft.com/office/drawing/2014/main" id="{7AF8EAC0-A114-7303-E3F0-1FFF7EA979A7}"/>
+            </a:ext>
+          </a:extLst>
+        </p:cNvPr>
+        <p:cNvGrpSpPr/>
+        <p:nvPr/>
+      </p:nvGrpSpPr>
+      <p:grpSpPr>
+        <a:xfrm>
+          <a:off x="0" y="0"/>
+          <a:ext cx="0" cy="0"/>
+          <a:chOff x="0" y="0"/>
+          <a:chExt cx="0" cy="0"/>
+        </a:xfrm>
+      </p:grpSpPr>
+      <p:sp>
+        <p:nvSpPr>
+          <p:cNvPr id="2" name="Title 1">
+            <a:extLst>
+              <a:ext uri="{FF2B5EF4-FFF2-40B4-BE49-F238E27FC236}">
+                <a16:creationId xmlns:a16="http://schemas.microsoft.com/office/drawing/2014/main" id="{01E58D99-B97E-4448-2C17-77F50BA57CAF}"/>
+              </a:ext>
+            </a:extLst>
+          </p:cNvPr>
+          <p:cNvSpPr>
+            <a:spLocks noGrp="1"/>
+          </p:cNvSpPr>
+          <p:nvPr>
+            <p:ph type="title"/>
+          </p:nvPr>
+        </p:nvSpPr>
+        <p:spPr/>
+        <p:txBody>
+          <a:bodyPr/>
+          <a:lstStyle/>
+          <a:p>
+            <a:r>
+              <a:rPr lang="en-US" dirty="0"/>
+              <a:t>Data</a:t>
+            </a:r>
+          </a:p>
+        </p:txBody>
+      </p:sp>
+      <mc:AlternateContent xmlns:mc="http://schemas.openxmlformats.org/markup-compatibility/2006">
+        <mc:Choice xmlns:a14="http://schemas.microsoft.com/office/drawing/2010/main" Requires="a14">
+          <p:sp>
+            <p:nvSpPr>
+              <p:cNvPr id="3" name="Text Placeholder 2">
+                <a:extLst>
+                  <a:ext uri="{FF2B5EF4-FFF2-40B4-BE49-F238E27FC236}">
+                    <a16:creationId xmlns:a16="http://schemas.microsoft.com/office/drawing/2014/main" id="{E88F0449-2958-C06B-5C5A-E4F0B3C9952F}"/>
+                  </a:ext>
+                </a:extLst>
+              </p:cNvPr>
+              <p:cNvSpPr>
+                <a:spLocks noGrp="1"/>
+              </p:cNvSpPr>
+              <p:nvPr>
+                <p:ph type="body" idx="1"/>
+              </p:nvPr>
+            </p:nvSpPr>
+            <p:spPr/>
+            <p:txBody>
+              <a:bodyPr/>
+              <a:lstStyle/>
+              <a:p>
+                <a:r>
+                  <a:rPr lang="en-US" dirty="0"/>
+                  <a:t>Facts and statistics collected for reference or analysis</a:t>
+                </a:r>
+              </a:p>
+              <a:p>
+                <a:r>
+                  <a:rPr lang="en-US" dirty="0"/>
+                  <a:t>Example types of data:</a:t>
+                </a:r>
+              </a:p>
+              <a:p>
+                <a:pPr lvl="1"/>
+                <a:r>
+                  <a:rPr lang="en-US" dirty="0"/>
+                  <a:t>Records: m – dimensional points or vectors</a:t>
+                </a:r>
+              </a:p>
+              <a:p>
+                <a:pPr lvl="2"/>
+                <a:r>
+                  <a:rPr lang="en-US" dirty="0"/>
+                  <a:t>E.g., (name, age, height (in)) </a:t>
+                </a:r>
+                <a:r>
+                  <a:rPr lang="en-US" dirty="0">
+                    <a:sym typeface="Wingdings" pitchFamily="2" charset="2"/>
+                  </a:rPr>
+                  <a:t> X = (Lucy, 11, 53), Y = (Stacy, 17, 62)</a:t>
+                </a:r>
+              </a:p>
+              <a:p>
+                <a:pPr lvl="2"/>
+                <a:endParaRPr lang="en-US" dirty="0">
+                  <a:sym typeface="Wingdings" pitchFamily="2" charset="2"/>
+                </a:endParaRPr>
+              </a:p>
+              <a:p>
+                <a:pPr lvl="2"/>
+                <a:endParaRPr lang="en-US" dirty="0">
+                  <a:sym typeface="Wingdings" pitchFamily="2" charset="2"/>
+                </a:endParaRPr>
+              </a:p>
+              <a:p>
+                <a:pPr lvl="2"/>
+                <a:endParaRPr lang="en-US" dirty="0">
+                  <a:sym typeface="Wingdings" pitchFamily="2" charset="2"/>
+                </a:endParaRPr>
+              </a:p>
+              <a:p>
+                <a:pPr lvl="2"/>
+                <a:endParaRPr lang="en-US" dirty="0">
+                  <a:sym typeface="Wingdings" pitchFamily="2" charset="2"/>
+                </a:endParaRPr>
+              </a:p>
+              <a:p>
+                <a:pPr lvl="2"/>
+                <a:endParaRPr lang="en-US" dirty="0">
+                  <a:sym typeface="Wingdings" pitchFamily="2" charset="2"/>
+                </a:endParaRPr>
+              </a:p>
+              <a:p>
+                <a:pPr lvl="2"/>
+                <a:endParaRPr lang="en-US" dirty="0">
+                  <a:sym typeface="Wingdings" pitchFamily="2" charset="2"/>
+                </a:endParaRPr>
+              </a:p>
+              <a:p>
+                <a:pPr lvl="2"/>
+                <a:r>
+                  <a:rPr lang="en-US" dirty="0">
+                    <a:sym typeface="Wingdings" pitchFamily="2" charset="2"/>
+                  </a:rPr>
+                  <a:t>We could read X and Y as vectors</a:t>
+                </a:r>
+                <a:endParaRPr lang="en-US" dirty="0">
+                  <a:ea typeface="Cambria Math" panose="02040503050406030204" pitchFamily="18" charset="0"/>
+                  <a:sym typeface="Wingdings" pitchFamily="2" charset="2"/>
+                </a:endParaRPr>
+              </a:p>
+              <a:p>
+                <a:pPr lvl="3"/>
+                <a14:m>
+                  <m:oMath xmlns:m="http://schemas.openxmlformats.org/officeDocument/2006/math">
+                    <m:sSub>
+                      <m:sSubPr>
+                        <m:ctrlPr>
+                          <a:rPr lang="en-US" b="0" i="1" smtClean="0">
+                            <a:latin typeface="Cambria Math" panose="02040503050406030204" pitchFamily="18" charset="0"/>
+                            <a:ea typeface="Cambria Math" panose="02040503050406030204" pitchFamily="18" charset="0"/>
+                            <a:sym typeface="Wingdings" pitchFamily="2" charset="2"/>
+                          </a:rPr>
+                        </m:ctrlPr>
+                      </m:sSubPr>
+                      <m:e>
+                        <m:r>
+                          <a:rPr lang="en-US" b="0" i="1" smtClean="0">
+                            <a:latin typeface="Cambria Math" panose="02040503050406030204" pitchFamily="18" charset="0"/>
+                            <a:ea typeface="Cambria Math" panose="02040503050406030204" pitchFamily="18" charset="0"/>
+                            <a:sym typeface="Wingdings" pitchFamily="2" charset="2"/>
+                          </a:rPr>
+                          <m:t>𝑋</m:t>
+                        </m:r>
+                      </m:e>
+                      <m:sub>
+                        <m:r>
+                          <a:rPr lang="en-US" b="0" i="1" smtClean="0">
+                            <a:latin typeface="Cambria Math" panose="02040503050406030204" pitchFamily="18" charset="0"/>
+                            <a:ea typeface="Cambria Math" panose="02040503050406030204" pitchFamily="18" charset="0"/>
+                            <a:sym typeface="Wingdings" pitchFamily="2" charset="2"/>
+                          </a:rPr>
+                          <m:t>1</m:t>
+                        </m:r>
+                      </m:sub>
+                    </m:sSub>
+                    <m:r>
+                      <a:rPr lang="en-US" b="0" i="1" smtClean="0">
+                        <a:latin typeface="Cambria Math" panose="02040503050406030204" pitchFamily="18" charset="0"/>
+                        <a:ea typeface="Cambria Math" panose="02040503050406030204" pitchFamily="18" charset="0"/>
+                        <a:sym typeface="Wingdings" pitchFamily="2" charset="2"/>
+                      </a:rPr>
+                      <m:t>=</m:t>
+                    </m:r>
+                    <m:r>
+                      <a:rPr lang="en-US" b="0" i="1" smtClean="0">
+                        <a:latin typeface="Cambria Math" panose="02040503050406030204" pitchFamily="18" charset="0"/>
+                        <a:ea typeface="Cambria Math" panose="02040503050406030204" pitchFamily="18" charset="0"/>
+                        <a:sym typeface="Wingdings" pitchFamily="2" charset="2"/>
+                      </a:rPr>
+                      <m:t>𝐿𝑢𝑐𝑦</m:t>
+                    </m:r>
+                    <m:r>
+                      <a:rPr lang="en-US" b="0" i="1" smtClean="0">
+                        <a:latin typeface="Cambria Math" panose="02040503050406030204" pitchFamily="18" charset="0"/>
+                        <a:ea typeface="Cambria Math" panose="02040503050406030204" pitchFamily="18" charset="0"/>
+                        <a:sym typeface="Wingdings" pitchFamily="2" charset="2"/>
+                      </a:rPr>
+                      <m:t>,</m:t>
+                    </m:r>
+                    <m:sSub>
+                      <m:sSubPr>
+                        <m:ctrlPr>
+                          <a:rPr lang="en-US" b="0" i="1" smtClean="0">
+                            <a:latin typeface="Cambria Math" panose="02040503050406030204" pitchFamily="18" charset="0"/>
+                            <a:ea typeface="Cambria Math" panose="02040503050406030204" pitchFamily="18" charset="0"/>
+                            <a:sym typeface="Wingdings" pitchFamily="2" charset="2"/>
+                          </a:rPr>
+                        </m:ctrlPr>
+                      </m:sSubPr>
+                      <m:e>
+                        <m:r>
+                          <a:rPr lang="en-US" b="0" i="1" smtClean="0">
+                            <a:latin typeface="Cambria Math" panose="02040503050406030204" pitchFamily="18" charset="0"/>
+                            <a:ea typeface="Cambria Math" panose="02040503050406030204" pitchFamily="18" charset="0"/>
+                            <a:sym typeface="Wingdings" pitchFamily="2" charset="2"/>
+                          </a:rPr>
+                          <m:t>𝑌</m:t>
+                        </m:r>
+                      </m:e>
+                      <m:sub>
+                        <m:r>
+                          <a:rPr lang="en-US" b="0" i="1" smtClean="0">
+                            <a:latin typeface="Cambria Math" panose="02040503050406030204" pitchFamily="18" charset="0"/>
+                            <a:ea typeface="Cambria Math" panose="02040503050406030204" pitchFamily="18" charset="0"/>
+                            <a:sym typeface="Wingdings" pitchFamily="2" charset="2"/>
+                          </a:rPr>
+                          <m:t>2</m:t>
+                        </m:r>
+                      </m:sub>
+                    </m:sSub>
+                    <m:r>
+                      <a:rPr lang="en-US" b="0" i="1" smtClean="0">
+                        <a:latin typeface="Cambria Math" panose="02040503050406030204" pitchFamily="18" charset="0"/>
+                        <a:ea typeface="Cambria Math" panose="02040503050406030204" pitchFamily="18" charset="0"/>
+                        <a:sym typeface="Wingdings" pitchFamily="2" charset="2"/>
+                      </a:rPr>
+                      <m:t>=17,…</m:t>
+                    </m:r>
+                  </m:oMath>
+                </a14:m>
+                <a:endParaRPr lang="en-US" b="0" dirty="0">
+                  <a:ea typeface="Cambria Math" panose="02040503050406030204" pitchFamily="18" charset="0"/>
+                  <a:sym typeface="Wingdings" pitchFamily="2" charset="2"/>
+                </a:endParaRPr>
+              </a:p>
+              <a:p>
+                <a:pPr marL="2015016" lvl="3" indent="0">
+                  <a:buNone/>
+                </a:pPr>
+                <a:endParaRPr lang="en-US" dirty="0">
+                  <a:ea typeface="Cambria Math" panose="02040503050406030204" pitchFamily="18" charset="0"/>
+                  <a:sym typeface="Wingdings" pitchFamily="2" charset="2"/>
+                </a:endParaRPr>
+              </a:p>
+              <a:p>
+                <a:pPr lvl="2"/>
+                <a:endParaRPr lang="en-US" b="0" dirty="0">
+                  <a:sym typeface="Wingdings" pitchFamily="2" charset="2"/>
+                </a:endParaRPr>
+              </a:p>
+              <a:p>
+                <a:pPr lvl="2"/>
+                <a:endParaRPr lang="en-US" dirty="0"/>
+              </a:p>
+            </p:txBody>
+          </p:sp>
+        </mc:Choice>
+        <mc:Fallback>
+          <p:sp>
+            <p:nvSpPr>
+              <p:cNvPr id="3" name="Text Placeholder 2">
+                <a:extLst>
+                  <a:ext uri="{FF2B5EF4-FFF2-40B4-BE49-F238E27FC236}">
+                    <a16:creationId xmlns:a16="http://schemas.microsoft.com/office/drawing/2014/main" id="{E88F0449-2958-C06B-5C5A-E4F0B3C9952F}"/>
+                  </a:ext>
+                </a:extLst>
+              </p:cNvPr>
+              <p:cNvSpPr>
+                <a:spLocks noGrp="1" noRot="1" noChangeAspect="1" noMove="1" noResize="1" noEditPoints="1" noAdjustHandles="1" noChangeArrowheads="1" noChangeShapeType="1" noTextEdit="1"/>
+              </p:cNvSpPr>
+              <p:nvPr>
+                <p:ph type="body" idx="1"/>
+              </p:nvPr>
+            </p:nvSpPr>
+            <p:spPr>
+              <a:blipFill>
+                <a:blip r:embed="rId2"/>
+                <a:stretch>
+                  <a:fillRect/>
+                </a:stretch>
+              </a:blipFill>
+            </p:spPr>
+            <p:txBody>
+              <a:bodyPr/>
+              <a:lstStyle/>
+              <a:p>
+                <a:r>
+                  <a:rPr lang="en-US">
+                    <a:noFill/>
+                  </a:rPr>
+                  <a:t> </a:t>
+                </a:r>
+              </a:p>
+            </p:txBody>
+          </p:sp>
+        </mc:Fallback>
+      </mc:AlternateContent>
+      <p:cxnSp>
+        <p:nvCxnSpPr>
+          <p:cNvPr id="5" name="Straight Arrow Connector 4">
+            <a:extLst>
+              <a:ext uri="{FF2B5EF4-FFF2-40B4-BE49-F238E27FC236}">
+                <a16:creationId xmlns:a16="http://schemas.microsoft.com/office/drawing/2014/main" id="{8BD733C0-EBAE-B7F4-2BD3-97EDD26DF72B}"/>
+              </a:ext>
+            </a:extLst>
+          </p:cNvPr>
+          <p:cNvCxnSpPr>
+            <a:cxnSpLocks/>
+          </p:cNvCxnSpPr>
+          <p:nvPr/>
+        </p:nvCxnSpPr>
+        <p:spPr>
+          <a:xfrm flipV="1">
+            <a:off x="2913321" y="3189767"/>
+            <a:ext cx="0" cy="1637414"/>
+          </a:xfrm>
+          <a:prstGeom prst="straightConnector1">
+            <a:avLst/>
+          </a:prstGeom>
+          <a:ln>
+            <a:tailEnd type="triangle"/>
+          </a:ln>
+        </p:spPr>
+        <p:style>
+          <a:lnRef idx="1">
+            <a:schemeClr val="accent1"/>
+          </a:lnRef>
+          <a:fillRef idx="0">
+            <a:schemeClr val="accent1"/>
+          </a:fillRef>
+          <a:effectRef idx="0">
+            <a:schemeClr val="accent1"/>
+          </a:effectRef>
+          <a:fontRef idx="minor">
+            <a:schemeClr val="tx1"/>
+          </a:fontRef>
+        </p:style>
+      </p:cxnSp>
+      <p:cxnSp>
+        <p:nvCxnSpPr>
+          <p:cNvPr id="8" name="Straight Arrow Connector 7">
+            <a:extLst>
+              <a:ext uri="{FF2B5EF4-FFF2-40B4-BE49-F238E27FC236}">
+                <a16:creationId xmlns:a16="http://schemas.microsoft.com/office/drawing/2014/main" id="{DBE3329A-7316-1CE1-837E-A22533FB074A}"/>
+              </a:ext>
+            </a:extLst>
+          </p:cNvPr>
+          <p:cNvCxnSpPr/>
+          <p:nvPr/>
+        </p:nvCxnSpPr>
+        <p:spPr>
+          <a:xfrm>
+            <a:off x="2913321" y="4816549"/>
+            <a:ext cx="1796902" cy="0"/>
+          </a:xfrm>
+          <a:prstGeom prst="straightConnector1">
+            <a:avLst/>
+          </a:prstGeom>
+          <a:ln>
+            <a:tailEnd type="triangle"/>
+          </a:ln>
+        </p:spPr>
+        <p:style>
+          <a:lnRef idx="1">
+            <a:schemeClr val="accent1"/>
+          </a:lnRef>
+          <a:fillRef idx="0">
+            <a:schemeClr val="accent1"/>
+          </a:fillRef>
+          <a:effectRef idx="0">
+            <a:schemeClr val="accent1"/>
+          </a:effectRef>
+          <a:fontRef idx="minor">
+            <a:schemeClr val="tx1"/>
+          </a:fontRef>
+        </p:style>
+      </p:cxnSp>
+      <p:sp>
+        <p:nvSpPr>
+          <p:cNvPr id="9" name="TextBox 8">
+            <a:extLst>
+              <a:ext uri="{FF2B5EF4-FFF2-40B4-BE49-F238E27FC236}">
+                <a16:creationId xmlns:a16="http://schemas.microsoft.com/office/drawing/2014/main" id="{540D94D3-CC6A-CF34-F8BA-1A7C8D85923C}"/>
+              </a:ext>
+            </a:extLst>
+          </p:cNvPr>
+          <p:cNvSpPr txBox="1"/>
+          <p:nvPr/>
+        </p:nvSpPr>
+        <p:spPr>
+          <a:xfrm>
+            <a:off x="4710223" y="4673292"/>
+            <a:ext cx="503664" cy="307777"/>
+          </a:xfrm>
+          <a:prstGeom prst="rect">
+            <a:avLst/>
+          </a:prstGeom>
+          <a:noFill/>
+        </p:spPr>
+        <p:txBody>
+          <a:bodyPr wrap="none" rtlCol="0">
+            <a:spAutoFit/>
+          </a:bodyPr>
+          <a:lstStyle/>
+          <a:p>
+            <a:r>
+              <a:rPr lang="en-US" dirty="0"/>
+              <a:t>Age</a:t>
+            </a:r>
+          </a:p>
+        </p:txBody>
+      </p:sp>
+      <p:sp>
+        <p:nvSpPr>
+          <p:cNvPr id="10" name="TextBox 9">
+            <a:extLst>
+              <a:ext uri="{FF2B5EF4-FFF2-40B4-BE49-F238E27FC236}">
+                <a16:creationId xmlns:a16="http://schemas.microsoft.com/office/drawing/2014/main" id="{8A55398E-9FB7-BCDA-6475-D85D305378E8}"/>
+              </a:ext>
+            </a:extLst>
+          </p:cNvPr>
+          <p:cNvSpPr txBox="1"/>
+          <p:nvPr/>
+        </p:nvSpPr>
+        <p:spPr>
+          <a:xfrm>
+            <a:off x="2210885" y="3037901"/>
+            <a:ext cx="702436" cy="307777"/>
+          </a:xfrm>
+          <a:prstGeom prst="rect">
+            <a:avLst/>
+          </a:prstGeom>
+          <a:noFill/>
+        </p:spPr>
+        <p:txBody>
+          <a:bodyPr wrap="none" rtlCol="0">
+            <a:spAutoFit/>
+          </a:bodyPr>
+          <a:lstStyle/>
+          <a:p>
+            <a:r>
+              <a:rPr lang="en-US" dirty="0"/>
+              <a:t>Height</a:t>
+            </a:r>
+          </a:p>
+        </p:txBody>
+      </p:sp>
+      <p:cxnSp>
+        <p:nvCxnSpPr>
+          <p:cNvPr id="12" name="Straight Arrow Connector 11">
+            <a:extLst>
+              <a:ext uri="{FF2B5EF4-FFF2-40B4-BE49-F238E27FC236}">
+                <a16:creationId xmlns:a16="http://schemas.microsoft.com/office/drawing/2014/main" id="{9E8FB879-9D33-964B-9723-EC5B35195E8F}"/>
+              </a:ext>
+            </a:extLst>
+          </p:cNvPr>
+          <p:cNvCxnSpPr/>
+          <p:nvPr/>
+        </p:nvCxnSpPr>
+        <p:spPr>
+          <a:xfrm flipV="1">
+            <a:off x="2913321" y="3890233"/>
+            <a:ext cx="457200" cy="926316"/>
+          </a:xfrm>
+          <a:prstGeom prst="straightConnector1">
+            <a:avLst/>
+          </a:prstGeom>
+          <a:ln>
+            <a:tailEnd type="triangle"/>
+          </a:ln>
+        </p:spPr>
+        <p:style>
+          <a:lnRef idx="2">
+            <a:schemeClr val="accent2"/>
+          </a:lnRef>
+          <a:fillRef idx="0">
+            <a:schemeClr val="accent2"/>
+          </a:fillRef>
+          <a:effectRef idx="1">
+            <a:schemeClr val="accent2"/>
+          </a:effectRef>
+          <a:fontRef idx="minor">
+            <a:schemeClr val="tx1"/>
+          </a:fontRef>
+        </p:style>
+      </p:cxnSp>
+      <p:cxnSp>
+        <p:nvCxnSpPr>
+          <p:cNvPr id="14" name="Straight Arrow Connector 13">
+            <a:extLst>
+              <a:ext uri="{FF2B5EF4-FFF2-40B4-BE49-F238E27FC236}">
+                <a16:creationId xmlns:a16="http://schemas.microsoft.com/office/drawing/2014/main" id="{031BA6EB-95A2-B357-544E-1A7BBBA8AE4F}"/>
+              </a:ext>
+            </a:extLst>
+          </p:cNvPr>
+          <p:cNvCxnSpPr/>
+          <p:nvPr/>
+        </p:nvCxnSpPr>
+        <p:spPr>
+          <a:xfrm flipV="1">
+            <a:off x="2913321" y="3519377"/>
+            <a:ext cx="1307805" cy="1297172"/>
+          </a:xfrm>
+          <a:prstGeom prst="straightConnector1">
+            <a:avLst/>
+          </a:prstGeom>
+          <a:ln>
+            <a:tailEnd type="triangle"/>
+          </a:ln>
+        </p:spPr>
+        <p:style>
+          <a:lnRef idx="2">
+            <a:schemeClr val="dk1"/>
+          </a:lnRef>
+          <a:fillRef idx="0">
+            <a:schemeClr val="dk1"/>
+          </a:fillRef>
+          <a:effectRef idx="1">
+            <a:schemeClr val="dk1"/>
+          </a:effectRef>
+          <a:fontRef idx="minor">
+            <a:schemeClr val="tx1"/>
+          </a:fontRef>
+        </p:style>
+      </p:cxnSp>
+      <p:sp>
+        <p:nvSpPr>
+          <p:cNvPr id="15" name="TextBox 14">
+            <a:extLst>
+              <a:ext uri="{FF2B5EF4-FFF2-40B4-BE49-F238E27FC236}">
+                <a16:creationId xmlns:a16="http://schemas.microsoft.com/office/drawing/2014/main" id="{A571A06C-C4E9-0C55-99F5-1BB4ADC146F5}"/>
+              </a:ext>
+            </a:extLst>
+          </p:cNvPr>
+          <p:cNvSpPr txBox="1"/>
+          <p:nvPr/>
+        </p:nvSpPr>
+        <p:spPr>
+          <a:xfrm>
+            <a:off x="3072815" y="3649495"/>
+            <a:ext cx="738957" cy="307777"/>
+          </a:xfrm>
+          <a:prstGeom prst="rect">
+            <a:avLst/>
+          </a:prstGeom>
+          <a:noFill/>
+        </p:spPr>
+        <p:txBody>
+          <a:bodyPr wrap="square" rtlCol="0">
+            <a:spAutoFit/>
+          </a:bodyPr>
+          <a:lstStyle/>
+          <a:p>
+            <a:r>
+              <a:rPr lang="en-US" dirty="0"/>
+              <a:t>Lucy</a:t>
+            </a:r>
+          </a:p>
+        </p:txBody>
+      </p:sp>
+      <p:sp>
+        <p:nvSpPr>
+          <p:cNvPr id="16" name="TextBox 15">
+            <a:extLst>
+              <a:ext uri="{FF2B5EF4-FFF2-40B4-BE49-F238E27FC236}">
+                <a16:creationId xmlns:a16="http://schemas.microsoft.com/office/drawing/2014/main" id="{895260D2-14CF-FC84-3852-67DC40DBB5CC}"/>
+              </a:ext>
+            </a:extLst>
+          </p:cNvPr>
+          <p:cNvSpPr txBox="1"/>
+          <p:nvPr/>
+        </p:nvSpPr>
+        <p:spPr>
+          <a:xfrm>
+            <a:off x="4017490" y="3275111"/>
+            <a:ext cx="691116" cy="307777"/>
+          </a:xfrm>
+          <a:prstGeom prst="rect">
+            <a:avLst/>
+          </a:prstGeom>
+          <a:noFill/>
+        </p:spPr>
+        <p:txBody>
+          <a:bodyPr wrap="square" rtlCol="0">
+            <a:spAutoFit/>
+          </a:bodyPr>
+          <a:lstStyle/>
+          <a:p>
+            <a:r>
+              <a:rPr lang="en-US" dirty="0"/>
+              <a:t>Stacy</a:t>
+            </a:r>
+          </a:p>
+        </p:txBody>
+      </p:sp>
+    </p:spTree>
+    <p:extLst>
+      <p:ext uri="{BB962C8B-B14F-4D97-AF65-F5344CB8AC3E}">
+        <p14:creationId xmlns:p14="http://schemas.microsoft.com/office/powerpoint/2010/main" val="4265007154"/>
+      </p:ext>
+    </p:extLst>
+  </p:cSld>
+  <p:clrMapOvr>
+    <a:masterClrMapping/>
+  </p:clrMapOvr>
+</p:sld>
+</file>
+
+<file path=ppt/slides/slide11.xml><?xml version="1.0" encoding="utf-8"?>
+<p:sld xmlns:a="http://schemas.openxmlformats.org/drawingml/2006/main" xmlns:r="http://schemas.openxmlformats.org/officeDocument/2006/relationships" xmlns:p="http://schemas.openxmlformats.org/presentationml/2006/main">
+  <p:cSld>
+    <p:spTree>
+      <p:nvGrpSpPr>
+        <p:cNvPr id="1" name=""/>
+        <p:cNvGrpSpPr/>
+        <p:nvPr/>
+      </p:nvGrpSpPr>
+      <p:grpSpPr>
+        <a:xfrm>
+          <a:off x="0" y="0"/>
+          <a:ext cx="0" cy="0"/>
+          <a:chOff x="0" y="0"/>
+          <a:chExt cx="0" cy="0"/>
+        </a:xfrm>
+      </p:grpSpPr>
+      <p:sp>
+        <p:nvSpPr>
+          <p:cNvPr id="2" name="Title 1">
+            <a:extLst>
+              <a:ext uri="{FF2B5EF4-FFF2-40B4-BE49-F238E27FC236}">
+                <a16:creationId xmlns:a16="http://schemas.microsoft.com/office/drawing/2014/main" id="{895555D5-7205-147F-AD5E-FA5736A2D9B3}"/>
+              </a:ext>
+            </a:extLst>
+          </p:cNvPr>
+          <p:cNvSpPr>
+            <a:spLocks noGrp="1"/>
+          </p:cNvSpPr>
+          <p:nvPr>
+            <p:ph type="title"/>
+          </p:nvPr>
+        </p:nvSpPr>
+        <p:spPr/>
+        <p:txBody>
+          <a:bodyPr/>
+          <a:lstStyle/>
+          <a:p>
+            <a:r>
+              <a:rPr lang="en-US" dirty="0"/>
+              <a:t>Data (cont.)</a:t>
+            </a:r>
+          </a:p>
+        </p:txBody>
+      </p:sp>
+      <p:sp>
+        <p:nvSpPr>
+          <p:cNvPr id="3" name="Text Placeholder 2">
+            <a:extLst>
+              <a:ext uri="{FF2B5EF4-FFF2-40B4-BE49-F238E27FC236}">
+                <a16:creationId xmlns:a16="http://schemas.microsoft.com/office/drawing/2014/main" id="{4EFE0515-FF6A-6167-A878-7726C84C04DA}"/>
+              </a:ext>
+            </a:extLst>
+          </p:cNvPr>
+          <p:cNvSpPr>
+            <a:spLocks noGrp="1"/>
+          </p:cNvSpPr>
+          <p:nvPr>
+            <p:ph type="body" idx="1"/>
+          </p:nvPr>
+        </p:nvSpPr>
+        <p:spPr/>
+        <p:txBody>
+          <a:bodyPr/>
+          <a:lstStyle/>
+          <a:p>
+            <a:r>
+              <a:rPr lang="en-US" dirty="0"/>
+              <a:t>Example types of data:</a:t>
+            </a:r>
+          </a:p>
+          <a:p>
+            <a:pPr lvl="1"/>
+            <a:r>
+              <a:rPr lang="en-US" dirty="0"/>
+              <a:t>Graphs: nodes connected by edges</a:t>
+            </a:r>
+          </a:p>
+          <a:p>
+            <a:pPr lvl="1"/>
+            <a:r>
+              <a:rPr lang="en-US" dirty="0"/>
+              <a:t>E.g., graph to show a social media network. Nodes = individual people, Edges = follower relation</a:t>
+            </a:r>
+          </a:p>
+        </p:txBody>
+      </p:sp>
+      <p:cxnSp>
+        <p:nvCxnSpPr>
+          <p:cNvPr id="14" name="Straight Arrow Connector 13">
+            <a:extLst>
+              <a:ext uri="{FF2B5EF4-FFF2-40B4-BE49-F238E27FC236}">
+                <a16:creationId xmlns:a16="http://schemas.microsoft.com/office/drawing/2014/main" id="{47FEB12A-154F-A92B-1AF4-C5B091745426}"/>
+              </a:ext>
+            </a:extLst>
+          </p:cNvPr>
+          <p:cNvCxnSpPr>
+            <a:cxnSpLocks/>
+            <a:endCxn id="35" idx="3"/>
+          </p:cNvCxnSpPr>
+          <p:nvPr/>
+        </p:nvCxnSpPr>
+        <p:spPr>
+          <a:xfrm flipV="1">
+            <a:off x="4618074" y="3824663"/>
+            <a:ext cx="706936" cy="616157"/>
+          </a:xfrm>
+          <a:prstGeom prst="straightConnector1">
+            <a:avLst/>
+          </a:prstGeom>
+          <a:ln>
+            <a:tailEnd type="triangle"/>
+          </a:ln>
+        </p:spPr>
+        <p:style>
+          <a:lnRef idx="2">
+            <a:schemeClr val="accent1"/>
+          </a:lnRef>
+          <a:fillRef idx="0">
+            <a:schemeClr val="accent1"/>
+          </a:fillRef>
+          <a:effectRef idx="1">
+            <a:schemeClr val="accent1"/>
+          </a:effectRef>
+          <a:fontRef idx="minor">
+            <a:schemeClr val="tx1"/>
+          </a:fontRef>
+        </p:style>
+      </p:cxnSp>
+      <p:cxnSp>
+        <p:nvCxnSpPr>
+          <p:cNvPr id="16" name="Straight Arrow Connector 15">
+            <a:extLst>
+              <a:ext uri="{FF2B5EF4-FFF2-40B4-BE49-F238E27FC236}">
+                <a16:creationId xmlns:a16="http://schemas.microsoft.com/office/drawing/2014/main" id="{4AB8B4BD-48B8-AF05-0EBD-9008B57795F6}"/>
+              </a:ext>
+            </a:extLst>
+          </p:cNvPr>
+          <p:cNvCxnSpPr>
+            <a:cxnSpLocks/>
+          </p:cNvCxnSpPr>
+          <p:nvPr/>
+        </p:nvCxnSpPr>
+        <p:spPr>
+          <a:xfrm flipV="1">
+            <a:off x="5415516" y="3429000"/>
+            <a:ext cx="680484" cy="313660"/>
+          </a:xfrm>
+          <a:prstGeom prst="straightConnector1">
+            <a:avLst/>
+          </a:prstGeom>
+          <a:ln>
+            <a:tailEnd type="triangle"/>
+          </a:ln>
+        </p:spPr>
+        <p:style>
+          <a:lnRef idx="2">
+            <a:schemeClr val="accent1"/>
+          </a:lnRef>
+          <a:fillRef idx="0">
+            <a:schemeClr val="accent1"/>
+          </a:fillRef>
+          <a:effectRef idx="1">
+            <a:schemeClr val="accent1"/>
+          </a:effectRef>
+          <a:fontRef idx="minor">
+            <a:schemeClr val="tx1"/>
+          </a:fontRef>
+        </p:style>
+      </p:cxnSp>
+      <p:cxnSp>
+        <p:nvCxnSpPr>
+          <p:cNvPr id="19" name="Straight Arrow Connector 18">
+            <a:extLst>
+              <a:ext uri="{FF2B5EF4-FFF2-40B4-BE49-F238E27FC236}">
+                <a16:creationId xmlns:a16="http://schemas.microsoft.com/office/drawing/2014/main" id="{40248466-7819-F4A0-4125-9D0B34C25ED6}"/>
+              </a:ext>
+            </a:extLst>
+          </p:cNvPr>
+          <p:cNvCxnSpPr>
+            <a:cxnSpLocks/>
+            <a:stCxn id="36" idx="6"/>
+            <a:endCxn id="34" idx="1"/>
+          </p:cNvCxnSpPr>
+          <p:nvPr/>
+        </p:nvCxnSpPr>
+        <p:spPr>
+          <a:xfrm>
+            <a:off x="6138531" y="3364595"/>
+            <a:ext cx="823643" cy="351883"/>
+          </a:xfrm>
+          <a:prstGeom prst="straightConnector1">
+            <a:avLst/>
+          </a:prstGeom>
+          <a:ln>
+            <a:tailEnd type="triangle"/>
+          </a:ln>
+        </p:spPr>
+        <p:style>
+          <a:lnRef idx="2">
+            <a:schemeClr val="accent1"/>
+          </a:lnRef>
+          <a:fillRef idx="0">
+            <a:schemeClr val="accent1"/>
+          </a:fillRef>
+          <a:effectRef idx="1">
+            <a:schemeClr val="accent1"/>
+          </a:effectRef>
+          <a:fontRef idx="minor">
+            <a:schemeClr val="tx1"/>
+          </a:fontRef>
+        </p:style>
+      </p:cxnSp>
+      <p:cxnSp>
+        <p:nvCxnSpPr>
+          <p:cNvPr id="24" name="Straight Arrow Connector 23">
+            <a:extLst>
+              <a:ext uri="{FF2B5EF4-FFF2-40B4-BE49-F238E27FC236}">
+                <a16:creationId xmlns:a16="http://schemas.microsoft.com/office/drawing/2014/main" id="{1DE28E89-1262-34D0-8FA3-CC4817AE8B87}"/>
+              </a:ext>
+            </a:extLst>
+          </p:cNvPr>
+          <p:cNvCxnSpPr>
+            <a:cxnSpLocks/>
+            <a:stCxn id="34" idx="3"/>
+            <a:endCxn id="37" idx="6"/>
+          </p:cNvCxnSpPr>
+          <p:nvPr/>
+        </p:nvCxnSpPr>
+        <p:spPr>
+          <a:xfrm flipH="1">
+            <a:off x="4671237" y="3795420"/>
+            <a:ext cx="2290937" cy="674643"/>
+          </a:xfrm>
+          <a:prstGeom prst="straightConnector1">
+            <a:avLst/>
+          </a:prstGeom>
+          <a:ln>
+            <a:tailEnd type="triangle"/>
+          </a:ln>
+        </p:spPr>
+        <p:style>
+          <a:lnRef idx="2">
+            <a:schemeClr val="accent1"/>
+          </a:lnRef>
+          <a:fillRef idx="0">
+            <a:schemeClr val="accent1"/>
+          </a:fillRef>
+          <a:effectRef idx="1">
+            <a:schemeClr val="accent1"/>
+          </a:effectRef>
+          <a:fontRef idx="minor">
+            <a:schemeClr val="tx1"/>
+          </a:fontRef>
+        </p:style>
+      </p:cxnSp>
+      <p:cxnSp>
+        <p:nvCxnSpPr>
+          <p:cNvPr id="27" name="Straight Arrow Connector 26">
+            <a:extLst>
+              <a:ext uri="{FF2B5EF4-FFF2-40B4-BE49-F238E27FC236}">
+                <a16:creationId xmlns:a16="http://schemas.microsoft.com/office/drawing/2014/main" id="{8B312B00-E0E1-B627-2E17-582C2D518799}"/>
+              </a:ext>
+            </a:extLst>
+          </p:cNvPr>
+          <p:cNvCxnSpPr>
+            <a:cxnSpLocks/>
+            <a:stCxn id="34" idx="2"/>
+            <a:endCxn id="36" idx="4"/>
+          </p:cNvCxnSpPr>
+          <p:nvPr/>
+        </p:nvCxnSpPr>
+        <p:spPr>
+          <a:xfrm flipH="1" flipV="1">
+            <a:off x="6085368" y="3420416"/>
+            <a:ext cx="861235" cy="335533"/>
+          </a:xfrm>
+          <a:prstGeom prst="straightConnector1">
+            <a:avLst/>
+          </a:prstGeom>
+          <a:ln>
+            <a:tailEnd type="triangle"/>
+          </a:ln>
+        </p:spPr>
+        <p:style>
+          <a:lnRef idx="2">
+            <a:schemeClr val="accent1"/>
+          </a:lnRef>
+          <a:fillRef idx="0">
+            <a:schemeClr val="accent1"/>
+          </a:fillRef>
+          <a:effectRef idx="1">
+            <a:schemeClr val="accent1"/>
+          </a:effectRef>
+          <a:fontRef idx="minor">
+            <a:schemeClr val="tx1"/>
+          </a:fontRef>
+        </p:style>
+      </p:cxnSp>
+      <p:sp>
+        <p:nvSpPr>
+          <p:cNvPr id="34" name="Oval 33">
+            <a:extLst>
+              <a:ext uri="{FF2B5EF4-FFF2-40B4-BE49-F238E27FC236}">
+                <a16:creationId xmlns:a16="http://schemas.microsoft.com/office/drawing/2014/main" id="{8D546FB0-C892-50B6-F00B-F870A894A6AD}"/>
+              </a:ext>
+            </a:extLst>
+          </p:cNvPr>
+          <p:cNvSpPr/>
+          <p:nvPr/>
+        </p:nvSpPr>
+        <p:spPr>
+          <a:xfrm>
+            <a:off x="6946603" y="3700128"/>
+            <a:ext cx="106326" cy="111642"/>
+          </a:xfrm>
+          <a:prstGeom prst="ellipse">
+            <a:avLst/>
+          </a:prstGeom>
+          <a:solidFill>
+            <a:srgbClr val="000000"/>
+          </a:solidFill>
+        </p:spPr>
+        <p:style>
+          <a:lnRef idx="2">
+            <a:schemeClr val="accent1">
+              <a:shade val="15000"/>
+            </a:schemeClr>
+          </a:lnRef>
+          <a:fillRef idx="1">
+            <a:schemeClr val="accent1"/>
+          </a:fillRef>
+          <a:effectRef idx="0">
+            <a:schemeClr val="accent1"/>
+          </a:effectRef>
+          <a:fontRef idx="minor">
+            <a:schemeClr val="lt1"/>
+          </a:fontRef>
+        </p:style>
+        <p:txBody>
+          <a:bodyPr rtlCol="0" anchor="ctr"/>
+          <a:lstStyle/>
+          <a:p>
+            <a:pPr algn="ctr"/>
+            <a:endParaRPr lang="en-US"/>
+          </a:p>
+        </p:txBody>
+      </p:sp>
+      <p:sp>
+        <p:nvSpPr>
+          <p:cNvPr id="35" name="Oval 34">
+            <a:extLst>
+              <a:ext uri="{FF2B5EF4-FFF2-40B4-BE49-F238E27FC236}">
+                <a16:creationId xmlns:a16="http://schemas.microsoft.com/office/drawing/2014/main" id="{6962E404-3858-826B-E295-BF92A136FCA3}"/>
+              </a:ext>
+            </a:extLst>
+          </p:cNvPr>
+          <p:cNvSpPr/>
+          <p:nvPr/>
+        </p:nvSpPr>
+        <p:spPr>
+          <a:xfrm>
+            <a:off x="5309439" y="3729371"/>
+            <a:ext cx="106326" cy="111642"/>
+          </a:xfrm>
+          <a:prstGeom prst="ellipse">
+            <a:avLst/>
+          </a:prstGeom>
+          <a:solidFill>
+            <a:srgbClr val="000000"/>
+          </a:solidFill>
+        </p:spPr>
+        <p:style>
+          <a:lnRef idx="2">
+            <a:schemeClr val="accent1">
+              <a:shade val="15000"/>
+            </a:schemeClr>
+          </a:lnRef>
+          <a:fillRef idx="1">
+            <a:schemeClr val="accent1"/>
+          </a:fillRef>
+          <a:effectRef idx="0">
+            <a:schemeClr val="accent1"/>
+          </a:effectRef>
+          <a:fontRef idx="minor">
+            <a:schemeClr val="lt1"/>
+          </a:fontRef>
+        </p:style>
+        <p:txBody>
+          <a:bodyPr rtlCol="0" anchor="ctr"/>
+          <a:lstStyle/>
+          <a:p>
+            <a:pPr algn="ctr"/>
+            <a:endParaRPr lang="en-US"/>
+          </a:p>
+        </p:txBody>
+      </p:sp>
+      <p:sp>
+        <p:nvSpPr>
+          <p:cNvPr id="36" name="Oval 35">
+            <a:extLst>
+              <a:ext uri="{FF2B5EF4-FFF2-40B4-BE49-F238E27FC236}">
+                <a16:creationId xmlns:a16="http://schemas.microsoft.com/office/drawing/2014/main" id="{471BF54F-2CB0-558D-575F-99CAEDCDA41A}"/>
+              </a:ext>
+            </a:extLst>
+          </p:cNvPr>
+          <p:cNvSpPr/>
+          <p:nvPr/>
+        </p:nvSpPr>
+        <p:spPr>
+          <a:xfrm>
+            <a:off x="6032205" y="3308774"/>
+            <a:ext cx="106326" cy="111642"/>
+          </a:xfrm>
+          <a:prstGeom prst="ellipse">
+            <a:avLst/>
+          </a:prstGeom>
+          <a:solidFill>
+            <a:srgbClr val="000000"/>
+          </a:solidFill>
+        </p:spPr>
+        <p:style>
+          <a:lnRef idx="2">
+            <a:schemeClr val="accent1">
+              <a:shade val="15000"/>
+            </a:schemeClr>
+          </a:lnRef>
+          <a:fillRef idx="1">
+            <a:schemeClr val="accent1"/>
+          </a:fillRef>
+          <a:effectRef idx="0">
+            <a:schemeClr val="accent1"/>
+          </a:effectRef>
+          <a:fontRef idx="minor">
+            <a:schemeClr val="lt1"/>
+          </a:fontRef>
+        </p:style>
+        <p:txBody>
+          <a:bodyPr rtlCol="0" anchor="ctr"/>
+          <a:lstStyle/>
+          <a:p>
+            <a:pPr algn="ctr"/>
+            <a:endParaRPr lang="en-US"/>
+          </a:p>
+        </p:txBody>
+      </p:sp>
+      <p:sp>
+        <p:nvSpPr>
+          <p:cNvPr id="37" name="Oval 36">
+            <a:extLst>
+              <a:ext uri="{FF2B5EF4-FFF2-40B4-BE49-F238E27FC236}">
+                <a16:creationId xmlns:a16="http://schemas.microsoft.com/office/drawing/2014/main" id="{E7BFD30B-A71C-E9BF-B307-055D9F525FAC}"/>
+              </a:ext>
+            </a:extLst>
+          </p:cNvPr>
+          <p:cNvSpPr/>
+          <p:nvPr/>
+        </p:nvSpPr>
+        <p:spPr>
+          <a:xfrm>
+            <a:off x="4564911" y="4414242"/>
+            <a:ext cx="106326" cy="111642"/>
+          </a:xfrm>
+          <a:prstGeom prst="ellipse">
+            <a:avLst/>
+          </a:prstGeom>
+          <a:solidFill>
+            <a:srgbClr val="000000"/>
+          </a:solidFill>
+        </p:spPr>
+        <p:style>
+          <a:lnRef idx="2">
+            <a:schemeClr val="accent1">
+              <a:shade val="15000"/>
+            </a:schemeClr>
+          </a:lnRef>
+          <a:fillRef idx="1">
+            <a:schemeClr val="accent1"/>
+          </a:fillRef>
+          <a:effectRef idx="0">
+            <a:schemeClr val="accent1"/>
+          </a:effectRef>
+          <a:fontRef idx="minor">
+            <a:schemeClr val="lt1"/>
+          </a:fontRef>
+        </p:style>
+        <p:txBody>
+          <a:bodyPr rtlCol="0" anchor="ctr"/>
+          <a:lstStyle/>
+          <a:p>
+            <a:pPr algn="ctr"/>
+            <a:endParaRPr lang="en-US"/>
+          </a:p>
+        </p:txBody>
+      </p:sp>
+      <p:sp>
+        <p:nvSpPr>
+          <p:cNvPr id="47" name="TextBox 46">
+            <a:extLst>
+              <a:ext uri="{FF2B5EF4-FFF2-40B4-BE49-F238E27FC236}">
+                <a16:creationId xmlns:a16="http://schemas.microsoft.com/office/drawing/2014/main" id="{CA6D5B7E-79E3-90C4-CDB8-FAA8FBA0FF98}"/>
+              </a:ext>
+            </a:extLst>
+          </p:cNvPr>
+          <p:cNvSpPr txBox="1"/>
+          <p:nvPr/>
+        </p:nvSpPr>
+        <p:spPr>
+          <a:xfrm>
+            <a:off x="4017464" y="4316174"/>
+            <a:ext cx="600610" cy="307777"/>
+          </a:xfrm>
+          <a:prstGeom prst="rect">
+            <a:avLst/>
+          </a:prstGeom>
+          <a:noFill/>
+        </p:spPr>
+        <p:txBody>
+          <a:bodyPr wrap="square" rtlCol="0">
+            <a:spAutoFit/>
+          </a:bodyPr>
+          <a:lstStyle/>
+          <a:p>
+            <a:r>
+              <a:rPr lang="en-US" dirty="0"/>
+              <a:t>Jack</a:t>
+            </a:r>
+          </a:p>
+        </p:txBody>
+      </p:sp>
+      <p:sp>
+        <p:nvSpPr>
+          <p:cNvPr id="48" name="TextBox 47">
+            <a:extLst>
+              <a:ext uri="{FF2B5EF4-FFF2-40B4-BE49-F238E27FC236}">
+                <a16:creationId xmlns:a16="http://schemas.microsoft.com/office/drawing/2014/main" id="{F41FD077-277F-D989-6CB1-72646FB79D33}"/>
+              </a:ext>
+            </a:extLst>
+          </p:cNvPr>
+          <p:cNvSpPr txBox="1"/>
+          <p:nvPr/>
+        </p:nvSpPr>
+        <p:spPr>
+          <a:xfrm>
+            <a:off x="4895719" y="3533236"/>
+            <a:ext cx="600610" cy="307777"/>
+          </a:xfrm>
+          <a:prstGeom prst="rect">
+            <a:avLst/>
+          </a:prstGeom>
+          <a:noFill/>
+        </p:spPr>
+        <p:txBody>
+          <a:bodyPr wrap="square" rtlCol="0">
+            <a:spAutoFit/>
+          </a:bodyPr>
+          <a:lstStyle/>
+          <a:p>
+            <a:r>
+              <a:rPr lang="en-US" dirty="0"/>
+              <a:t>Jill</a:t>
+            </a:r>
+          </a:p>
+        </p:txBody>
+      </p:sp>
+      <p:sp>
+        <p:nvSpPr>
+          <p:cNvPr id="49" name="TextBox 48">
+            <a:extLst>
+              <a:ext uri="{FF2B5EF4-FFF2-40B4-BE49-F238E27FC236}">
+                <a16:creationId xmlns:a16="http://schemas.microsoft.com/office/drawing/2014/main" id="{B1C5546A-5417-0A1D-D717-E7127B09ABAC}"/>
+              </a:ext>
+            </a:extLst>
+          </p:cNvPr>
+          <p:cNvSpPr txBox="1"/>
+          <p:nvPr/>
+        </p:nvSpPr>
+        <p:spPr>
+          <a:xfrm>
+            <a:off x="5613297" y="3121223"/>
+            <a:ext cx="600610" cy="307777"/>
+          </a:xfrm>
+          <a:prstGeom prst="rect">
+            <a:avLst/>
+          </a:prstGeom>
+          <a:noFill/>
+        </p:spPr>
+        <p:txBody>
+          <a:bodyPr wrap="square" rtlCol="0">
+            <a:spAutoFit/>
+          </a:bodyPr>
+          <a:lstStyle/>
+          <a:p>
+            <a:r>
+              <a:rPr lang="en-US" dirty="0"/>
+              <a:t>Joe</a:t>
+            </a:r>
+          </a:p>
+        </p:txBody>
+      </p:sp>
+      <p:sp>
+        <p:nvSpPr>
+          <p:cNvPr id="50" name="TextBox 49">
+            <a:extLst>
+              <a:ext uri="{FF2B5EF4-FFF2-40B4-BE49-F238E27FC236}">
+                <a16:creationId xmlns:a16="http://schemas.microsoft.com/office/drawing/2014/main" id="{40D9E1EF-1214-699A-1C87-7F532EC0353B}"/>
+              </a:ext>
+            </a:extLst>
+          </p:cNvPr>
+          <p:cNvSpPr txBox="1"/>
+          <p:nvPr/>
+        </p:nvSpPr>
+        <p:spPr>
+          <a:xfrm>
+            <a:off x="7019911" y="3641531"/>
+            <a:ext cx="797526" cy="307777"/>
+          </a:xfrm>
+          <a:prstGeom prst="rect">
+            <a:avLst/>
+          </a:prstGeom>
+          <a:noFill/>
+        </p:spPr>
+        <p:txBody>
+          <a:bodyPr wrap="square" rtlCol="0">
+            <a:spAutoFit/>
+          </a:bodyPr>
+          <a:lstStyle/>
+          <a:p>
+            <a:r>
+              <a:rPr lang="en-US" dirty="0"/>
+              <a:t>Jared</a:t>
+            </a:r>
+          </a:p>
+        </p:txBody>
+      </p:sp>
+    </p:spTree>
+    <p:extLst>
+      <p:ext uri="{BB962C8B-B14F-4D97-AF65-F5344CB8AC3E}">
+        <p14:creationId xmlns:p14="http://schemas.microsoft.com/office/powerpoint/2010/main" val="682111659"/>
+      </p:ext>
+    </p:extLst>
+  </p:cSld>
+  <p:clrMapOvr>
+    <a:masterClrMapping/>
+  </p:clrMapOvr>
+</p:sld>
+</file>
+
+<file path=ppt/slides/slide12.xml><?xml version="1.0" encoding="utf-8"?>
+<p:sld xmlns:a="http://schemas.openxmlformats.org/drawingml/2006/main" xmlns:r="http://schemas.openxmlformats.org/officeDocument/2006/relationships" xmlns:p="http://schemas.openxmlformats.org/presentationml/2006/main">
+  <p:cSld>
+    <p:spTree>
+      <p:nvGrpSpPr>
+        <p:cNvPr id="1" name="">
+          <a:extLst>
+            <a:ext uri="{FF2B5EF4-FFF2-40B4-BE49-F238E27FC236}">
+              <a16:creationId xmlns:a16="http://schemas.microsoft.com/office/drawing/2014/main" id="{C3BB01BA-7B8B-228F-101E-702CBE7817D6}"/>
+            </a:ext>
+          </a:extLst>
+        </p:cNvPr>
+        <p:cNvGrpSpPr/>
+        <p:nvPr/>
+      </p:nvGrpSpPr>
+      <p:grpSpPr>
+        <a:xfrm>
+          <a:off x="0" y="0"/>
+          <a:ext cx="0" cy="0"/>
+          <a:chOff x="0" y="0"/>
+          <a:chExt cx="0" cy="0"/>
+        </a:xfrm>
+      </p:grpSpPr>
+      <p:sp>
+        <p:nvSpPr>
+          <p:cNvPr id="2" name="Title 1">
+            <a:extLst>
+              <a:ext uri="{FF2B5EF4-FFF2-40B4-BE49-F238E27FC236}">
+                <a16:creationId xmlns:a16="http://schemas.microsoft.com/office/drawing/2014/main" id="{C2B9D056-90A8-E7F4-6E6E-5E1540C5F35B}"/>
+              </a:ext>
+            </a:extLst>
+          </p:cNvPr>
+          <p:cNvSpPr>
+            <a:spLocks noGrp="1"/>
+          </p:cNvSpPr>
+          <p:nvPr>
+            <p:ph type="title"/>
+          </p:nvPr>
+        </p:nvSpPr>
+        <p:spPr/>
+        <p:txBody>
+          <a:bodyPr/>
+          <a:lstStyle/>
+          <a:p>
+            <a:r>
+              <a:rPr lang="en-US" dirty="0"/>
+              <a:t>Data (cont.)</a:t>
+            </a:r>
+          </a:p>
+        </p:txBody>
+      </p:sp>
+      <mc:AlternateContent xmlns:mc="http://schemas.openxmlformats.org/markup-compatibility/2006" xmlns:a14="http://schemas.microsoft.com/office/drawing/2010/main">
+        <mc:Choice Requires="a14">
+          <p:sp>
+            <p:nvSpPr>
+              <p:cNvPr id="3" name="Text Placeholder 2">
+                <a:extLst>
+                  <a:ext uri="{FF2B5EF4-FFF2-40B4-BE49-F238E27FC236}">
+                    <a16:creationId xmlns:a16="http://schemas.microsoft.com/office/drawing/2014/main" id="{1456C8F0-9894-CD98-5DBE-A4ABACC61740}"/>
+                  </a:ext>
+                </a:extLst>
+              </p:cNvPr>
+              <p:cNvSpPr>
+                <a:spLocks noGrp="1"/>
+              </p:cNvSpPr>
+              <p:nvPr>
+                <p:ph type="body" idx="1"/>
+              </p:nvPr>
+            </p:nvSpPr>
+            <p:spPr>
+              <a:xfrm>
+                <a:off x="415600" y="1664160"/>
+                <a:ext cx="11360800" cy="4403600"/>
+              </a:xfrm>
+            </p:spPr>
+            <p:txBody>
+              <a:bodyPr>
+                <a:normAutofit/>
+              </a:bodyPr>
+              <a:lstStyle/>
+              <a:p>
+                <a:r>
+                  <a:rPr lang="en-US" dirty="0"/>
+                  <a:t>Example types of data:</a:t>
+                </a:r>
+              </a:p>
+              <a:p>
+                <a:pPr lvl="1"/>
+                <a:r>
+                  <a:rPr lang="en-US" dirty="0"/>
+                  <a:t>Graphs: nodes connected by edges</a:t>
+                </a:r>
+              </a:p>
+              <a:p>
+                <a:pPr lvl="1"/>
+                <a:r>
+                  <a:rPr lang="en-US" dirty="0"/>
+                  <a:t>E.g., graph to show a social media network. Nodes = individual people, Edges = follower relation</a:t>
+                </a:r>
+              </a:p>
+              <a:p>
+                <a:pPr lvl="1"/>
+                <a:endParaRPr lang="en-US" dirty="0"/>
+              </a:p>
+              <a:p>
+                <a:pPr lvl="1"/>
+                <a:endParaRPr lang="en-US" dirty="0"/>
+              </a:p>
+              <a:p>
+                <a:pPr lvl="1"/>
+                <a:endParaRPr lang="en-US" dirty="0"/>
+              </a:p>
+              <a:p>
+                <a:pPr lvl="1"/>
+                <a:endParaRPr lang="en-US" dirty="0"/>
+              </a:p>
+              <a:p>
+                <a:pPr lvl="1"/>
+                <a:endParaRPr lang="en-US" dirty="0"/>
+              </a:p>
+              <a:p>
+                <a:pPr lvl="1"/>
+                <a:r>
+                  <a:rPr lang="en-US" dirty="0"/>
+                  <a:t>Adjacency Matrix:                    </a:t>
+                </a:r>
+                <a14:m>
+                  <m:oMath xmlns:m="http://schemas.openxmlformats.org/officeDocument/2006/math">
+                    <m:d>
+                      <m:dPr>
+                        <m:ctrlPr>
+                          <a:rPr lang="en-US" b="0" i="1" smtClean="0">
+                            <a:latin typeface="Cambria Math" panose="02040503050406030204" pitchFamily="18" charset="0"/>
+                          </a:rPr>
+                        </m:ctrlPr>
+                      </m:dPr>
+                      <m:e>
+                        <m:m>
+                          <m:mPr>
+                            <m:plcHide m:val="on"/>
+                            <m:mcs>
+                              <m:mc>
+                                <m:mcPr>
+                                  <m:count m:val="4"/>
+                                  <m:mcJc m:val="center"/>
+                                </m:mcPr>
+                              </m:mc>
+                            </m:mcs>
+                            <m:ctrlPr>
+                              <a:rPr lang="en-US" b="0" i="1" smtClean="0">
+                                <a:latin typeface="Cambria Math" panose="02040503050406030204" pitchFamily="18" charset="0"/>
+                              </a:rPr>
+                            </m:ctrlPr>
+                          </m:mPr>
+                          <m:mr>
+                            <m:e>
+                              <m:r>
+                                <a:rPr lang="en-US" b="0" i="1" smtClean="0">
+                                  <a:latin typeface="Cambria Math" panose="02040503050406030204" pitchFamily="18" charset="0"/>
+                                </a:rPr>
+                                <m:t>0</m:t>
+                              </m:r>
+                            </m:e>
+                            <m:e>
+                              <m:r>
+                                <a:rPr lang="en-US" b="0" i="1" smtClean="0">
+                                  <a:latin typeface="Cambria Math" panose="02040503050406030204" pitchFamily="18" charset="0"/>
+                                </a:rPr>
+                                <m:t>1</m:t>
+                              </m:r>
+                            </m:e>
+                            <m:e>
+                              <m:r>
+                                <a:rPr lang="en-US" b="0" i="1" smtClean="0">
+                                  <a:latin typeface="Cambria Math" panose="02040503050406030204" pitchFamily="18" charset="0"/>
+                                </a:rPr>
+                                <m:t>0</m:t>
+                              </m:r>
+                            </m:e>
+                            <m:e>
+                              <m:r>
+                                <a:rPr lang="en-US" b="0" i="1" smtClean="0">
+                                  <a:latin typeface="Cambria Math" panose="02040503050406030204" pitchFamily="18" charset="0"/>
+                                </a:rPr>
+                                <m:t>0</m:t>
+                              </m:r>
+                            </m:e>
+                          </m:mr>
+                          <m:mr>
+                            <m:e>
+                              <m:r>
+                                <a:rPr lang="en-US" b="0" i="1" smtClean="0">
+                                  <a:latin typeface="Cambria Math" panose="02040503050406030204" pitchFamily="18" charset="0"/>
+                                </a:rPr>
+                                <m:t>0</m:t>
+                              </m:r>
+                            </m:e>
+                            <m:e>
+                              <m:r>
+                                <a:rPr lang="en-US" b="0" i="1" smtClean="0">
+                                  <a:latin typeface="Cambria Math" panose="02040503050406030204" pitchFamily="18" charset="0"/>
+                                </a:rPr>
+                                <m:t>0</m:t>
+                              </m:r>
+                            </m:e>
+                            <m:e>
+                              <m:r>
+                                <a:rPr lang="en-US" b="0" i="1" smtClean="0">
+                                  <a:latin typeface="Cambria Math" panose="02040503050406030204" pitchFamily="18" charset="0"/>
+                                </a:rPr>
+                                <m:t>1</m:t>
+                              </m:r>
+                            </m:e>
+                            <m:e>
+                              <m:r>
+                                <a:rPr lang="en-US" b="0" i="1" smtClean="0">
+                                  <a:latin typeface="Cambria Math" panose="02040503050406030204" pitchFamily="18" charset="0"/>
+                                </a:rPr>
+                                <m:t>0</m:t>
+                              </m:r>
+                            </m:e>
+                          </m:mr>
+                          <m:mr>
+                            <m:e>
+                              <m:r>
+                                <a:rPr lang="en-US" b="0" i="1" smtClean="0">
+                                  <a:latin typeface="Cambria Math" panose="02040503050406030204" pitchFamily="18" charset="0"/>
+                                </a:rPr>
+                                <m:t>0</m:t>
+                              </m:r>
+                            </m:e>
+                            <m:e>
+                              <m:r>
+                                <a:rPr lang="en-US" b="0" i="1" smtClean="0">
+                                  <a:latin typeface="Cambria Math" panose="02040503050406030204" pitchFamily="18" charset="0"/>
+                                </a:rPr>
+                                <m:t>0</m:t>
+                              </m:r>
+                            </m:e>
+                            <m:e>
+                              <m:r>
+                                <a:rPr lang="en-US" b="0" i="1" smtClean="0">
+                                  <a:latin typeface="Cambria Math" panose="02040503050406030204" pitchFamily="18" charset="0"/>
+                                </a:rPr>
+                                <m:t>0</m:t>
+                              </m:r>
+                            </m:e>
+                            <m:e>
+                              <m:r>
+                                <a:rPr lang="en-US" b="0" i="1" smtClean="0">
+                                  <a:latin typeface="Cambria Math" panose="02040503050406030204" pitchFamily="18" charset="0"/>
+                                </a:rPr>
+                                <m:t>1</m:t>
+                              </m:r>
+                            </m:e>
+                          </m:mr>
+                          <m:mr>
+                            <m:e>
+                              <m:r>
+                                <a:rPr lang="en-US" b="0" i="1" smtClean="0">
+                                  <a:latin typeface="Cambria Math" panose="02040503050406030204" pitchFamily="18" charset="0"/>
+                                </a:rPr>
+                                <m:t>1</m:t>
+                              </m:r>
+                            </m:e>
+                            <m:e>
+                              <m:r>
+                                <a:rPr lang="en-US" b="0" i="1" smtClean="0">
+                                  <a:latin typeface="Cambria Math" panose="02040503050406030204" pitchFamily="18" charset="0"/>
+                                </a:rPr>
+                                <m:t>0</m:t>
+                              </m:r>
+                            </m:e>
+                            <m:e>
+                              <m:r>
+                                <a:rPr lang="en-US" b="0" i="1" smtClean="0">
+                                  <a:latin typeface="Cambria Math" panose="02040503050406030204" pitchFamily="18" charset="0"/>
+                                </a:rPr>
+                                <m:t>1</m:t>
+                              </m:r>
+                            </m:e>
+                            <m:e>
+                              <m:r>
+                                <a:rPr lang="en-US" b="0" i="1" smtClean="0">
+                                  <a:latin typeface="Cambria Math" panose="02040503050406030204" pitchFamily="18" charset="0"/>
+                                </a:rPr>
+                                <m:t>0</m:t>
+                              </m:r>
+                            </m:e>
+                          </m:mr>
+                        </m:m>
+                      </m:e>
+                    </m:d>
+                  </m:oMath>
+                </a14:m>
+                <a:endParaRPr lang="en-US" b="0" dirty="0"/>
+              </a:p>
+              <a:p>
+                <a:pPr lvl="1"/>
+                <a:endParaRPr lang="en-US" b="0" dirty="0"/>
+              </a:p>
+              <a:p>
+                <a:pPr lvl="1"/>
+                <a:endParaRPr lang="en-US" dirty="0"/>
+              </a:p>
+            </p:txBody>
+          </p:sp>
+        </mc:Choice>
+        <mc:Fallback xmlns="">
+          <p:sp>
+            <p:nvSpPr>
+              <p:cNvPr id="3" name="Text Placeholder 2">
+                <a:extLst>
+                  <a:ext uri="{FF2B5EF4-FFF2-40B4-BE49-F238E27FC236}">
+                    <a16:creationId xmlns:a16="http://schemas.microsoft.com/office/drawing/2014/main" id="{1456C8F0-9894-CD98-5DBE-A4ABACC61740}"/>
+                  </a:ext>
+                </a:extLst>
+              </p:cNvPr>
+              <p:cNvSpPr>
+                <a:spLocks noGrp="1" noRot="1" noChangeAspect="1" noMove="1" noResize="1" noEditPoints="1" noAdjustHandles="1" noChangeArrowheads="1" noChangeShapeType="1" noTextEdit="1"/>
+              </p:cNvSpPr>
+              <p:nvPr>
+                <p:ph type="body" idx="1"/>
+              </p:nvPr>
+            </p:nvSpPr>
+            <p:spPr>
+              <a:xfrm>
+                <a:off x="415600" y="1664160"/>
+                <a:ext cx="11360800" cy="4403600"/>
+              </a:xfrm>
+              <a:blipFill>
+                <a:blip r:embed="rId2"/>
+                <a:stretch>
+                  <a:fillRect/>
+                </a:stretch>
+              </a:blipFill>
+            </p:spPr>
+            <p:txBody>
+              <a:bodyPr/>
+              <a:lstStyle/>
+              <a:p>
+                <a:r>
+                  <a:rPr lang="en-US">
+                    <a:noFill/>
+                  </a:rPr>
+                  <a:t> </a:t>
+                </a:r>
+              </a:p>
+            </p:txBody>
+          </p:sp>
+        </mc:Fallback>
+      </mc:AlternateContent>
+      <p:cxnSp>
+        <p:nvCxnSpPr>
+          <p:cNvPr id="14" name="Straight Arrow Connector 13">
+            <a:extLst>
+              <a:ext uri="{FF2B5EF4-FFF2-40B4-BE49-F238E27FC236}">
+                <a16:creationId xmlns:a16="http://schemas.microsoft.com/office/drawing/2014/main" id="{9B0FFD66-F586-80C4-D097-B6E24932E9CD}"/>
+              </a:ext>
+            </a:extLst>
+          </p:cNvPr>
+          <p:cNvCxnSpPr>
+            <a:cxnSpLocks/>
+            <a:endCxn id="35" idx="3"/>
+          </p:cNvCxnSpPr>
+          <p:nvPr/>
+        </p:nvCxnSpPr>
+        <p:spPr>
+          <a:xfrm flipV="1">
+            <a:off x="5100777" y="3895203"/>
+            <a:ext cx="706936" cy="616157"/>
+          </a:xfrm>
+          <a:prstGeom prst="straightConnector1">
+            <a:avLst/>
+          </a:prstGeom>
+          <a:ln>
+            <a:tailEnd type="triangle"/>
+          </a:ln>
+        </p:spPr>
+        <p:style>
+          <a:lnRef idx="2">
+            <a:schemeClr val="accent1"/>
+          </a:lnRef>
+          <a:fillRef idx="0">
+            <a:schemeClr val="accent1"/>
+          </a:fillRef>
+          <a:effectRef idx="1">
+            <a:schemeClr val="accent1"/>
+          </a:effectRef>
+          <a:fontRef idx="minor">
+            <a:schemeClr val="tx1"/>
+          </a:fontRef>
+        </p:style>
+      </p:cxnSp>
+      <p:cxnSp>
+        <p:nvCxnSpPr>
+          <p:cNvPr id="16" name="Straight Arrow Connector 15">
+            <a:extLst>
+              <a:ext uri="{FF2B5EF4-FFF2-40B4-BE49-F238E27FC236}">
+                <a16:creationId xmlns:a16="http://schemas.microsoft.com/office/drawing/2014/main" id="{98AFBC1E-37E4-61BF-1F08-25D4DA9E89C8}"/>
+              </a:ext>
+            </a:extLst>
+          </p:cNvPr>
+          <p:cNvCxnSpPr>
+            <a:cxnSpLocks/>
+          </p:cNvCxnSpPr>
+          <p:nvPr/>
+        </p:nvCxnSpPr>
+        <p:spPr>
+          <a:xfrm flipV="1">
+            <a:off x="5898219" y="3499540"/>
+            <a:ext cx="680484" cy="313660"/>
+          </a:xfrm>
+          <a:prstGeom prst="straightConnector1">
+            <a:avLst/>
+          </a:prstGeom>
+          <a:ln>
+            <a:tailEnd type="triangle"/>
+          </a:ln>
+        </p:spPr>
+        <p:style>
+          <a:lnRef idx="2">
+            <a:schemeClr val="accent1"/>
+          </a:lnRef>
+          <a:fillRef idx="0">
+            <a:schemeClr val="accent1"/>
+          </a:fillRef>
+          <a:effectRef idx="1">
+            <a:schemeClr val="accent1"/>
+          </a:effectRef>
+          <a:fontRef idx="minor">
+            <a:schemeClr val="tx1"/>
+          </a:fontRef>
+        </p:style>
+      </p:cxnSp>
+      <p:cxnSp>
+        <p:nvCxnSpPr>
+          <p:cNvPr id="19" name="Straight Arrow Connector 18">
+            <a:extLst>
+              <a:ext uri="{FF2B5EF4-FFF2-40B4-BE49-F238E27FC236}">
+                <a16:creationId xmlns:a16="http://schemas.microsoft.com/office/drawing/2014/main" id="{B6082D79-2853-BD0C-787B-CACA8EAD3D6C}"/>
+              </a:ext>
+            </a:extLst>
+          </p:cNvPr>
+          <p:cNvCxnSpPr>
+            <a:cxnSpLocks/>
+            <a:stCxn id="36" idx="6"/>
+            <a:endCxn id="34" idx="1"/>
+          </p:cNvCxnSpPr>
+          <p:nvPr/>
+        </p:nvCxnSpPr>
+        <p:spPr>
+          <a:xfrm>
+            <a:off x="6621234" y="3435135"/>
+            <a:ext cx="823643" cy="351883"/>
+          </a:xfrm>
+          <a:prstGeom prst="straightConnector1">
+            <a:avLst/>
+          </a:prstGeom>
+          <a:ln>
+            <a:tailEnd type="triangle"/>
+          </a:ln>
+        </p:spPr>
+        <p:style>
+          <a:lnRef idx="2">
+            <a:schemeClr val="accent1"/>
+          </a:lnRef>
+          <a:fillRef idx="0">
+            <a:schemeClr val="accent1"/>
+          </a:fillRef>
+          <a:effectRef idx="1">
+            <a:schemeClr val="accent1"/>
+          </a:effectRef>
+          <a:fontRef idx="minor">
+            <a:schemeClr val="tx1"/>
+          </a:fontRef>
+        </p:style>
+      </p:cxnSp>
+      <p:cxnSp>
+        <p:nvCxnSpPr>
+          <p:cNvPr id="24" name="Straight Arrow Connector 23">
+            <a:extLst>
+              <a:ext uri="{FF2B5EF4-FFF2-40B4-BE49-F238E27FC236}">
+                <a16:creationId xmlns:a16="http://schemas.microsoft.com/office/drawing/2014/main" id="{30E307B5-0EFB-1CC0-9257-247826875DBD}"/>
+              </a:ext>
+            </a:extLst>
+          </p:cNvPr>
+          <p:cNvCxnSpPr>
+            <a:cxnSpLocks/>
+            <a:stCxn id="34" idx="3"/>
+            <a:endCxn id="37" idx="6"/>
+          </p:cNvCxnSpPr>
+          <p:nvPr/>
+        </p:nvCxnSpPr>
+        <p:spPr>
+          <a:xfrm flipH="1">
+            <a:off x="5153940" y="3865960"/>
+            <a:ext cx="2290937" cy="674643"/>
+          </a:xfrm>
+          <a:prstGeom prst="straightConnector1">
+            <a:avLst/>
+          </a:prstGeom>
+          <a:ln>
+            <a:tailEnd type="triangle"/>
+          </a:ln>
+        </p:spPr>
+        <p:style>
+          <a:lnRef idx="2">
+            <a:schemeClr val="accent1"/>
+          </a:lnRef>
+          <a:fillRef idx="0">
+            <a:schemeClr val="accent1"/>
+          </a:fillRef>
+          <a:effectRef idx="1">
+            <a:schemeClr val="accent1"/>
+          </a:effectRef>
+          <a:fontRef idx="minor">
+            <a:schemeClr val="tx1"/>
+          </a:fontRef>
+        </p:style>
+      </p:cxnSp>
+      <p:cxnSp>
+        <p:nvCxnSpPr>
+          <p:cNvPr id="27" name="Straight Arrow Connector 26">
+            <a:extLst>
+              <a:ext uri="{FF2B5EF4-FFF2-40B4-BE49-F238E27FC236}">
+                <a16:creationId xmlns:a16="http://schemas.microsoft.com/office/drawing/2014/main" id="{4B8E28F8-D7F8-3AC7-D8D0-48C87DA446C1}"/>
+              </a:ext>
+            </a:extLst>
+          </p:cNvPr>
+          <p:cNvCxnSpPr>
+            <a:cxnSpLocks/>
+            <a:stCxn id="34" idx="2"/>
+            <a:endCxn id="36" idx="4"/>
+          </p:cNvCxnSpPr>
+          <p:nvPr/>
+        </p:nvCxnSpPr>
+        <p:spPr>
+          <a:xfrm flipH="1" flipV="1">
+            <a:off x="6568071" y="3490956"/>
+            <a:ext cx="861235" cy="335533"/>
+          </a:xfrm>
+          <a:prstGeom prst="straightConnector1">
+            <a:avLst/>
+          </a:prstGeom>
+          <a:ln>
+            <a:tailEnd type="triangle"/>
+          </a:ln>
+        </p:spPr>
+        <p:style>
+          <a:lnRef idx="2">
+            <a:schemeClr val="accent1"/>
+          </a:lnRef>
+          <a:fillRef idx="0">
+            <a:schemeClr val="accent1"/>
+          </a:fillRef>
+          <a:effectRef idx="1">
+            <a:schemeClr val="accent1"/>
+          </a:effectRef>
+          <a:fontRef idx="minor">
+            <a:schemeClr val="tx1"/>
+          </a:fontRef>
+        </p:style>
+      </p:cxnSp>
+      <p:sp>
+        <p:nvSpPr>
+          <p:cNvPr id="34" name="Oval 33">
+            <a:extLst>
+              <a:ext uri="{FF2B5EF4-FFF2-40B4-BE49-F238E27FC236}">
+                <a16:creationId xmlns:a16="http://schemas.microsoft.com/office/drawing/2014/main" id="{81D37781-91C3-FBDE-B4D7-4E2173874C7C}"/>
+              </a:ext>
+            </a:extLst>
+          </p:cNvPr>
+          <p:cNvSpPr/>
+          <p:nvPr/>
+        </p:nvSpPr>
+        <p:spPr>
+          <a:xfrm>
+            <a:off x="7429306" y="3770668"/>
+            <a:ext cx="106326" cy="111642"/>
+          </a:xfrm>
+          <a:prstGeom prst="ellipse">
+            <a:avLst/>
+          </a:prstGeom>
+          <a:solidFill>
+            <a:srgbClr val="000000"/>
+          </a:solidFill>
+        </p:spPr>
+        <p:style>
+          <a:lnRef idx="2">
+            <a:schemeClr val="accent1">
+              <a:shade val="15000"/>
+            </a:schemeClr>
+          </a:lnRef>
+          <a:fillRef idx="1">
+            <a:schemeClr val="accent1"/>
+          </a:fillRef>
+          <a:effectRef idx="0">
+            <a:schemeClr val="accent1"/>
+          </a:effectRef>
+          <a:fontRef idx="minor">
+            <a:schemeClr val="lt1"/>
+          </a:fontRef>
+        </p:style>
+        <p:txBody>
+          <a:bodyPr rtlCol="0" anchor="ctr"/>
+          <a:lstStyle/>
+          <a:p>
+            <a:pPr algn="ctr"/>
+            <a:endParaRPr lang="en-US"/>
+          </a:p>
+        </p:txBody>
+      </p:sp>
+      <p:sp>
+        <p:nvSpPr>
+          <p:cNvPr id="35" name="Oval 34">
+            <a:extLst>
+              <a:ext uri="{FF2B5EF4-FFF2-40B4-BE49-F238E27FC236}">
+                <a16:creationId xmlns:a16="http://schemas.microsoft.com/office/drawing/2014/main" id="{78159281-7A42-0FB1-78EE-293E4A0E56E4}"/>
+              </a:ext>
+            </a:extLst>
+          </p:cNvPr>
+          <p:cNvSpPr/>
+          <p:nvPr/>
+        </p:nvSpPr>
+        <p:spPr>
+          <a:xfrm>
+            <a:off x="5792142" y="3799911"/>
+            <a:ext cx="106326" cy="111642"/>
+          </a:xfrm>
+          <a:prstGeom prst="ellipse">
+            <a:avLst/>
+          </a:prstGeom>
+          <a:solidFill>
+            <a:srgbClr val="000000"/>
+          </a:solidFill>
+        </p:spPr>
+        <p:style>
+          <a:lnRef idx="2">
+            <a:schemeClr val="accent1">
+              <a:shade val="15000"/>
+            </a:schemeClr>
+          </a:lnRef>
+          <a:fillRef idx="1">
+            <a:schemeClr val="accent1"/>
+          </a:fillRef>
+          <a:effectRef idx="0">
+            <a:schemeClr val="accent1"/>
+          </a:effectRef>
+          <a:fontRef idx="minor">
+            <a:schemeClr val="lt1"/>
+          </a:fontRef>
+        </p:style>
+        <p:txBody>
+          <a:bodyPr rtlCol="0" anchor="ctr"/>
+          <a:lstStyle/>
+          <a:p>
+            <a:pPr algn="ctr"/>
+            <a:endParaRPr lang="en-US"/>
+          </a:p>
+        </p:txBody>
+      </p:sp>
+      <p:sp>
+        <p:nvSpPr>
+          <p:cNvPr id="36" name="Oval 35">
+            <a:extLst>
+              <a:ext uri="{FF2B5EF4-FFF2-40B4-BE49-F238E27FC236}">
+                <a16:creationId xmlns:a16="http://schemas.microsoft.com/office/drawing/2014/main" id="{0495DAC4-FE3A-0FCA-3A0B-9FADDAEDB7E7}"/>
+              </a:ext>
+            </a:extLst>
+          </p:cNvPr>
+          <p:cNvSpPr/>
+          <p:nvPr/>
+        </p:nvSpPr>
+        <p:spPr>
+          <a:xfrm>
+            <a:off x="6514908" y="3379314"/>
+            <a:ext cx="106326" cy="111642"/>
+          </a:xfrm>
+          <a:prstGeom prst="ellipse">
+            <a:avLst/>
+          </a:prstGeom>
+          <a:solidFill>
+            <a:srgbClr val="000000"/>
+          </a:solidFill>
+        </p:spPr>
+        <p:style>
+          <a:lnRef idx="2">
+            <a:schemeClr val="accent1">
+              <a:shade val="15000"/>
+            </a:schemeClr>
+          </a:lnRef>
+          <a:fillRef idx="1">
+            <a:schemeClr val="accent1"/>
+          </a:fillRef>
+          <a:effectRef idx="0">
+            <a:schemeClr val="accent1"/>
+          </a:effectRef>
+          <a:fontRef idx="minor">
+            <a:schemeClr val="lt1"/>
+          </a:fontRef>
+        </p:style>
+        <p:txBody>
+          <a:bodyPr rtlCol="0" anchor="ctr"/>
+          <a:lstStyle/>
+          <a:p>
+            <a:pPr algn="ctr"/>
+            <a:endParaRPr lang="en-US"/>
+          </a:p>
+        </p:txBody>
+      </p:sp>
+      <p:sp>
+        <p:nvSpPr>
+          <p:cNvPr id="37" name="Oval 36">
+            <a:extLst>
+              <a:ext uri="{FF2B5EF4-FFF2-40B4-BE49-F238E27FC236}">
+                <a16:creationId xmlns:a16="http://schemas.microsoft.com/office/drawing/2014/main" id="{D3004235-C699-4165-779B-F58C034954B0}"/>
+              </a:ext>
+            </a:extLst>
+          </p:cNvPr>
+          <p:cNvSpPr/>
+          <p:nvPr/>
+        </p:nvSpPr>
+        <p:spPr>
+          <a:xfrm>
+            <a:off x="5047614" y="4484782"/>
+            <a:ext cx="106326" cy="111642"/>
+          </a:xfrm>
+          <a:prstGeom prst="ellipse">
+            <a:avLst/>
+          </a:prstGeom>
+          <a:solidFill>
+            <a:srgbClr val="000000"/>
+          </a:solidFill>
+        </p:spPr>
+        <p:style>
+          <a:lnRef idx="2">
+            <a:schemeClr val="accent1">
+              <a:shade val="15000"/>
+            </a:schemeClr>
+          </a:lnRef>
+          <a:fillRef idx="1">
+            <a:schemeClr val="accent1"/>
+          </a:fillRef>
+          <a:effectRef idx="0">
+            <a:schemeClr val="accent1"/>
+          </a:effectRef>
+          <a:fontRef idx="minor">
+            <a:schemeClr val="lt1"/>
+          </a:fontRef>
+        </p:style>
+        <p:txBody>
+          <a:bodyPr rtlCol="0" anchor="ctr"/>
+          <a:lstStyle/>
+          <a:p>
+            <a:pPr algn="ctr"/>
+            <a:endParaRPr lang="en-US"/>
+          </a:p>
+        </p:txBody>
+      </p:sp>
+      <p:sp>
+        <p:nvSpPr>
+          <p:cNvPr id="47" name="TextBox 46">
+            <a:extLst>
+              <a:ext uri="{FF2B5EF4-FFF2-40B4-BE49-F238E27FC236}">
+                <a16:creationId xmlns:a16="http://schemas.microsoft.com/office/drawing/2014/main" id="{5119CB65-A58A-F5D9-1676-28FF787D08AE}"/>
+              </a:ext>
+            </a:extLst>
+          </p:cNvPr>
+          <p:cNvSpPr txBox="1"/>
+          <p:nvPr/>
+        </p:nvSpPr>
+        <p:spPr>
+          <a:xfrm>
+            <a:off x="4500167" y="4386714"/>
+            <a:ext cx="600610" cy="307777"/>
+          </a:xfrm>
+          <a:prstGeom prst="rect">
+            <a:avLst/>
+          </a:prstGeom>
+          <a:noFill/>
+        </p:spPr>
+        <p:txBody>
+          <a:bodyPr wrap="square" rtlCol="0">
+            <a:spAutoFit/>
+          </a:bodyPr>
+          <a:lstStyle/>
+          <a:p>
+            <a:r>
+              <a:rPr lang="en-US" dirty="0"/>
+              <a:t>Jack</a:t>
+            </a:r>
+          </a:p>
+        </p:txBody>
+      </p:sp>
+      <p:sp>
+        <p:nvSpPr>
+          <p:cNvPr id="48" name="TextBox 47">
+            <a:extLst>
+              <a:ext uri="{FF2B5EF4-FFF2-40B4-BE49-F238E27FC236}">
+                <a16:creationId xmlns:a16="http://schemas.microsoft.com/office/drawing/2014/main" id="{9754FCE5-E7B9-08E2-31A6-74CF45F91255}"/>
+              </a:ext>
+            </a:extLst>
+          </p:cNvPr>
+          <p:cNvSpPr txBox="1"/>
+          <p:nvPr/>
+        </p:nvSpPr>
+        <p:spPr>
+          <a:xfrm>
+            <a:off x="5378422" y="3603776"/>
+            <a:ext cx="600610" cy="307777"/>
+          </a:xfrm>
+          <a:prstGeom prst="rect">
+            <a:avLst/>
+          </a:prstGeom>
+          <a:noFill/>
+        </p:spPr>
+        <p:txBody>
+          <a:bodyPr wrap="square" rtlCol="0">
+            <a:spAutoFit/>
+          </a:bodyPr>
+          <a:lstStyle/>
+          <a:p>
+            <a:r>
+              <a:rPr lang="en-US" dirty="0"/>
+              <a:t>Jill</a:t>
+            </a:r>
+          </a:p>
+        </p:txBody>
+      </p:sp>
+      <p:sp>
+        <p:nvSpPr>
+          <p:cNvPr id="49" name="TextBox 48">
+            <a:extLst>
+              <a:ext uri="{FF2B5EF4-FFF2-40B4-BE49-F238E27FC236}">
+                <a16:creationId xmlns:a16="http://schemas.microsoft.com/office/drawing/2014/main" id="{FB3B6CF4-3FD3-B675-56DC-B4A29069947E}"/>
+              </a:ext>
+            </a:extLst>
+          </p:cNvPr>
+          <p:cNvSpPr txBox="1"/>
+          <p:nvPr/>
+        </p:nvSpPr>
+        <p:spPr>
+          <a:xfrm>
+            <a:off x="6096000" y="3191763"/>
+            <a:ext cx="600610" cy="307777"/>
+          </a:xfrm>
+          <a:prstGeom prst="rect">
+            <a:avLst/>
+          </a:prstGeom>
+          <a:noFill/>
+        </p:spPr>
+        <p:txBody>
+          <a:bodyPr wrap="square" rtlCol="0">
+            <a:spAutoFit/>
+          </a:bodyPr>
+          <a:lstStyle/>
+          <a:p>
+            <a:r>
+              <a:rPr lang="en-US" dirty="0"/>
+              <a:t>Joe</a:t>
+            </a:r>
+          </a:p>
+        </p:txBody>
+      </p:sp>
+      <p:sp>
+        <p:nvSpPr>
+          <p:cNvPr id="50" name="TextBox 49">
+            <a:extLst>
+              <a:ext uri="{FF2B5EF4-FFF2-40B4-BE49-F238E27FC236}">
+                <a16:creationId xmlns:a16="http://schemas.microsoft.com/office/drawing/2014/main" id="{9B8CA6AA-F906-BA25-12BA-02EB80F157D7}"/>
+              </a:ext>
+            </a:extLst>
+          </p:cNvPr>
+          <p:cNvSpPr txBox="1"/>
+          <p:nvPr/>
+        </p:nvSpPr>
+        <p:spPr>
+          <a:xfrm>
+            <a:off x="7502614" y="3712071"/>
+            <a:ext cx="797526" cy="307777"/>
+          </a:xfrm>
+          <a:prstGeom prst="rect">
+            <a:avLst/>
+          </a:prstGeom>
+          <a:noFill/>
+        </p:spPr>
+        <p:txBody>
+          <a:bodyPr wrap="square" rtlCol="0">
+            <a:spAutoFit/>
+          </a:bodyPr>
+          <a:lstStyle/>
+          <a:p>
+            <a:r>
+              <a:rPr lang="en-US" dirty="0"/>
+              <a:t>Jared</a:t>
+            </a:r>
+          </a:p>
+        </p:txBody>
+      </p:sp>
+      <p:cxnSp>
+        <p:nvCxnSpPr>
+          <p:cNvPr id="5" name="Straight Arrow Connector 4">
+            <a:extLst>
+              <a:ext uri="{FF2B5EF4-FFF2-40B4-BE49-F238E27FC236}">
+                <a16:creationId xmlns:a16="http://schemas.microsoft.com/office/drawing/2014/main" id="{997064DE-6CB1-C515-3544-0400EC7F08D8}"/>
+              </a:ext>
+            </a:extLst>
+          </p:cNvPr>
+          <p:cNvCxnSpPr/>
+          <p:nvPr/>
+        </p:nvCxnSpPr>
+        <p:spPr>
+          <a:xfrm flipH="1">
+            <a:off x="7138684" y="3191763"/>
+            <a:ext cx="808075" cy="299193"/>
+          </a:xfrm>
+          <a:prstGeom prst="straightConnector1">
+            <a:avLst/>
+          </a:prstGeom>
+          <a:ln>
+            <a:tailEnd type="triangle"/>
+          </a:ln>
+        </p:spPr>
+        <p:style>
+          <a:lnRef idx="2">
+            <a:schemeClr val="accent2"/>
+          </a:lnRef>
+          <a:fillRef idx="0">
+            <a:schemeClr val="accent2"/>
+          </a:fillRef>
+          <a:effectRef idx="1">
+            <a:schemeClr val="accent2"/>
+          </a:effectRef>
+          <a:fontRef idx="minor">
+            <a:schemeClr val="tx1"/>
+          </a:fontRef>
+        </p:style>
+      </p:cxnSp>
+      <p:sp>
+        <p:nvSpPr>
+          <p:cNvPr id="6" name="TextBox 5">
+            <a:extLst>
+              <a:ext uri="{FF2B5EF4-FFF2-40B4-BE49-F238E27FC236}">
+                <a16:creationId xmlns:a16="http://schemas.microsoft.com/office/drawing/2014/main" id="{007A5AAB-DEB8-5371-48E2-0EA5494AC106}"/>
+              </a:ext>
+            </a:extLst>
+          </p:cNvPr>
+          <p:cNvSpPr txBox="1"/>
+          <p:nvPr/>
+        </p:nvSpPr>
+        <p:spPr>
+          <a:xfrm>
+            <a:off x="7946759" y="2976320"/>
+            <a:ext cx="2998381" cy="523220"/>
+          </a:xfrm>
+          <a:prstGeom prst="rect">
+            <a:avLst/>
+          </a:prstGeom>
+          <a:noFill/>
+          <a:ln w="19050">
+            <a:solidFill>
+              <a:schemeClr val="accent2"/>
+            </a:solidFill>
+          </a:ln>
+        </p:spPr>
+        <p:txBody>
+          <a:bodyPr wrap="square" rtlCol="0">
+            <a:spAutoFit/>
+          </a:bodyPr>
+          <a:lstStyle/>
+          <a:p>
+            <a:r>
+              <a:rPr lang="en-US" dirty="0"/>
+              <a:t>Looks like Joe and Jared follow each other!</a:t>
+            </a:r>
+          </a:p>
+        </p:txBody>
+      </p:sp>
+      <p:sp>
+        <p:nvSpPr>
+          <p:cNvPr id="7" name="TextBox 6">
+            <a:extLst>
+              <a:ext uri="{FF2B5EF4-FFF2-40B4-BE49-F238E27FC236}">
+                <a16:creationId xmlns:a16="http://schemas.microsoft.com/office/drawing/2014/main" id="{370C6BC1-2660-4662-0E97-E129BCA46EBE}"/>
+              </a:ext>
+            </a:extLst>
+          </p:cNvPr>
+          <p:cNvSpPr txBox="1"/>
+          <p:nvPr/>
+        </p:nvSpPr>
+        <p:spPr>
+          <a:xfrm>
+            <a:off x="4853643" y="4617124"/>
+            <a:ext cx="759654" cy="307777"/>
+          </a:xfrm>
+          <a:prstGeom prst="rect">
+            <a:avLst/>
+          </a:prstGeom>
+          <a:noFill/>
+        </p:spPr>
+        <p:txBody>
+          <a:bodyPr wrap="square" rtlCol="0">
+            <a:spAutoFit/>
+          </a:bodyPr>
+          <a:lstStyle/>
+          <a:p>
+            <a:r>
+              <a:rPr lang="en-US" dirty="0"/>
+              <a:t>Jack</a:t>
+            </a:r>
+          </a:p>
+        </p:txBody>
+      </p:sp>
+      <p:sp>
+        <p:nvSpPr>
+          <p:cNvPr id="8" name="TextBox 7">
+            <a:extLst>
+              <a:ext uri="{FF2B5EF4-FFF2-40B4-BE49-F238E27FC236}">
+                <a16:creationId xmlns:a16="http://schemas.microsoft.com/office/drawing/2014/main" id="{949D8263-2CA1-F896-E7C6-920E3ECC9C25}"/>
+              </a:ext>
+            </a:extLst>
+          </p:cNvPr>
+          <p:cNvSpPr txBox="1"/>
+          <p:nvPr/>
+        </p:nvSpPr>
+        <p:spPr>
+          <a:xfrm>
+            <a:off x="4436370" y="5091189"/>
+            <a:ext cx="600610" cy="307777"/>
+          </a:xfrm>
+          <a:prstGeom prst="rect">
+            <a:avLst/>
+          </a:prstGeom>
+          <a:noFill/>
+        </p:spPr>
+        <p:txBody>
+          <a:bodyPr wrap="square" rtlCol="0">
+            <a:spAutoFit/>
+          </a:bodyPr>
+          <a:lstStyle/>
+          <a:p>
+            <a:r>
+              <a:rPr lang="en-US" dirty="0"/>
+              <a:t>Jill</a:t>
+            </a:r>
+          </a:p>
+        </p:txBody>
+      </p:sp>
+      <p:sp>
+        <p:nvSpPr>
+          <p:cNvPr id="9" name="TextBox 8">
+            <a:extLst>
+              <a:ext uri="{FF2B5EF4-FFF2-40B4-BE49-F238E27FC236}">
+                <a16:creationId xmlns:a16="http://schemas.microsoft.com/office/drawing/2014/main" id="{BE69D888-91DF-63B8-57F5-356157A6CF95}"/>
+              </a:ext>
+            </a:extLst>
+          </p:cNvPr>
+          <p:cNvSpPr txBox="1"/>
+          <p:nvPr/>
+        </p:nvSpPr>
+        <p:spPr>
+          <a:xfrm>
+            <a:off x="4436370" y="5353766"/>
+            <a:ext cx="600610" cy="307777"/>
+          </a:xfrm>
+          <a:prstGeom prst="rect">
+            <a:avLst/>
+          </a:prstGeom>
+          <a:noFill/>
+        </p:spPr>
+        <p:txBody>
+          <a:bodyPr wrap="square" rtlCol="0">
+            <a:spAutoFit/>
+          </a:bodyPr>
+          <a:lstStyle/>
+          <a:p>
+            <a:r>
+              <a:rPr lang="en-US" dirty="0"/>
+              <a:t>Joe</a:t>
+            </a:r>
+          </a:p>
+        </p:txBody>
+      </p:sp>
+      <p:sp>
+        <p:nvSpPr>
+          <p:cNvPr id="10" name="TextBox 9">
+            <a:extLst>
+              <a:ext uri="{FF2B5EF4-FFF2-40B4-BE49-F238E27FC236}">
+                <a16:creationId xmlns:a16="http://schemas.microsoft.com/office/drawing/2014/main" id="{72F26AF1-17C5-BD8E-6B64-183239F7B637}"/>
+              </a:ext>
+            </a:extLst>
+          </p:cNvPr>
+          <p:cNvSpPr txBox="1"/>
+          <p:nvPr/>
+        </p:nvSpPr>
+        <p:spPr>
+          <a:xfrm>
+            <a:off x="4378712" y="5655128"/>
+            <a:ext cx="759654" cy="307777"/>
+          </a:xfrm>
+          <a:prstGeom prst="rect">
+            <a:avLst/>
+          </a:prstGeom>
+          <a:noFill/>
+        </p:spPr>
+        <p:txBody>
+          <a:bodyPr wrap="square" rtlCol="0">
+            <a:spAutoFit/>
+          </a:bodyPr>
+          <a:lstStyle/>
+          <a:p>
+            <a:r>
+              <a:rPr lang="en-US" dirty="0"/>
+              <a:t>Jared</a:t>
+            </a:r>
+          </a:p>
+        </p:txBody>
+      </p:sp>
+      <p:sp>
+        <p:nvSpPr>
+          <p:cNvPr id="11" name="TextBox 10">
+            <a:extLst>
+              <a:ext uri="{FF2B5EF4-FFF2-40B4-BE49-F238E27FC236}">
+                <a16:creationId xmlns:a16="http://schemas.microsoft.com/office/drawing/2014/main" id="{200FE317-14FC-FFFC-52C6-47574B6A5E92}"/>
+              </a:ext>
+            </a:extLst>
+          </p:cNvPr>
+          <p:cNvSpPr txBox="1"/>
+          <p:nvPr/>
+        </p:nvSpPr>
+        <p:spPr>
+          <a:xfrm>
+            <a:off x="4430924" y="4831556"/>
+            <a:ext cx="759654" cy="307777"/>
+          </a:xfrm>
+          <a:prstGeom prst="rect">
+            <a:avLst/>
+          </a:prstGeom>
+          <a:noFill/>
+        </p:spPr>
+        <p:txBody>
+          <a:bodyPr wrap="square" rtlCol="0">
+            <a:spAutoFit/>
+          </a:bodyPr>
+          <a:lstStyle/>
+          <a:p>
+            <a:r>
+              <a:rPr lang="en-US" dirty="0"/>
+              <a:t>Jack</a:t>
+            </a:r>
+          </a:p>
+        </p:txBody>
+      </p:sp>
+      <p:sp>
+        <p:nvSpPr>
+          <p:cNvPr id="12" name="TextBox 11">
+            <a:extLst>
+              <a:ext uri="{FF2B5EF4-FFF2-40B4-BE49-F238E27FC236}">
+                <a16:creationId xmlns:a16="http://schemas.microsoft.com/office/drawing/2014/main" id="{441BC656-3DC2-2D31-DCDE-BF58C20ABC12}"/>
+              </a:ext>
+            </a:extLst>
+          </p:cNvPr>
+          <p:cNvSpPr txBox="1"/>
+          <p:nvPr/>
+        </p:nvSpPr>
+        <p:spPr>
+          <a:xfrm>
+            <a:off x="5319368" y="4617123"/>
+            <a:ext cx="759654" cy="307777"/>
+          </a:xfrm>
+          <a:prstGeom prst="rect">
+            <a:avLst/>
+          </a:prstGeom>
+          <a:noFill/>
+        </p:spPr>
+        <p:txBody>
+          <a:bodyPr wrap="square" rtlCol="0">
+            <a:spAutoFit/>
+          </a:bodyPr>
+          <a:lstStyle/>
+          <a:p>
+            <a:r>
+              <a:rPr lang="en-US" dirty="0"/>
+              <a:t>Jill</a:t>
+            </a:r>
+          </a:p>
+        </p:txBody>
+      </p:sp>
+      <p:sp>
+        <p:nvSpPr>
+          <p:cNvPr id="13" name="TextBox 12">
+            <a:extLst>
+              <a:ext uri="{FF2B5EF4-FFF2-40B4-BE49-F238E27FC236}">
+                <a16:creationId xmlns:a16="http://schemas.microsoft.com/office/drawing/2014/main" id="{C308D47E-C10E-81BE-D4C1-E22B16A3CC86}"/>
+              </a:ext>
+            </a:extLst>
+          </p:cNvPr>
+          <p:cNvSpPr txBox="1"/>
+          <p:nvPr/>
+        </p:nvSpPr>
+        <p:spPr>
+          <a:xfrm>
+            <a:off x="5994912" y="4617123"/>
+            <a:ext cx="759654" cy="307777"/>
+          </a:xfrm>
+          <a:prstGeom prst="rect">
+            <a:avLst/>
+          </a:prstGeom>
+          <a:noFill/>
+        </p:spPr>
+        <p:txBody>
+          <a:bodyPr wrap="square" rtlCol="0">
+            <a:spAutoFit/>
+          </a:bodyPr>
+          <a:lstStyle/>
+          <a:p>
+            <a:r>
+              <a:rPr lang="en-US" dirty="0"/>
+              <a:t>Jared</a:t>
+            </a:r>
+          </a:p>
+        </p:txBody>
+      </p:sp>
+      <p:sp>
+        <p:nvSpPr>
+          <p:cNvPr id="15" name="TextBox 14">
+            <a:extLst>
+              <a:ext uri="{FF2B5EF4-FFF2-40B4-BE49-F238E27FC236}">
+                <a16:creationId xmlns:a16="http://schemas.microsoft.com/office/drawing/2014/main" id="{5EDA8391-2BF5-1597-EF4A-E31D99020A4E}"/>
+              </a:ext>
+            </a:extLst>
+          </p:cNvPr>
+          <p:cNvSpPr txBox="1"/>
+          <p:nvPr/>
+        </p:nvSpPr>
+        <p:spPr>
+          <a:xfrm>
+            <a:off x="5635875" y="4617123"/>
+            <a:ext cx="759654" cy="307777"/>
+          </a:xfrm>
+          <a:prstGeom prst="rect">
+            <a:avLst/>
+          </a:prstGeom>
+          <a:noFill/>
+        </p:spPr>
+        <p:txBody>
+          <a:bodyPr wrap="square" rtlCol="0">
+            <a:spAutoFit/>
+          </a:bodyPr>
+          <a:lstStyle/>
+          <a:p>
+            <a:r>
+              <a:rPr lang="en-US" dirty="0"/>
+              <a:t>Joe</a:t>
+            </a:r>
+          </a:p>
+        </p:txBody>
+      </p:sp>
+    </p:spTree>
+    <p:extLst>
+      <p:ext uri="{BB962C8B-B14F-4D97-AF65-F5344CB8AC3E}">
+        <p14:creationId xmlns:p14="http://schemas.microsoft.com/office/powerpoint/2010/main" val="2142864027"/>
+      </p:ext>
+    </p:extLst>
+  </p:cSld>
+  <p:clrMapOvr>
+    <a:masterClrMapping/>
+  </p:clrMapOvr>
+  <p:timing>
+    <p:tnLst>
+      <p:par>
+        <p:cTn id="1" dur="indefinite" restart="never" nodeType="tmRoot">
+          <p:childTnLst>
+            <p:seq concurrent="1" nextAc="seek">
+              <p:cTn id="2" dur="indefinite" nodeType="mainSeq">
+                <p:childTnLst>
+                  <p:par>
+                    <p:cTn id="3" fill="hold">
+                      <p:stCondLst>
+                        <p:cond delay="indefinite"/>
+                      </p:stCondLst>
+                      <p:childTnLst>
+                        <p:par>
+                          <p:cTn id="4" fill="hold">
+                            <p:stCondLst>
+                              <p:cond delay="0"/>
+                            </p:stCondLst>
+                            <p:childTnLst>
+                              <p:par>
+                                <p:cTn id="5" presetID="1" presetClass="entr" presetSubtype="0" fill="hold" nodeType="clickEffect">
+                                  <p:stCondLst>
+                                    <p:cond delay="0"/>
+                                  </p:stCondLst>
+                                  <p:childTnLst>
+                                    <p:set>
+                                      <p:cBhvr>
+                                        <p:cTn id="6" dur="1" fill="hold">
+                                          <p:stCondLst>
+                                            <p:cond delay="0"/>
+                                          </p:stCondLst>
+                                        </p:cTn>
+                                        <p:tgtEl>
+                                          <p:spTgt spid="3">
+                                            <p:txEl>
+                                              <p:pRg st="8" end="8"/>
+                                            </p:txEl>
+                                          </p:spTgt>
+                                        </p:tgtEl>
+                                        <p:attrNameLst>
+                                          <p:attrName>style.visibility</p:attrName>
+                                        </p:attrNameLst>
+                                      </p:cBhvr>
+                                      <p:to>
+                                        <p:strVal val="visible"/>
+                                      </p:to>
+                                    </p:set>
+                                  </p:childTnLst>
+                                </p:cTn>
+                              </p:par>
+                            </p:childTnLst>
+                          </p:cTn>
+                        </p:par>
+                        <p:par>
+                          <p:cTn id="7" fill="hold">
+                            <p:stCondLst>
+                              <p:cond delay="0"/>
+                            </p:stCondLst>
+                            <p:childTnLst>
+                              <p:par>
+                                <p:cTn id="8" presetID="1" presetClass="entr" presetSubtype="0" fill="hold" grpId="0" nodeType="afterEffect">
+                                  <p:stCondLst>
+                                    <p:cond delay="0"/>
+                                  </p:stCondLst>
+                                  <p:childTnLst>
+                                    <p:set>
+                                      <p:cBhvr>
+                                        <p:cTn id="9" dur="1" fill="hold">
+                                          <p:stCondLst>
+                                            <p:cond delay="0"/>
+                                          </p:stCondLst>
+                                        </p:cTn>
+                                        <p:tgtEl>
+                                          <p:spTgt spid="11"/>
+                                        </p:tgtEl>
+                                        <p:attrNameLst>
+                                          <p:attrName>style.visibility</p:attrName>
+                                        </p:attrNameLst>
+                                      </p:cBhvr>
+                                      <p:to>
+                                        <p:strVal val="visible"/>
+                                      </p:to>
+                                    </p:set>
+                                  </p:childTnLst>
+                                </p:cTn>
+                              </p:par>
+                              <p:par>
+                                <p:cTn id="10" presetID="1" presetClass="entr" presetSubtype="0" fill="hold" grpId="0" nodeType="withEffect">
+                                  <p:stCondLst>
+                                    <p:cond delay="0"/>
+                                  </p:stCondLst>
+                                  <p:childTnLst>
+                                    <p:set>
+                                      <p:cBhvr>
+                                        <p:cTn id="11" dur="1" fill="hold">
+                                          <p:stCondLst>
+                                            <p:cond delay="0"/>
+                                          </p:stCondLst>
+                                        </p:cTn>
+                                        <p:tgtEl>
+                                          <p:spTgt spid="8"/>
+                                        </p:tgtEl>
+                                        <p:attrNameLst>
+                                          <p:attrName>style.visibility</p:attrName>
+                                        </p:attrNameLst>
+                                      </p:cBhvr>
+                                      <p:to>
+                                        <p:strVal val="visible"/>
+                                      </p:to>
+                                    </p:set>
+                                  </p:childTnLst>
+                                </p:cTn>
+                              </p:par>
+                              <p:par>
+                                <p:cTn id="12" presetID="1" presetClass="entr" presetSubtype="0" fill="hold" grpId="0" nodeType="withEffect">
+                                  <p:stCondLst>
+                                    <p:cond delay="0"/>
+                                  </p:stCondLst>
+                                  <p:childTnLst>
+                                    <p:set>
+                                      <p:cBhvr>
+                                        <p:cTn id="13" dur="1" fill="hold">
+                                          <p:stCondLst>
+                                            <p:cond delay="0"/>
+                                          </p:stCondLst>
+                                        </p:cTn>
+                                        <p:tgtEl>
+                                          <p:spTgt spid="9"/>
+                                        </p:tgtEl>
+                                        <p:attrNameLst>
+                                          <p:attrName>style.visibility</p:attrName>
+                                        </p:attrNameLst>
+                                      </p:cBhvr>
+                                      <p:to>
+                                        <p:strVal val="visible"/>
+                                      </p:to>
+                                    </p:set>
+                                  </p:childTnLst>
+                                </p:cTn>
+                              </p:par>
+                              <p:par>
+                                <p:cTn id="14" presetID="1" presetClass="entr" presetSubtype="0" fill="hold" grpId="0" nodeType="withEffect">
+                                  <p:stCondLst>
+                                    <p:cond delay="0"/>
+                                  </p:stCondLst>
+                                  <p:childTnLst>
+                                    <p:set>
+                                      <p:cBhvr>
+                                        <p:cTn id="15" dur="1" fill="hold">
+                                          <p:stCondLst>
+                                            <p:cond delay="0"/>
+                                          </p:stCondLst>
+                                        </p:cTn>
+                                        <p:tgtEl>
+                                          <p:spTgt spid="10"/>
+                                        </p:tgtEl>
+                                        <p:attrNameLst>
+                                          <p:attrName>style.visibility</p:attrName>
+                                        </p:attrNameLst>
+                                      </p:cBhvr>
+                                      <p:to>
+                                        <p:strVal val="visible"/>
+                                      </p:to>
+                                    </p:set>
+                                  </p:childTnLst>
+                                </p:cTn>
+                              </p:par>
+                              <p:par>
+                                <p:cTn id="16" presetID="1" presetClass="entr" presetSubtype="0" fill="hold" grpId="0" nodeType="withEffect">
+                                  <p:stCondLst>
+                                    <p:cond delay="0"/>
+                                  </p:stCondLst>
+                                  <p:childTnLst>
+                                    <p:set>
+                                      <p:cBhvr>
+                                        <p:cTn id="17" dur="1" fill="hold">
+                                          <p:stCondLst>
+                                            <p:cond delay="0"/>
+                                          </p:stCondLst>
+                                        </p:cTn>
+                                        <p:tgtEl>
+                                          <p:spTgt spid="12"/>
+                                        </p:tgtEl>
+                                        <p:attrNameLst>
+                                          <p:attrName>style.visibility</p:attrName>
+                                        </p:attrNameLst>
+                                      </p:cBhvr>
+                                      <p:to>
+                                        <p:strVal val="visible"/>
+                                      </p:to>
+                                    </p:set>
+                                  </p:childTnLst>
+                                </p:cTn>
+                              </p:par>
+                              <p:par>
+                                <p:cTn id="18" presetID="1" presetClass="entr" presetSubtype="0" fill="hold" grpId="0" nodeType="withEffect">
+                                  <p:stCondLst>
+                                    <p:cond delay="0"/>
+                                  </p:stCondLst>
+                                  <p:childTnLst>
+                                    <p:set>
+                                      <p:cBhvr>
+                                        <p:cTn id="19" dur="1" fill="hold">
+                                          <p:stCondLst>
+                                            <p:cond delay="0"/>
+                                          </p:stCondLst>
+                                        </p:cTn>
+                                        <p:tgtEl>
+                                          <p:spTgt spid="7"/>
+                                        </p:tgtEl>
+                                        <p:attrNameLst>
+                                          <p:attrName>style.visibility</p:attrName>
+                                        </p:attrNameLst>
+                                      </p:cBhvr>
+                                      <p:to>
+                                        <p:strVal val="visible"/>
+                                      </p:to>
+                                    </p:set>
+                                  </p:childTnLst>
+                                </p:cTn>
+                              </p:par>
+                              <p:par>
+                                <p:cTn id="20" presetID="1" presetClass="entr" presetSubtype="0" fill="hold" grpId="0" nodeType="withEffect">
+                                  <p:stCondLst>
+                                    <p:cond delay="0"/>
+                                  </p:stCondLst>
+                                  <p:childTnLst>
+                                    <p:set>
+                                      <p:cBhvr>
+                                        <p:cTn id="21" dur="1" fill="hold">
+                                          <p:stCondLst>
+                                            <p:cond delay="0"/>
+                                          </p:stCondLst>
+                                        </p:cTn>
+                                        <p:tgtEl>
+                                          <p:spTgt spid="15"/>
+                                        </p:tgtEl>
+                                        <p:attrNameLst>
+                                          <p:attrName>style.visibility</p:attrName>
+                                        </p:attrNameLst>
+                                      </p:cBhvr>
+                                      <p:to>
+                                        <p:strVal val="visible"/>
+                                      </p:to>
+                                    </p:set>
+                                  </p:childTnLst>
+                                </p:cTn>
+                              </p:par>
+                              <p:par>
+                                <p:cTn id="22" presetID="1" presetClass="entr" presetSubtype="0" fill="hold" grpId="0" nodeType="withEffect">
+                                  <p:stCondLst>
+                                    <p:cond delay="0"/>
+                                  </p:stCondLst>
+                                  <p:childTnLst>
+                                    <p:set>
+                                      <p:cBhvr>
+                                        <p:cTn id="23" dur="1" fill="hold">
+                                          <p:stCondLst>
+                                            <p:cond delay="0"/>
+                                          </p:stCondLst>
+                                        </p:cTn>
+                                        <p:tgtEl>
+                                          <p:spTgt spid="13"/>
+                                        </p:tgtEl>
+                                        <p:attrNameLst>
+                                          <p:attrName>style.visibility</p:attrName>
+                                        </p:attrNameLst>
+                                      </p:cBhvr>
+                                      <p:to>
+                                        <p:strVal val="visible"/>
+                                      </p:to>
+                                    </p:set>
+                                  </p:childTnLst>
+                                </p:cTn>
+                              </p:par>
+                            </p:childTnLst>
+                          </p:cTn>
+                        </p:par>
+                      </p:childTnLst>
+                    </p:cTn>
+                  </p:par>
+                </p:childTnLst>
+              </p:cTn>
+              <p:prevCondLst>
+                <p:cond evt="onPrev" delay="0">
+                  <p:tgtEl>
+                    <p:sldTgt/>
+                  </p:tgtEl>
+                </p:cond>
+              </p:prevCondLst>
+              <p:nextCondLst>
+                <p:cond evt="onNext" delay="0">
+                  <p:tgtEl>
+                    <p:sldTgt/>
+                  </p:tgtEl>
+                </p:cond>
+              </p:nextCondLst>
+            </p:seq>
+          </p:childTnLst>
+        </p:cTn>
+      </p:par>
+    </p:tnLst>
+    <p:bldLst>
+      <p:bldP spid="7" grpId="0"/>
+      <p:bldP spid="8" grpId="0"/>
+      <p:bldP spid="9" grpId="0"/>
+      <p:bldP spid="10" grpId="0"/>
+      <p:bldP spid="11" grpId="0"/>
+      <p:bldP spid="12" grpId="0"/>
+      <p:bldP spid="13" grpId="0"/>
+      <p:bldP spid="15" grpId="0"/>
+    </p:bldLst>
+  </p:timing>
+</p:sld>
+</file>
+
+<file path=ppt/slides/slide13.xml><?xml version="1.0" encoding="utf-8"?>
+<p:sld xmlns:a="http://schemas.openxmlformats.org/drawingml/2006/main" xmlns:r="http://schemas.openxmlformats.org/officeDocument/2006/relationships" xmlns:p="http://schemas.openxmlformats.org/presentationml/2006/main">
+  <p:cSld>
+    <p:spTree>
+      <p:nvGrpSpPr>
+        <p:cNvPr id="1" name=""/>
+        <p:cNvGrpSpPr/>
+        <p:nvPr/>
+      </p:nvGrpSpPr>
+      <p:grpSpPr>
+        <a:xfrm>
+          <a:off x="0" y="0"/>
+          <a:ext cx="0" cy="0"/>
+          <a:chOff x="0" y="0"/>
+          <a:chExt cx="0" cy="0"/>
+        </a:xfrm>
+      </p:grpSpPr>
+      <p:sp>
+        <p:nvSpPr>
+          <p:cNvPr id="2" name="Title 1">
+            <a:extLst>
+              <a:ext uri="{FF2B5EF4-FFF2-40B4-BE49-F238E27FC236}">
+                <a16:creationId xmlns:a16="http://schemas.microsoft.com/office/drawing/2014/main" id="{24963A1B-05F3-1366-5F9A-985B8499A1EA}"/>
+              </a:ext>
+            </a:extLst>
+          </p:cNvPr>
+          <p:cNvSpPr>
+            <a:spLocks noGrp="1"/>
+          </p:cNvSpPr>
+          <p:nvPr>
+            <p:ph type="title"/>
+          </p:nvPr>
+        </p:nvSpPr>
+        <p:spPr/>
+        <p:txBody>
+          <a:bodyPr/>
+          <a:lstStyle/>
+          <a:p>
+            <a:r>
+              <a:rPr lang="en-US" dirty="0"/>
+              <a:t>Other types of data</a:t>
+            </a:r>
+          </a:p>
+        </p:txBody>
+      </p:sp>
+      <p:sp>
+        <p:nvSpPr>
+          <p:cNvPr id="3" name="Text Placeholder 2">
+            <a:extLst>
+              <a:ext uri="{FF2B5EF4-FFF2-40B4-BE49-F238E27FC236}">
+                <a16:creationId xmlns:a16="http://schemas.microsoft.com/office/drawing/2014/main" id="{6E15CF34-1072-B31C-1352-992935F7E466}"/>
+              </a:ext>
+            </a:extLst>
+          </p:cNvPr>
+          <p:cNvSpPr>
+            <a:spLocks noGrp="1"/>
+          </p:cNvSpPr>
+          <p:nvPr>
+            <p:ph type="body" idx="1"/>
+          </p:nvPr>
+        </p:nvSpPr>
+        <p:spPr/>
+        <p:txBody>
+          <a:bodyPr/>
+          <a:lstStyle/>
+          <a:p>
+            <a:r>
+              <a:rPr lang="en-US" dirty="0"/>
+              <a:t>Images</a:t>
+            </a:r>
+          </a:p>
+          <a:p>
+            <a:pPr lvl="1"/>
+            <a:r>
+              <a:rPr lang="en-US" dirty="0"/>
+              <a:t>E.g., a matrix of pixels</a:t>
+            </a:r>
+          </a:p>
+          <a:p>
+            <a:r>
+              <a:rPr lang="en-US" dirty="0"/>
+              <a:t>Text</a:t>
+            </a:r>
+          </a:p>
+          <a:p>
+            <a:pPr lvl="1"/>
+            <a:r>
+              <a:rPr lang="en-US" dirty="0"/>
+              <a:t>E.g., list of words</a:t>
+            </a:r>
+          </a:p>
+          <a:p>
+            <a:r>
+              <a:rPr lang="en-US" dirty="0"/>
+              <a:t>Corpus of documents</a:t>
+            </a:r>
+          </a:p>
+          <a:p>
+            <a:pPr marL="152396" indent="0">
+              <a:buNone/>
+            </a:pPr>
+            <a:endParaRPr lang="en-US" dirty="0"/>
+          </a:p>
+        </p:txBody>
+      </p:sp>
+    </p:spTree>
+    <p:extLst>
+      <p:ext uri="{BB962C8B-B14F-4D97-AF65-F5344CB8AC3E}">
+        <p14:creationId xmlns:p14="http://schemas.microsoft.com/office/powerpoint/2010/main" val="127045809"/>
+      </p:ext>
+    </p:extLst>
+  </p:cSld>
+  <p:clrMapOvr>
+    <a:masterClrMapping/>
+  </p:clrMapOvr>
+</p:sld>
+</file>
+
+<file path=ppt/slides/slide14.xml><?xml version="1.0" encoding="utf-8"?>
+<p:sld xmlns:a="http://schemas.openxmlformats.org/drawingml/2006/main" xmlns:r="http://schemas.openxmlformats.org/officeDocument/2006/relationships" xmlns:p="http://schemas.openxmlformats.org/presentationml/2006/main">
+  <p:cSld>
+    <p:spTree>
+      <p:nvGrpSpPr>
+        <p:cNvPr id="1" name=""/>
+        <p:cNvGrpSpPr/>
+        <p:nvPr/>
+      </p:nvGrpSpPr>
+      <p:grpSpPr>
+        <a:xfrm>
+          <a:off x="0" y="0"/>
+          <a:ext cx="0" cy="0"/>
+          <a:chOff x="0" y="0"/>
+          <a:chExt cx="0" cy="0"/>
+        </a:xfrm>
+      </p:grpSpPr>
+      <p:sp>
+        <p:nvSpPr>
+          <p:cNvPr id="2" name="Title 1">
+            <a:extLst>
+              <a:ext uri="{FF2B5EF4-FFF2-40B4-BE49-F238E27FC236}">
+                <a16:creationId xmlns:a16="http://schemas.microsoft.com/office/drawing/2014/main" id="{14DD2CC4-687D-0D4F-2A19-E0FE80CE5BB1}"/>
+              </a:ext>
+            </a:extLst>
+          </p:cNvPr>
+          <p:cNvSpPr>
+            <a:spLocks noGrp="1"/>
+          </p:cNvSpPr>
+          <p:nvPr>
+            <p:ph type="title"/>
+          </p:nvPr>
+        </p:nvSpPr>
+        <p:spPr/>
+        <p:txBody>
+          <a:bodyPr/>
+          <a:lstStyle/>
+          <a:p>
+            <a:r>
+              <a:rPr lang="en-US" dirty="0"/>
+              <a:t>How can we represent vectors and matrices when programming?</a:t>
+            </a:r>
+          </a:p>
+        </p:txBody>
+      </p:sp>
+      <p:sp>
+        <p:nvSpPr>
+          <p:cNvPr id="3" name="Text Placeholder 2">
+            <a:extLst>
+              <a:ext uri="{FF2B5EF4-FFF2-40B4-BE49-F238E27FC236}">
+                <a16:creationId xmlns:a16="http://schemas.microsoft.com/office/drawing/2014/main" id="{863350B8-4B52-8DE8-B648-DEF9D365E519}"/>
+              </a:ext>
+            </a:extLst>
+          </p:cNvPr>
+          <p:cNvSpPr>
+            <a:spLocks noGrp="1"/>
+          </p:cNvSpPr>
+          <p:nvPr>
+            <p:ph type="body" idx="1"/>
+          </p:nvPr>
+        </p:nvSpPr>
+        <p:spPr/>
+        <p:txBody>
+          <a:bodyPr/>
+          <a:lstStyle/>
+          <a:p>
+            <a:endParaRPr lang="en-US" dirty="0"/>
+          </a:p>
+          <a:p>
+            <a:endParaRPr lang="en-US" dirty="0"/>
+          </a:p>
+          <a:p>
+            <a:endParaRPr lang="en-US" dirty="0"/>
+          </a:p>
+          <a:p>
+            <a:endParaRPr lang="en-US" dirty="0"/>
+          </a:p>
+          <a:p>
+            <a:endParaRPr lang="en-US" dirty="0"/>
+          </a:p>
+          <a:p>
+            <a:r>
+              <a:rPr lang="en-US" dirty="0"/>
+              <a:t>NumPy provides fast, memory-efficient data structures and math operations for working with arrays, vectors, and matrices.</a:t>
+            </a:r>
+          </a:p>
+          <a:p>
+            <a:pPr lvl="1"/>
+            <a:r>
+              <a:rPr lang="en-US" dirty="0"/>
+              <a:t>NumPy is compiled in C!</a:t>
+            </a:r>
+          </a:p>
+          <a:p>
+            <a:pPr lvl="1"/>
+            <a:r>
+              <a:rPr lang="en-US" dirty="0"/>
+              <a:t>We can do vectorized math in NumPy as opposed to Python itself which would require us to use loops. </a:t>
+            </a:r>
+          </a:p>
+          <a:p>
+            <a:pPr lvl="1"/>
+            <a:r>
+              <a:rPr lang="en-US" dirty="0"/>
+              <a:t>NumPy includes linear algebra functionality, statistics, and serves as the foundation for any sort of math we do in Python</a:t>
+            </a:r>
+          </a:p>
+          <a:p>
+            <a:pPr lvl="2"/>
+            <a:r>
+              <a:rPr lang="en-US" dirty="0"/>
+              <a:t>E.g. image processing, machine learning, etc.</a:t>
+            </a:r>
+          </a:p>
+        </p:txBody>
+      </p:sp>
+      <p:pic>
+        <p:nvPicPr>
+          <p:cNvPr id="5" name="Picture 4">
+            <a:extLst>
+              <a:ext uri="{FF2B5EF4-FFF2-40B4-BE49-F238E27FC236}">
+                <a16:creationId xmlns:a16="http://schemas.microsoft.com/office/drawing/2014/main" id="{506EB930-E839-48BE-513B-F27F80BAC73A}"/>
+              </a:ext>
+            </a:extLst>
+          </p:cNvPr>
+          <p:cNvPicPr>
+            <a:picLocks noChangeAspect="1"/>
+          </p:cNvPicPr>
+          <p:nvPr/>
+        </p:nvPicPr>
+        <p:blipFill>
+          <a:blip r:embed="rId2"/>
+          <a:stretch>
+            <a:fillRect/>
+          </a:stretch>
+        </p:blipFill>
+        <p:spPr>
+          <a:xfrm>
+            <a:off x="415599" y="1688433"/>
+            <a:ext cx="11360801" cy="1371558"/>
+          </a:xfrm>
+          <a:prstGeom prst="rect">
+            <a:avLst/>
+          </a:prstGeom>
+        </p:spPr>
+      </p:pic>
+    </p:spTree>
+    <p:extLst>
+      <p:ext uri="{BB962C8B-B14F-4D97-AF65-F5344CB8AC3E}">
+        <p14:creationId xmlns:p14="http://schemas.microsoft.com/office/powerpoint/2010/main" val="4002971609"/>
+      </p:ext>
+    </p:extLst>
+  </p:cSld>
+  <p:clrMapOvr>
+    <a:masterClrMapping/>
+  </p:clrMapOvr>
+</p:sld>
+</file>
+
+<file path=ppt/slides/slide15.xml><?xml version="1.0" encoding="utf-8"?>
+<p:sld xmlns:a="http://schemas.openxmlformats.org/drawingml/2006/main" xmlns:r="http://schemas.openxmlformats.org/officeDocument/2006/relationships" xmlns:p="http://schemas.openxmlformats.org/presentationml/2006/main">
+  <p:cSld>
+    <p:spTree>
+      <p:nvGrpSpPr>
         <p:cNvPr id="1" name=""/>
         <p:cNvGrpSpPr/>
         <p:nvPr/>
@@ -6334,7 +9482,7 @@
 </p:sld>
 </file>
 
-<file path=ppt/slides/slide11.xml><?xml version="1.0" encoding="utf-8"?>
+<file path=ppt/slides/slide16.xml><?xml version="1.0" encoding="utf-8"?>
 <p:sld xmlns:a="http://schemas.openxmlformats.org/drawingml/2006/main" xmlns:r="http://schemas.openxmlformats.org/officeDocument/2006/relationships" xmlns:p="http://schemas.openxmlformats.org/presentationml/2006/main">
   <p:cSld>
     <p:spTree>
@@ -6532,7 +9680,7 @@
 </p:sld>
 </file>
 
-<file path=ppt/slides/slide12.xml><?xml version="1.0" encoding="utf-8"?>
+<file path=ppt/slides/slide17.xml><?xml version="1.0" encoding="utf-8"?>
 <p:sld xmlns:a="http://schemas.openxmlformats.org/drawingml/2006/main" xmlns:r="http://schemas.openxmlformats.org/officeDocument/2006/relationships" xmlns:p="http://schemas.openxmlformats.org/presentationml/2006/main">
   <p:cSld>
     <p:spTree>
@@ -7664,7 +10812,7 @@
 </p:sld>
 </file>
 
-<file path=ppt/slides/slide13.xml><?xml version="1.0" encoding="utf-8"?>
+<file path=ppt/slides/slide18.xml><?xml version="1.0" encoding="utf-8"?>
 <p:sld xmlns:a="http://schemas.openxmlformats.org/drawingml/2006/main" xmlns:r="http://schemas.openxmlformats.org/officeDocument/2006/relationships" xmlns:p="http://schemas.openxmlformats.org/presentationml/2006/main">
   <p:cSld>
     <p:spTree>
@@ -9737,7 +12885,7 @@
 </p:sld>
 </file>
 
-<file path=ppt/slides/slide14.xml><?xml version="1.0" encoding="utf-8"?>
+<file path=ppt/slides/slide19.xml><?xml version="1.0" encoding="utf-8"?>
 <p:sld xmlns:a="http://schemas.openxmlformats.org/drawingml/2006/main" xmlns:r="http://schemas.openxmlformats.org/officeDocument/2006/relationships" xmlns:p="http://schemas.openxmlformats.org/presentationml/2006/main">
   <p:cSld>
     <p:spTree>
@@ -10198,7 +13346,65 @@
 </p:sld>
 </file>
 
-<file path=ppt/slides/slide15.xml><?xml version="1.0" encoding="utf-8"?>
+<file path=ppt/slides/slide2.xml><?xml version="1.0" encoding="utf-8"?>
+<p:sld xmlns:a="http://schemas.openxmlformats.org/drawingml/2006/main" xmlns:r="http://schemas.openxmlformats.org/officeDocument/2006/relationships" xmlns:p="http://schemas.openxmlformats.org/presentationml/2006/main">
+  <p:cSld>
+    <p:spTree>
+      <p:nvGrpSpPr>
+        <p:cNvPr id="1" name=""/>
+        <p:cNvGrpSpPr/>
+        <p:nvPr/>
+      </p:nvGrpSpPr>
+      <p:grpSpPr>
+        <a:xfrm>
+          <a:off x="0" y="0"/>
+          <a:ext cx="0" cy="0"/>
+          <a:chOff x="0" y="0"/>
+          <a:chExt cx="0" cy="0"/>
+        </a:xfrm>
+      </p:grpSpPr>
+      <p:sp>
+        <p:nvSpPr>
+          <p:cNvPr id="2" name="Title 1">
+            <a:extLst>
+              <a:ext uri="{FF2B5EF4-FFF2-40B4-BE49-F238E27FC236}">
+                <a16:creationId xmlns:a16="http://schemas.microsoft.com/office/drawing/2014/main" id="{8998EE11-3DCE-9031-4F77-D6308F51CF68}"/>
+              </a:ext>
+            </a:extLst>
+          </p:cNvPr>
+          <p:cNvSpPr>
+            <a:spLocks noGrp="1"/>
+          </p:cNvSpPr>
+          <p:nvPr>
+            <p:ph type="title"/>
+          </p:nvPr>
+        </p:nvSpPr>
+        <p:spPr/>
+        <p:txBody>
+          <a:bodyPr/>
+          <a:lstStyle/>
+          <a:p>
+            <a:r>
+              <a:rPr lang="en-US" dirty="0"/>
+              <a:t>About me</a:t>
+            </a:r>
+          </a:p>
+        </p:txBody>
+      </p:sp>
+    </p:spTree>
+    <p:extLst>
+      <p:ext uri="{BB962C8B-B14F-4D97-AF65-F5344CB8AC3E}">
+        <p14:creationId xmlns:p14="http://schemas.microsoft.com/office/powerpoint/2010/main" val="2820271605"/>
+      </p:ext>
+    </p:extLst>
+  </p:cSld>
+  <p:clrMapOvr>
+    <a:masterClrMapping/>
+  </p:clrMapOvr>
+</p:sld>
+</file>
+
+<file path=ppt/slides/slide20.xml><?xml version="1.0" encoding="utf-8"?>
 <p:sld xmlns:a="http://schemas.openxmlformats.org/drawingml/2006/main" xmlns:r="http://schemas.openxmlformats.org/officeDocument/2006/relationships" xmlns:p="http://schemas.openxmlformats.org/presentationml/2006/main">
   <p:cSld>
     <p:spTree>
@@ -10706,7 +13912,7 @@
 </p:sld>
 </file>
 
-<file path=ppt/slides/slide16.xml><?xml version="1.0" encoding="utf-8"?>
+<file path=ppt/slides/slide21.xml><?xml version="1.0" encoding="utf-8"?>
 <p:sld xmlns:a="http://schemas.openxmlformats.org/drawingml/2006/main" xmlns:r="http://schemas.openxmlformats.org/officeDocument/2006/relationships" xmlns:p="http://schemas.openxmlformats.org/presentationml/2006/main">
   <p:cSld>
     <p:spTree>
@@ -10794,7 +14000,7 @@
 </p:sld>
 </file>
 
-<file path=ppt/slides/slide17.xml><?xml version="1.0" encoding="utf-8"?>
+<file path=ppt/slides/slide22.xml><?xml version="1.0" encoding="utf-8"?>
 <p:sld xmlns:a="http://schemas.openxmlformats.org/drawingml/2006/main" xmlns:r="http://schemas.openxmlformats.org/officeDocument/2006/relationships" xmlns:p="http://schemas.openxmlformats.org/presentationml/2006/main" showMasterSp="0">
   <p:cSld>
     <p:bg>
@@ -11319,7 +14525,7 @@
 </p:sld>
 </file>
 
-<file path=ppt/slides/slide18.xml><?xml version="1.0" encoding="utf-8"?>
+<file path=ppt/slides/slide23.xml><?xml version="1.0" encoding="utf-8"?>
 <p:sld xmlns:a="http://schemas.openxmlformats.org/drawingml/2006/main" xmlns:r="http://schemas.openxmlformats.org/officeDocument/2006/relationships" xmlns:p="http://schemas.openxmlformats.org/presentationml/2006/main">
   <p:cSld>
     <p:spTree>
@@ -13708,7 +16914,7 @@
 </p:sld>
 </file>
 
-<file path=ppt/slides/slide19.xml><?xml version="1.0" encoding="utf-8"?>
+<file path=ppt/slides/slide24.xml><?xml version="1.0" encoding="utf-8"?>
 <p:sld xmlns:a="http://schemas.openxmlformats.org/drawingml/2006/main" xmlns:r="http://schemas.openxmlformats.org/officeDocument/2006/relationships" xmlns:p="http://schemas.openxmlformats.org/presentationml/2006/main" showMasterSp="0">
   <p:cSld>
     <p:bg>
@@ -14233,65 +17439,7 @@
 </p:sld>
 </file>
 
-<file path=ppt/slides/slide2.xml><?xml version="1.0" encoding="utf-8"?>
-<p:sld xmlns:a="http://schemas.openxmlformats.org/drawingml/2006/main" xmlns:r="http://schemas.openxmlformats.org/officeDocument/2006/relationships" xmlns:p="http://schemas.openxmlformats.org/presentationml/2006/main">
-  <p:cSld>
-    <p:spTree>
-      <p:nvGrpSpPr>
-        <p:cNvPr id="1" name=""/>
-        <p:cNvGrpSpPr/>
-        <p:nvPr/>
-      </p:nvGrpSpPr>
-      <p:grpSpPr>
-        <a:xfrm>
-          <a:off x="0" y="0"/>
-          <a:ext cx="0" cy="0"/>
-          <a:chOff x="0" y="0"/>
-          <a:chExt cx="0" cy="0"/>
-        </a:xfrm>
-      </p:grpSpPr>
-      <p:sp>
-        <p:nvSpPr>
-          <p:cNvPr id="2" name="Title 1">
-            <a:extLst>
-              <a:ext uri="{FF2B5EF4-FFF2-40B4-BE49-F238E27FC236}">
-                <a16:creationId xmlns:a16="http://schemas.microsoft.com/office/drawing/2014/main" id="{8998EE11-3DCE-9031-4F77-D6308F51CF68}"/>
-              </a:ext>
-            </a:extLst>
-          </p:cNvPr>
-          <p:cNvSpPr>
-            <a:spLocks noGrp="1"/>
-          </p:cNvSpPr>
-          <p:nvPr>
-            <p:ph type="title"/>
-          </p:nvPr>
-        </p:nvSpPr>
-        <p:spPr/>
-        <p:txBody>
-          <a:bodyPr/>
-          <a:lstStyle/>
-          <a:p>
-            <a:r>
-              <a:rPr lang="en-US" dirty="0"/>
-              <a:t>About me</a:t>
-            </a:r>
-          </a:p>
-        </p:txBody>
-      </p:sp>
-    </p:spTree>
-    <p:extLst>
-      <p:ext uri="{BB962C8B-B14F-4D97-AF65-F5344CB8AC3E}">
-        <p14:creationId xmlns:p14="http://schemas.microsoft.com/office/powerpoint/2010/main" val="2820271605"/>
-      </p:ext>
-    </p:extLst>
-  </p:cSld>
-  <p:clrMapOvr>
-    <a:masterClrMapping/>
-  </p:clrMapOvr>
-</p:sld>
-</file>
-
-<file path=ppt/slides/slide20.xml><?xml version="1.0" encoding="utf-8"?>
+<file path=ppt/slides/slide25.xml><?xml version="1.0" encoding="utf-8"?>
 <p:sld xmlns:a="http://schemas.openxmlformats.org/drawingml/2006/main" xmlns:r="http://schemas.openxmlformats.org/officeDocument/2006/relationships" xmlns:p="http://schemas.openxmlformats.org/presentationml/2006/main">
   <p:cSld>
     <p:spTree>
@@ -16245,7 +19393,7 @@
 </p:sld>
 </file>
 
-<file path=ppt/slides/slide21.xml><?xml version="1.0" encoding="utf-8"?>
+<file path=ppt/slides/slide26.xml><?xml version="1.0" encoding="utf-8"?>
 <p:sld xmlns:a="http://schemas.openxmlformats.org/drawingml/2006/main" xmlns:r="http://schemas.openxmlformats.org/officeDocument/2006/relationships" xmlns:p="http://schemas.openxmlformats.org/presentationml/2006/main">
   <p:cSld>
     <p:spTree>
@@ -16351,7 +19499,7 @@
 </p:sld>
 </file>
 
-<file path=ppt/slides/slide22.xml><?xml version="1.0" encoding="utf-8"?>
+<file path=ppt/slides/slide27.xml><?xml version="1.0" encoding="utf-8"?>
 <p:sld xmlns:a="http://schemas.openxmlformats.org/drawingml/2006/main" xmlns:r="http://schemas.openxmlformats.org/officeDocument/2006/relationships" xmlns:p="http://schemas.openxmlformats.org/presentationml/2006/main">
   <p:cSld>
     <p:spTree>
@@ -16555,7 +19703,7 @@
 </p:sld>
 </file>
 
-<file path=ppt/slides/slide23.xml><?xml version="1.0" encoding="utf-8"?>
+<file path=ppt/slides/slide28.xml><?xml version="1.0" encoding="utf-8"?>
 <p:sld xmlns:a="http://schemas.openxmlformats.org/drawingml/2006/main" xmlns:r="http://schemas.openxmlformats.org/officeDocument/2006/relationships" xmlns:p="http://schemas.openxmlformats.org/presentationml/2006/main">
   <p:cSld>
     <p:spTree>
@@ -17440,7 +20588,7 @@
 </p:sld>
 </file>
 
-<file path=ppt/slides/slide24.xml><?xml version="1.0" encoding="utf-8"?>
+<file path=ppt/slides/slide29.xml><?xml version="1.0" encoding="utf-8"?>
 <p:sld xmlns:a="http://schemas.openxmlformats.org/drawingml/2006/main" xmlns:r="http://schemas.openxmlformats.org/officeDocument/2006/relationships" xmlns:p="http://schemas.openxmlformats.org/presentationml/2006/main">
   <p:cSld>
     <p:spTree>
@@ -18719,7 +21867,111 @@
 </p:sld>
 </file>
 
-<file path=ppt/slides/slide25.xml><?xml version="1.0" encoding="utf-8"?>
+<file path=ppt/slides/slide3.xml><?xml version="1.0" encoding="utf-8"?>
+<p:sld xmlns:a="http://schemas.openxmlformats.org/drawingml/2006/main" xmlns:r="http://schemas.openxmlformats.org/officeDocument/2006/relationships" xmlns:p="http://schemas.openxmlformats.org/presentationml/2006/main">
+  <p:cSld>
+    <p:spTree>
+      <p:nvGrpSpPr>
+        <p:cNvPr id="1" name=""/>
+        <p:cNvGrpSpPr/>
+        <p:nvPr/>
+      </p:nvGrpSpPr>
+      <p:grpSpPr>
+        <a:xfrm>
+          <a:off x="0" y="0"/>
+          <a:ext cx="0" cy="0"/>
+          <a:chOff x="0" y="0"/>
+          <a:chExt cx="0" cy="0"/>
+        </a:xfrm>
+      </p:grpSpPr>
+      <p:sp>
+        <p:nvSpPr>
+          <p:cNvPr id="2" name="Title 1">
+            <a:extLst>
+              <a:ext uri="{FF2B5EF4-FFF2-40B4-BE49-F238E27FC236}">
+                <a16:creationId xmlns:a16="http://schemas.microsoft.com/office/drawing/2014/main" id="{44F085DC-E9C9-528B-4DD6-83DEC8D7B220}"/>
+              </a:ext>
+            </a:extLst>
+          </p:cNvPr>
+          <p:cNvSpPr>
+            <a:spLocks noGrp="1"/>
+          </p:cNvSpPr>
+          <p:nvPr>
+            <p:ph type="title"/>
+          </p:nvPr>
+        </p:nvSpPr>
+        <p:spPr/>
+        <p:txBody>
+          <a:bodyPr/>
+          <a:lstStyle/>
+          <a:p>
+            <a:r>
+              <a:rPr lang="en-US" dirty="0"/>
+              <a:t>Lab grading</a:t>
+            </a:r>
+          </a:p>
+        </p:txBody>
+      </p:sp>
+      <p:sp>
+        <p:nvSpPr>
+          <p:cNvPr id="3" name="Text Placeholder 2">
+            <a:extLst>
+              <a:ext uri="{FF2B5EF4-FFF2-40B4-BE49-F238E27FC236}">
+                <a16:creationId xmlns:a16="http://schemas.microsoft.com/office/drawing/2014/main" id="{349B047B-087F-6467-9BB4-1E15F3B39ECF}"/>
+              </a:ext>
+            </a:extLst>
+          </p:cNvPr>
+          <p:cNvSpPr>
+            <a:spLocks noGrp="1"/>
+          </p:cNvSpPr>
+          <p:nvPr>
+            <p:ph type="body" idx="1"/>
+          </p:nvPr>
+        </p:nvSpPr>
+        <p:spPr/>
+        <p:txBody>
+          <a:bodyPr/>
+          <a:lstStyle/>
+          <a:p>
+            <a:r>
+              <a:rPr lang="en-US" dirty="0"/>
+              <a:t>Labs are worth 10% of your grade</a:t>
+            </a:r>
+          </a:p>
+          <a:p>
+            <a:r>
+              <a:rPr lang="en-US" dirty="0"/>
+              <a:t>Labs are fully attendance based</a:t>
+            </a:r>
+          </a:p>
+          <a:p>
+            <a:r>
+              <a:rPr lang="en-US" dirty="0"/>
+              <a:t>You can miss up to 3 labs and still get all 10% toward your final grade</a:t>
+            </a:r>
+          </a:p>
+          <a:p>
+            <a:endParaRPr lang="en-US" dirty="0"/>
+          </a:p>
+          <a:p>
+            <a:endParaRPr lang="en-US" dirty="0"/>
+          </a:p>
+        </p:txBody>
+      </p:sp>
+    </p:spTree>
+    <p:extLst>
+      <p:ext uri="{BB962C8B-B14F-4D97-AF65-F5344CB8AC3E}">
+        <p14:creationId xmlns:p14="http://schemas.microsoft.com/office/powerpoint/2010/main" val="2511491522"/>
+      </p:ext>
+    </p:extLst>
+  </p:cSld>
+  <p:clrMapOvr>
+    <a:masterClrMapping/>
+  </p:clrMapOvr>
+</p:sld>
+</file>
+
+<file path=ppt/slides/slide30.xml><?xml version="1.0" encoding="utf-8"?>
 <p:sld xmlns:a="http://schemas.openxmlformats.org/drawingml/2006/main" xmlns:r="http://schemas.openxmlformats.org/officeDocument/2006/relationships" xmlns:p="http://schemas.openxmlformats.org/presentationml/2006/main" showMasterSp="0">
   <p:cSld>
     <p:bg>
@@ -19244,7 +22496,7 @@
 </p:sld>
 </file>
 
-<file path=ppt/slides/slide26.xml><?xml version="1.0" encoding="utf-8"?>
+<file path=ppt/slides/slide31.xml><?xml version="1.0" encoding="utf-8"?>
 <p:sld xmlns:a="http://schemas.openxmlformats.org/drawingml/2006/main" xmlns:r="http://schemas.openxmlformats.org/officeDocument/2006/relationships" xmlns:p="http://schemas.openxmlformats.org/presentationml/2006/main">
   <p:cSld>
     <p:spTree>
@@ -20471,7 +23723,7 @@
 </p:sld>
 </file>
 
-<file path=ppt/slides/slide27.xml><?xml version="1.0" encoding="utf-8"?>
+<file path=ppt/slides/slide32.xml><?xml version="1.0" encoding="utf-8"?>
 <p:sld xmlns:a="http://schemas.openxmlformats.org/drawingml/2006/main" xmlns:r="http://schemas.openxmlformats.org/officeDocument/2006/relationships" xmlns:p="http://schemas.openxmlformats.org/presentationml/2006/main">
   <p:cSld>
     <p:spTree>
@@ -20559,7 +23811,7 @@
 </p:sld>
 </file>
 
-<file path=ppt/slides/slide28.xml><?xml version="1.0" encoding="utf-8"?>
+<file path=ppt/slides/slide33.xml><?xml version="1.0" encoding="utf-8"?>
 <p:sld xmlns:a="http://schemas.openxmlformats.org/drawingml/2006/main" xmlns:r="http://schemas.openxmlformats.org/officeDocument/2006/relationships" xmlns:p="http://schemas.openxmlformats.org/presentationml/2006/main">
   <p:cSld>
     <p:spTree>
@@ -20788,7 +24040,7 @@
 </p:sld>
 </file>
 
-<file path=ppt/slides/slide29.xml><?xml version="1.0" encoding="utf-8"?>
+<file path=ppt/slides/slide34.xml><?xml version="1.0" encoding="utf-8"?>
 <p:sld xmlns:a="http://schemas.openxmlformats.org/drawingml/2006/main" xmlns:r="http://schemas.openxmlformats.org/officeDocument/2006/relationships" xmlns:p="http://schemas.openxmlformats.org/presentationml/2006/main">
   <p:cSld>
     <p:spTree>
@@ -21105,111 +24357,7 @@
 </p:sld>
 </file>
 
-<file path=ppt/slides/slide3.xml><?xml version="1.0" encoding="utf-8"?>
-<p:sld xmlns:a="http://schemas.openxmlformats.org/drawingml/2006/main" xmlns:r="http://schemas.openxmlformats.org/officeDocument/2006/relationships" xmlns:p="http://schemas.openxmlformats.org/presentationml/2006/main">
-  <p:cSld>
-    <p:spTree>
-      <p:nvGrpSpPr>
-        <p:cNvPr id="1" name=""/>
-        <p:cNvGrpSpPr/>
-        <p:nvPr/>
-      </p:nvGrpSpPr>
-      <p:grpSpPr>
-        <a:xfrm>
-          <a:off x="0" y="0"/>
-          <a:ext cx="0" cy="0"/>
-          <a:chOff x="0" y="0"/>
-          <a:chExt cx="0" cy="0"/>
-        </a:xfrm>
-      </p:grpSpPr>
-      <p:sp>
-        <p:nvSpPr>
-          <p:cNvPr id="2" name="Title 1">
-            <a:extLst>
-              <a:ext uri="{FF2B5EF4-FFF2-40B4-BE49-F238E27FC236}">
-                <a16:creationId xmlns:a16="http://schemas.microsoft.com/office/drawing/2014/main" id="{44F085DC-E9C9-528B-4DD6-83DEC8D7B220}"/>
-              </a:ext>
-            </a:extLst>
-          </p:cNvPr>
-          <p:cNvSpPr>
-            <a:spLocks noGrp="1"/>
-          </p:cNvSpPr>
-          <p:nvPr>
-            <p:ph type="title"/>
-          </p:nvPr>
-        </p:nvSpPr>
-        <p:spPr/>
-        <p:txBody>
-          <a:bodyPr/>
-          <a:lstStyle/>
-          <a:p>
-            <a:r>
-              <a:rPr lang="en-US" dirty="0"/>
-              <a:t>Lab grading</a:t>
-            </a:r>
-          </a:p>
-        </p:txBody>
-      </p:sp>
-      <p:sp>
-        <p:nvSpPr>
-          <p:cNvPr id="3" name="Text Placeholder 2">
-            <a:extLst>
-              <a:ext uri="{FF2B5EF4-FFF2-40B4-BE49-F238E27FC236}">
-                <a16:creationId xmlns:a16="http://schemas.microsoft.com/office/drawing/2014/main" id="{349B047B-087F-6467-9BB4-1E15F3B39ECF}"/>
-              </a:ext>
-            </a:extLst>
-          </p:cNvPr>
-          <p:cNvSpPr>
-            <a:spLocks noGrp="1"/>
-          </p:cNvSpPr>
-          <p:nvPr>
-            <p:ph type="body" idx="1"/>
-          </p:nvPr>
-        </p:nvSpPr>
-        <p:spPr/>
-        <p:txBody>
-          <a:bodyPr/>
-          <a:lstStyle/>
-          <a:p>
-            <a:r>
-              <a:rPr lang="en-US" dirty="0"/>
-              <a:t>Labs are worth 10% of your grade</a:t>
-            </a:r>
-          </a:p>
-          <a:p>
-            <a:r>
-              <a:rPr lang="en-US" dirty="0"/>
-              <a:t>Labs are fully attendance based</a:t>
-            </a:r>
-          </a:p>
-          <a:p>
-            <a:r>
-              <a:rPr lang="en-US" dirty="0"/>
-              <a:t>You can miss up to 3 labs and still get all 10% toward your final grade</a:t>
-            </a:r>
-          </a:p>
-          <a:p>
-            <a:endParaRPr lang="en-US" dirty="0"/>
-          </a:p>
-          <a:p>
-            <a:endParaRPr lang="en-US" dirty="0"/>
-          </a:p>
-        </p:txBody>
-      </p:sp>
-    </p:spTree>
-    <p:extLst>
-      <p:ext uri="{BB962C8B-B14F-4D97-AF65-F5344CB8AC3E}">
-        <p14:creationId xmlns:p14="http://schemas.microsoft.com/office/powerpoint/2010/main" val="2511491522"/>
-      </p:ext>
-    </p:extLst>
-  </p:cSld>
-  <p:clrMapOvr>
-    <a:masterClrMapping/>
-  </p:clrMapOvr>
-</p:sld>
-</file>
-
-<file path=ppt/slides/slide30.xml><?xml version="1.0" encoding="utf-8"?>
+<file path=ppt/slides/slide35.xml><?xml version="1.0" encoding="utf-8"?>
 <p:sld xmlns:a="http://schemas.openxmlformats.org/drawingml/2006/main" xmlns:r="http://schemas.openxmlformats.org/officeDocument/2006/relationships" xmlns:p="http://schemas.openxmlformats.org/presentationml/2006/main">
   <p:cSld>
     <p:spTree>
@@ -21627,7 +24775,7 @@
 </p:sld>
 </file>
 
-<file path=ppt/slides/slide31.xml><?xml version="1.0" encoding="utf-8"?>
+<file path=ppt/slides/slide36.xml><?xml version="1.0" encoding="utf-8"?>
 <p:sld xmlns:a="http://schemas.openxmlformats.org/drawingml/2006/main" xmlns:r="http://schemas.openxmlformats.org/officeDocument/2006/relationships" xmlns:p="http://schemas.openxmlformats.org/presentationml/2006/main">
   <p:cSld>
     <p:spTree>
@@ -22132,7 +25280,7 @@
 </p:sld>
 </file>
 
-<file path=ppt/slides/slide32.xml><?xml version="1.0" encoding="utf-8"?>
+<file path=ppt/slides/slide37.xml><?xml version="1.0" encoding="utf-8"?>
 <p:sld xmlns:a="http://schemas.openxmlformats.org/drawingml/2006/main" xmlns:r="http://schemas.openxmlformats.org/officeDocument/2006/relationships" xmlns:p="http://schemas.openxmlformats.org/presentationml/2006/main">
   <p:cSld>
     <p:spTree>
@@ -22643,7 +25791,7 @@
 </p:sld>
 </file>
 
-<file path=ppt/slides/slide33.xml><?xml version="1.0" encoding="utf-8"?>
+<file path=ppt/slides/slide38.xml><?xml version="1.0" encoding="utf-8"?>
 <p:sld xmlns:a="http://schemas.openxmlformats.org/drawingml/2006/main" xmlns:r="http://schemas.openxmlformats.org/officeDocument/2006/relationships" xmlns:p="http://schemas.openxmlformats.org/presentationml/2006/main">
   <p:cSld>
     <p:spTree>
@@ -23435,7 +26583,7 @@
 </p:sld>
 </file>
 
-<file path=ppt/slides/slide34.xml><?xml version="1.0" encoding="utf-8"?>
+<file path=ppt/slides/slide39.xml><?xml version="1.0" encoding="utf-8"?>
 <p:sld xmlns:a="http://schemas.openxmlformats.org/drawingml/2006/main" xmlns:r="http://schemas.openxmlformats.org/officeDocument/2006/relationships" xmlns:p="http://schemas.openxmlformats.org/presentationml/2006/main">
   <p:cSld>
     <p:spTree>
@@ -24307,7 +27455,144 @@
 </p:sld>
 </file>
 
-<file path=ppt/slides/slide35.xml><?xml version="1.0" encoding="utf-8"?>
+<file path=ppt/slides/slide4.xml><?xml version="1.0" encoding="utf-8"?>
+<p:sld xmlns:a="http://schemas.openxmlformats.org/drawingml/2006/main" xmlns:r="http://schemas.openxmlformats.org/officeDocument/2006/relationships" xmlns:p="http://schemas.openxmlformats.org/presentationml/2006/main">
+  <p:cSld>
+    <p:spTree>
+      <p:nvGrpSpPr>
+        <p:cNvPr id="1" name=""/>
+        <p:cNvGrpSpPr/>
+        <p:nvPr/>
+      </p:nvGrpSpPr>
+      <p:grpSpPr>
+        <a:xfrm>
+          <a:off x="0" y="0"/>
+          <a:ext cx="0" cy="0"/>
+          <a:chOff x="0" y="0"/>
+          <a:chExt cx="0" cy="0"/>
+        </a:xfrm>
+      </p:grpSpPr>
+      <p:sp>
+        <p:nvSpPr>
+          <p:cNvPr id="2" name="Title 1">
+            <a:extLst>
+              <a:ext uri="{FF2B5EF4-FFF2-40B4-BE49-F238E27FC236}">
+                <a16:creationId xmlns:a16="http://schemas.microsoft.com/office/drawing/2014/main" id="{41103AA2-B4A0-AAD7-0511-88D9D8EAF343}"/>
+              </a:ext>
+            </a:extLst>
+          </p:cNvPr>
+          <p:cNvSpPr>
+            <a:spLocks noGrp="1"/>
+          </p:cNvSpPr>
+          <p:nvPr>
+            <p:ph type="title"/>
+          </p:nvPr>
+        </p:nvSpPr>
+        <p:spPr/>
+        <p:txBody>
+          <a:bodyPr/>
+          <a:lstStyle/>
+          <a:p>
+            <a:r>
+              <a:rPr lang="en-US" dirty="0"/>
+              <a:t>Learning Objectives</a:t>
+            </a:r>
+          </a:p>
+        </p:txBody>
+      </p:sp>
+      <p:sp>
+        <p:nvSpPr>
+          <p:cNvPr id="3" name="Text Placeholder 2">
+            <a:extLst>
+              <a:ext uri="{FF2B5EF4-FFF2-40B4-BE49-F238E27FC236}">
+                <a16:creationId xmlns:a16="http://schemas.microsoft.com/office/drawing/2014/main" id="{CB37F796-C314-2A13-BBF1-ABC1549C60EB}"/>
+              </a:ext>
+            </a:extLst>
+          </p:cNvPr>
+          <p:cNvSpPr>
+            <a:spLocks noGrp="1"/>
+          </p:cNvSpPr>
+          <p:nvPr>
+            <p:ph type="body" idx="1"/>
+          </p:nvPr>
+        </p:nvSpPr>
+        <p:spPr/>
+        <p:txBody>
+          <a:bodyPr/>
+          <a:lstStyle/>
+          <a:p>
+            <a:pPr marL="495296" indent="-342900">
+              <a:buFont typeface="+mj-lt"/>
+              <a:buAutoNum type="arabicPeriod"/>
+            </a:pPr>
+            <a:r>
+              <a:rPr lang="en-US" dirty="0"/>
+              <a:t>Understand cosine similarity and Jaccard similarity</a:t>
+            </a:r>
+          </a:p>
+          <a:p>
+            <a:pPr marL="495296" indent="-342900">
+              <a:buFont typeface="+mj-lt"/>
+              <a:buAutoNum type="arabicPeriod"/>
+            </a:pPr>
+            <a:r>
+              <a:rPr lang="en-US" dirty="0"/>
+              <a:t>Understand properties of Minkowski distance with varying p</a:t>
+            </a:r>
+          </a:p>
+          <a:p>
+            <a:pPr marL="495296" indent="-342900">
+              <a:buFont typeface="+mj-lt"/>
+              <a:buAutoNum type="arabicPeriod"/>
+            </a:pPr>
+            <a:r>
+              <a:rPr lang="en-US" dirty="0"/>
+              <a:t>Implement cosine similarity, Jaccard similarity, and Minkowski distance in Python</a:t>
+            </a:r>
+          </a:p>
+          <a:p>
+            <a:pPr marL="495296" indent="-342900">
+              <a:buFont typeface="+mj-lt"/>
+              <a:buAutoNum type="arabicPeriod"/>
+            </a:pPr>
+            <a:r>
+              <a:rPr lang="en-US" dirty="0"/>
+              <a:t>Identify when to use Jaccard similarity vs. L1-norm</a:t>
+            </a:r>
+          </a:p>
+          <a:p>
+            <a:pPr marL="495296" indent="-342900">
+              <a:buFont typeface="+mj-lt"/>
+              <a:buAutoNum type="arabicPeriod"/>
+            </a:pPr>
+            <a:r>
+              <a:rPr lang="en-US" dirty="0"/>
+              <a:t>Identify when to use cosine similarity vs. L2-norm</a:t>
+            </a:r>
+          </a:p>
+          <a:p>
+            <a:pPr marL="495296" indent="-342900">
+              <a:buFont typeface="+mj-lt"/>
+              <a:buAutoNum type="arabicPeriod"/>
+            </a:pPr>
+            <a:endParaRPr lang="en-US" dirty="0"/>
+          </a:p>
+        </p:txBody>
+      </p:sp>
+    </p:spTree>
+    <p:extLst>
+      <p:ext uri="{BB962C8B-B14F-4D97-AF65-F5344CB8AC3E}">
+        <p14:creationId xmlns:p14="http://schemas.microsoft.com/office/powerpoint/2010/main" val="1309025774"/>
+      </p:ext>
+    </p:extLst>
+  </p:cSld>
+  <p:clrMapOvr>
+    <a:masterClrMapping/>
+  </p:clrMapOvr>
+</p:sld>
+</file>
+
+<file path=ppt/slides/slide40.xml><?xml version="1.0" encoding="utf-8"?>
 <p:sld xmlns:a="http://schemas.openxmlformats.org/drawingml/2006/main" xmlns:r="http://schemas.openxmlformats.org/officeDocument/2006/relationships" xmlns:p="http://schemas.openxmlformats.org/presentationml/2006/main" showMasterSp="0">
   <p:cSld>
     <p:bg>
@@ -24832,7 +28117,7 @@
 </p:sld>
 </file>
 
-<file path=ppt/slides/slide36.xml><?xml version="1.0" encoding="utf-8"?>
+<file path=ppt/slides/slide41.xml><?xml version="1.0" encoding="utf-8"?>
 <p:sld xmlns:a="http://schemas.openxmlformats.org/drawingml/2006/main" xmlns:r="http://schemas.openxmlformats.org/officeDocument/2006/relationships" xmlns:p="http://schemas.openxmlformats.org/presentationml/2006/main">
   <p:cSld>
     <p:spTree>
@@ -25792,7 +29077,7 @@
 </p:sld>
 </file>
 
-<file path=ppt/slides/slide37.xml><?xml version="1.0" encoding="utf-8"?>
+<file path=ppt/slides/slide42.xml><?xml version="1.0" encoding="utf-8"?>
 <p:sld xmlns:a="http://schemas.openxmlformats.org/drawingml/2006/main" xmlns:r="http://schemas.openxmlformats.org/officeDocument/2006/relationships" xmlns:p="http://schemas.openxmlformats.org/presentationml/2006/main">
   <p:cSld>
     <p:spTree>
@@ -25880,143 +29165,6 @@
 </p:sld>
 </file>
 
-<file path=ppt/slides/slide4.xml><?xml version="1.0" encoding="utf-8"?>
-<p:sld xmlns:a="http://schemas.openxmlformats.org/drawingml/2006/main" xmlns:r="http://schemas.openxmlformats.org/officeDocument/2006/relationships" xmlns:p="http://schemas.openxmlformats.org/presentationml/2006/main">
-  <p:cSld>
-    <p:spTree>
-      <p:nvGrpSpPr>
-        <p:cNvPr id="1" name=""/>
-        <p:cNvGrpSpPr/>
-        <p:nvPr/>
-      </p:nvGrpSpPr>
-      <p:grpSpPr>
-        <a:xfrm>
-          <a:off x="0" y="0"/>
-          <a:ext cx="0" cy="0"/>
-          <a:chOff x="0" y="0"/>
-          <a:chExt cx="0" cy="0"/>
-        </a:xfrm>
-      </p:grpSpPr>
-      <p:sp>
-        <p:nvSpPr>
-          <p:cNvPr id="2" name="Title 1">
-            <a:extLst>
-              <a:ext uri="{FF2B5EF4-FFF2-40B4-BE49-F238E27FC236}">
-                <a16:creationId xmlns:a16="http://schemas.microsoft.com/office/drawing/2014/main" id="{41103AA2-B4A0-AAD7-0511-88D9D8EAF343}"/>
-              </a:ext>
-            </a:extLst>
-          </p:cNvPr>
-          <p:cNvSpPr>
-            <a:spLocks noGrp="1"/>
-          </p:cNvSpPr>
-          <p:nvPr>
-            <p:ph type="title"/>
-          </p:nvPr>
-        </p:nvSpPr>
-        <p:spPr/>
-        <p:txBody>
-          <a:bodyPr/>
-          <a:lstStyle/>
-          <a:p>
-            <a:r>
-              <a:rPr lang="en-US" dirty="0"/>
-              <a:t>Learning Objectives</a:t>
-            </a:r>
-          </a:p>
-        </p:txBody>
-      </p:sp>
-      <p:sp>
-        <p:nvSpPr>
-          <p:cNvPr id="3" name="Text Placeholder 2">
-            <a:extLst>
-              <a:ext uri="{FF2B5EF4-FFF2-40B4-BE49-F238E27FC236}">
-                <a16:creationId xmlns:a16="http://schemas.microsoft.com/office/drawing/2014/main" id="{CB37F796-C314-2A13-BBF1-ABC1549C60EB}"/>
-              </a:ext>
-            </a:extLst>
-          </p:cNvPr>
-          <p:cNvSpPr>
-            <a:spLocks noGrp="1"/>
-          </p:cNvSpPr>
-          <p:nvPr>
-            <p:ph type="body" idx="1"/>
-          </p:nvPr>
-        </p:nvSpPr>
-        <p:spPr/>
-        <p:txBody>
-          <a:bodyPr/>
-          <a:lstStyle/>
-          <a:p>
-            <a:pPr marL="495296" indent="-342900">
-              <a:buFont typeface="+mj-lt"/>
-              <a:buAutoNum type="arabicPeriod"/>
-            </a:pPr>
-            <a:r>
-              <a:rPr lang="en-US" dirty="0"/>
-              <a:t>Understand cosine similarity and Jaccard similarity</a:t>
-            </a:r>
-          </a:p>
-          <a:p>
-            <a:pPr marL="495296" indent="-342900">
-              <a:buFont typeface="+mj-lt"/>
-              <a:buAutoNum type="arabicPeriod"/>
-            </a:pPr>
-            <a:r>
-              <a:rPr lang="en-US" dirty="0"/>
-              <a:t>Understand properties of Minkowski distance with varying p</a:t>
-            </a:r>
-          </a:p>
-          <a:p>
-            <a:pPr marL="495296" indent="-342900">
-              <a:buFont typeface="+mj-lt"/>
-              <a:buAutoNum type="arabicPeriod"/>
-            </a:pPr>
-            <a:r>
-              <a:rPr lang="en-US" dirty="0"/>
-              <a:t>Implement cosine similarity, Jaccard similarity, and Minkowski distance in Python</a:t>
-            </a:r>
-          </a:p>
-          <a:p>
-            <a:pPr marL="495296" indent="-342900">
-              <a:buFont typeface="+mj-lt"/>
-              <a:buAutoNum type="arabicPeriod"/>
-            </a:pPr>
-            <a:r>
-              <a:rPr lang="en-US" dirty="0"/>
-              <a:t>Identify when to use Jaccard similarity vs. L1-norm</a:t>
-            </a:r>
-          </a:p>
-          <a:p>
-            <a:pPr marL="495296" indent="-342900">
-              <a:buFont typeface="+mj-lt"/>
-              <a:buAutoNum type="arabicPeriod"/>
-            </a:pPr>
-            <a:r>
-              <a:rPr lang="en-US" dirty="0"/>
-              <a:t>Identify when to use cosine similarity vs. L2-norm</a:t>
-            </a:r>
-          </a:p>
-          <a:p>
-            <a:pPr marL="495296" indent="-342900">
-              <a:buFont typeface="+mj-lt"/>
-              <a:buAutoNum type="arabicPeriod"/>
-            </a:pPr>
-            <a:endParaRPr lang="en-US" dirty="0"/>
-          </a:p>
-        </p:txBody>
-      </p:sp>
-    </p:spTree>
-    <p:extLst>
-      <p:ext uri="{BB962C8B-B14F-4D97-AF65-F5344CB8AC3E}">
-        <p14:creationId xmlns:p14="http://schemas.microsoft.com/office/powerpoint/2010/main" val="1309025774"/>
-      </p:ext>
-    </p:extLst>
-  </p:cSld>
-  <p:clrMapOvr>
-    <a:masterClrMapping/>
-  </p:clrMapOvr>
-</p:sld>
-</file>
-
 <file path=ppt/slides/slide5.xml><?xml version="1.0" encoding="utf-8"?>
 <p:sld xmlns:a="http://schemas.openxmlformats.org/drawingml/2006/main" xmlns:r="http://schemas.openxmlformats.org/officeDocument/2006/relationships" xmlns:p="http://schemas.openxmlformats.org/presentationml/2006/main">
   <p:cSld>
@@ -26062,282 +29210,603 @@
           </a:p>
         </p:txBody>
       </p:sp>
-      <mc:AlternateContent xmlns:mc="http://schemas.openxmlformats.org/markup-compatibility/2006" xmlns:a14="http://schemas.microsoft.com/office/drawing/2010/main">
-        <mc:Choice Requires="a14">
-          <p:sp>
-            <p:nvSpPr>
-              <p:cNvPr id="3" name="Text Placeholder 2">
-                <a:extLst>
-                  <a:ext uri="{FF2B5EF4-FFF2-40B4-BE49-F238E27FC236}">
-                    <a16:creationId xmlns:a16="http://schemas.microsoft.com/office/drawing/2014/main" id="{CCE0EA26-A2C2-36C6-9B39-78ED7D1CFFF1}"/>
-                  </a:ext>
-                </a:extLst>
-              </p:cNvPr>
-              <p:cNvSpPr>
-                <a:spLocks noGrp="1"/>
-              </p:cNvSpPr>
-              <p:nvPr>
-                <p:ph type="body" idx="1"/>
-              </p:nvPr>
-            </p:nvSpPr>
-            <p:spPr/>
-            <p:txBody>
-              <a:bodyPr/>
-              <a:lstStyle/>
-              <a:p>
-                <a:r>
-                  <a:rPr lang="en-US" dirty="0"/>
-                  <a:t>Facts and statistics collected for reference or analysis</a:t>
-                </a:r>
-              </a:p>
-              <a:p>
-                <a:r>
-                  <a:rPr lang="en-US" dirty="0"/>
-                  <a:t>Example types of data:</a:t>
-                </a:r>
-              </a:p>
-              <a:p>
-                <a:pPr lvl="1"/>
-                <a:r>
-                  <a:rPr lang="en-US" dirty="0"/>
-                  <a:t>Records: m – dimensional points or vectors</a:t>
-                </a:r>
-              </a:p>
-              <a:p>
-                <a:pPr lvl="2"/>
-                <a:r>
-                  <a:rPr lang="en-US" dirty="0"/>
-                  <a:t>E.g., (name, age, height (in)) </a:t>
-                </a:r>
-                <a:r>
-                  <a:rPr lang="en-US" dirty="0">
-                    <a:sym typeface="Wingdings" pitchFamily="2" charset="2"/>
-                  </a:rPr>
-                  <a:t> X = (Lucy, 11, 53), Y = (Stacy, 17, 62)</a:t>
-                </a:r>
-              </a:p>
-              <a:p>
-                <a:pPr lvl="2"/>
-                <a:endParaRPr lang="en-US" dirty="0">
-                  <a:sym typeface="Wingdings" pitchFamily="2" charset="2"/>
-                </a:endParaRPr>
-              </a:p>
-              <a:p>
-                <a:pPr lvl="2"/>
-                <a:endParaRPr lang="en-US" dirty="0">
-                  <a:sym typeface="Wingdings" pitchFamily="2" charset="2"/>
-                </a:endParaRPr>
-              </a:p>
-              <a:p>
-                <a:pPr lvl="2"/>
-                <a:endParaRPr lang="en-US" dirty="0">
-                  <a:sym typeface="Wingdings" pitchFamily="2" charset="2"/>
-                </a:endParaRPr>
-              </a:p>
-              <a:p>
-                <a:pPr lvl="2"/>
-                <a:endParaRPr lang="en-US" dirty="0">
-                  <a:sym typeface="Wingdings" pitchFamily="2" charset="2"/>
-                </a:endParaRPr>
-              </a:p>
-              <a:p>
-                <a:pPr lvl="2"/>
-                <a:endParaRPr lang="en-US" dirty="0">
-                  <a:sym typeface="Wingdings" pitchFamily="2" charset="2"/>
-                </a:endParaRPr>
-              </a:p>
-              <a:p>
-                <a:pPr lvl="2"/>
-                <a:endParaRPr lang="en-US" dirty="0">
-                  <a:sym typeface="Wingdings" pitchFamily="2" charset="2"/>
-                </a:endParaRPr>
-              </a:p>
-              <a:p>
-                <a:pPr lvl="2"/>
-                <a:r>
-                  <a:rPr lang="en-US" dirty="0">
-                    <a:sym typeface="Wingdings" pitchFamily="2" charset="2"/>
-                  </a:rPr>
-                  <a:t>We could read X and Y as vectors</a:t>
-                </a:r>
-                <a:endParaRPr lang="en-US" dirty="0">
-                  <a:ea typeface="Cambria Math" panose="02040503050406030204" pitchFamily="18" charset="0"/>
-                  <a:sym typeface="Wingdings" pitchFamily="2" charset="2"/>
-                </a:endParaRPr>
-              </a:p>
-              <a:p>
-                <a:pPr lvl="3"/>
-                <a14:m>
-                  <m:oMath xmlns:m="http://schemas.openxmlformats.org/officeDocument/2006/math">
-                    <m:sSub>
-                      <m:sSubPr>
-                        <m:ctrlPr>
-                          <a:rPr lang="en-US" b="0" i="1" smtClean="0">
-                            <a:latin typeface="Cambria Math" panose="02040503050406030204" pitchFamily="18" charset="0"/>
-                            <a:ea typeface="Cambria Math" panose="02040503050406030204" pitchFamily="18" charset="0"/>
-                            <a:sym typeface="Wingdings" pitchFamily="2" charset="2"/>
-                          </a:rPr>
-                        </m:ctrlPr>
-                      </m:sSubPr>
-                      <m:e>
-                        <m:r>
-                          <a:rPr lang="en-US" b="0" i="1" smtClean="0">
-                            <a:latin typeface="Cambria Math" panose="02040503050406030204" pitchFamily="18" charset="0"/>
-                            <a:ea typeface="Cambria Math" panose="02040503050406030204" pitchFamily="18" charset="0"/>
-                            <a:sym typeface="Wingdings" pitchFamily="2" charset="2"/>
-                          </a:rPr>
-                          <m:t>𝑋</m:t>
-                        </m:r>
-                      </m:e>
-                      <m:sub>
-                        <m:r>
-                          <a:rPr lang="en-US" b="0" i="1" smtClean="0">
-                            <a:latin typeface="Cambria Math" panose="02040503050406030204" pitchFamily="18" charset="0"/>
-                            <a:ea typeface="Cambria Math" panose="02040503050406030204" pitchFamily="18" charset="0"/>
-                            <a:sym typeface="Wingdings" pitchFamily="2" charset="2"/>
-                          </a:rPr>
-                          <m:t>1</m:t>
-                        </m:r>
-                      </m:sub>
-                    </m:sSub>
-                    <m:r>
-                      <a:rPr lang="en-US" b="0" i="1" smtClean="0">
-                        <a:latin typeface="Cambria Math" panose="02040503050406030204" pitchFamily="18" charset="0"/>
-                        <a:ea typeface="Cambria Math" panose="02040503050406030204" pitchFamily="18" charset="0"/>
-                        <a:sym typeface="Wingdings" pitchFamily="2" charset="2"/>
-                      </a:rPr>
-                      <m:t>=</m:t>
-                    </m:r>
-                    <m:r>
-                      <a:rPr lang="en-US" b="0" i="1" smtClean="0">
-                        <a:latin typeface="Cambria Math" panose="02040503050406030204" pitchFamily="18" charset="0"/>
-                        <a:ea typeface="Cambria Math" panose="02040503050406030204" pitchFamily="18" charset="0"/>
-                        <a:sym typeface="Wingdings" pitchFamily="2" charset="2"/>
-                      </a:rPr>
-                      <m:t>𝐿𝑢𝑐𝑦</m:t>
-                    </m:r>
-                    <m:r>
-                      <a:rPr lang="en-US" b="0" i="1" smtClean="0">
-                        <a:latin typeface="Cambria Math" panose="02040503050406030204" pitchFamily="18" charset="0"/>
-                        <a:ea typeface="Cambria Math" panose="02040503050406030204" pitchFamily="18" charset="0"/>
-                        <a:sym typeface="Wingdings" pitchFamily="2" charset="2"/>
-                      </a:rPr>
-                      <m:t>,</m:t>
-                    </m:r>
-                    <m:sSub>
-                      <m:sSubPr>
-                        <m:ctrlPr>
-                          <a:rPr lang="en-US" b="0" i="1" smtClean="0">
-                            <a:latin typeface="Cambria Math" panose="02040503050406030204" pitchFamily="18" charset="0"/>
-                            <a:ea typeface="Cambria Math" panose="02040503050406030204" pitchFamily="18" charset="0"/>
-                            <a:sym typeface="Wingdings" pitchFamily="2" charset="2"/>
-                          </a:rPr>
-                        </m:ctrlPr>
-                      </m:sSubPr>
-                      <m:e>
-                        <m:r>
-                          <a:rPr lang="en-US" b="0" i="1" smtClean="0">
-                            <a:latin typeface="Cambria Math" panose="02040503050406030204" pitchFamily="18" charset="0"/>
-                            <a:ea typeface="Cambria Math" panose="02040503050406030204" pitchFamily="18" charset="0"/>
-                            <a:sym typeface="Wingdings" pitchFamily="2" charset="2"/>
-                          </a:rPr>
-                          <m:t>𝑌</m:t>
-                        </m:r>
-                      </m:e>
-                      <m:sub>
-                        <m:r>
-                          <a:rPr lang="en-US" b="0" i="1" smtClean="0">
-                            <a:latin typeface="Cambria Math" panose="02040503050406030204" pitchFamily="18" charset="0"/>
-                            <a:ea typeface="Cambria Math" panose="02040503050406030204" pitchFamily="18" charset="0"/>
-                            <a:sym typeface="Wingdings" pitchFamily="2" charset="2"/>
-                          </a:rPr>
-                          <m:t>2</m:t>
-                        </m:r>
-                      </m:sub>
-                    </m:sSub>
-                    <m:r>
-                      <a:rPr lang="en-US" b="0" i="1" smtClean="0">
-                        <a:latin typeface="Cambria Math" panose="02040503050406030204" pitchFamily="18" charset="0"/>
-                        <a:ea typeface="Cambria Math" panose="02040503050406030204" pitchFamily="18" charset="0"/>
-                        <a:sym typeface="Wingdings" pitchFamily="2" charset="2"/>
-                      </a:rPr>
-                      <m:t>=17,…</m:t>
-                    </m:r>
-                  </m:oMath>
-                </a14:m>
-                <a:endParaRPr lang="en-US" b="0" dirty="0">
-                  <a:ea typeface="Cambria Math" panose="02040503050406030204" pitchFamily="18" charset="0"/>
-                  <a:sym typeface="Wingdings" pitchFamily="2" charset="2"/>
-                </a:endParaRPr>
-              </a:p>
-              <a:p>
-                <a:pPr marL="2015016" lvl="3" indent="0">
-                  <a:buNone/>
-                </a:pPr>
-                <a:endParaRPr lang="en-US" dirty="0">
-                  <a:ea typeface="Cambria Math" panose="02040503050406030204" pitchFamily="18" charset="0"/>
-                  <a:sym typeface="Wingdings" pitchFamily="2" charset="2"/>
-                </a:endParaRPr>
-              </a:p>
-              <a:p>
-                <a:pPr lvl="2"/>
-                <a:endParaRPr lang="en-US" b="0" dirty="0">
-                  <a:sym typeface="Wingdings" pitchFamily="2" charset="2"/>
-                </a:endParaRPr>
-              </a:p>
-              <a:p>
-                <a:pPr lvl="2"/>
-                <a:endParaRPr lang="en-US" dirty="0"/>
-              </a:p>
-            </p:txBody>
-          </p:sp>
-        </mc:Choice>
-        <mc:Fallback xmlns="">
-          <p:sp>
-            <p:nvSpPr>
-              <p:cNvPr id="3" name="Text Placeholder 2">
-                <a:extLst>
-                  <a:ext uri="{FF2B5EF4-FFF2-40B4-BE49-F238E27FC236}">
-                    <a16:creationId xmlns:a16="http://schemas.microsoft.com/office/drawing/2014/main" id="{CCE0EA26-A2C2-36C6-9B39-78ED7D1CFFF1}"/>
-                  </a:ext>
-                </a:extLst>
-              </p:cNvPr>
-              <p:cNvSpPr>
-                <a:spLocks noGrp="1" noRot="1" noChangeAspect="1" noMove="1" noResize="1" noEditPoints="1" noAdjustHandles="1" noChangeArrowheads="1" noChangeShapeType="1" noTextEdit="1"/>
-              </p:cNvSpPr>
-              <p:nvPr>
-                <p:ph type="body" idx="1"/>
-              </p:nvPr>
-            </p:nvSpPr>
-            <p:spPr>
-              <a:blipFill>
-                <a:blip r:embed="rId2"/>
-                <a:stretch>
-                  <a:fillRect/>
-                </a:stretch>
-              </a:blipFill>
-            </p:spPr>
-            <p:txBody>
-              <a:bodyPr/>
-              <a:lstStyle/>
-              <a:p>
-                <a:r>
-                  <a:rPr lang="en-US">
-                    <a:noFill/>
-                  </a:rPr>
-                  <a:t> </a:t>
-                </a:r>
-              </a:p>
-            </p:txBody>
-          </p:sp>
-        </mc:Fallback>
-      </mc:AlternateContent>
+      <p:sp>
+        <p:nvSpPr>
+          <p:cNvPr id="3" name="Text Placeholder 2">
+            <a:extLst>
+              <a:ext uri="{FF2B5EF4-FFF2-40B4-BE49-F238E27FC236}">
+                <a16:creationId xmlns:a16="http://schemas.microsoft.com/office/drawing/2014/main" id="{CCE0EA26-A2C2-36C6-9B39-78ED7D1CFFF1}"/>
+              </a:ext>
+            </a:extLst>
+          </p:cNvPr>
+          <p:cNvSpPr>
+            <a:spLocks noGrp="1"/>
+          </p:cNvSpPr>
+          <p:nvPr>
+            <p:ph type="body" idx="1"/>
+          </p:nvPr>
+        </p:nvSpPr>
+        <p:spPr/>
+        <p:txBody>
+          <a:bodyPr/>
+          <a:lstStyle/>
+          <a:p>
+            <a:r>
+              <a:rPr lang="en-US" dirty="0"/>
+              <a:t>Facts and statistics collected for reference or analysis</a:t>
+            </a:r>
+          </a:p>
+          <a:p>
+            <a:pPr marL="2015016" lvl="3" indent="0">
+              <a:buNone/>
+            </a:pPr>
+            <a:endParaRPr lang="en-US" dirty="0">
+              <a:ea typeface="Cambria Math" panose="02040503050406030204" pitchFamily="18" charset="0"/>
+              <a:sym typeface="Wingdings" pitchFamily="2" charset="2"/>
+            </a:endParaRPr>
+          </a:p>
+          <a:p>
+            <a:pPr lvl="2"/>
+            <a:endParaRPr lang="en-US" b="0" dirty="0">
+              <a:sym typeface="Wingdings" pitchFamily="2" charset="2"/>
+            </a:endParaRPr>
+          </a:p>
+          <a:p>
+            <a:pPr lvl="2"/>
+            <a:endParaRPr lang="en-US" dirty="0"/>
+          </a:p>
+        </p:txBody>
+      </p:sp>
+    </p:spTree>
+    <p:extLst>
+      <p:ext uri="{BB962C8B-B14F-4D97-AF65-F5344CB8AC3E}">
+        <p14:creationId xmlns:p14="http://schemas.microsoft.com/office/powerpoint/2010/main" val="3645278751"/>
+      </p:ext>
+    </p:extLst>
+  </p:cSld>
+  <p:clrMapOvr>
+    <a:masterClrMapping/>
+  </p:clrMapOvr>
+</p:sld>
+</file>
+
+<file path=ppt/slides/slide6.xml><?xml version="1.0" encoding="utf-8"?>
+<p:sld xmlns:a="http://schemas.openxmlformats.org/drawingml/2006/main" xmlns:r="http://schemas.openxmlformats.org/officeDocument/2006/relationships" xmlns:p="http://schemas.openxmlformats.org/presentationml/2006/main">
+  <p:cSld>
+    <p:spTree>
+      <p:nvGrpSpPr>
+        <p:cNvPr id="1" name="">
+          <a:extLst>
+            <a:ext uri="{FF2B5EF4-FFF2-40B4-BE49-F238E27FC236}">
+              <a16:creationId xmlns:a16="http://schemas.microsoft.com/office/drawing/2014/main" id="{6DD3AF29-63CD-317E-CCD6-EEF17917659D}"/>
+            </a:ext>
+          </a:extLst>
+        </p:cNvPr>
+        <p:cNvGrpSpPr/>
+        <p:nvPr/>
+      </p:nvGrpSpPr>
+      <p:grpSpPr>
+        <a:xfrm>
+          <a:off x="0" y="0"/>
+          <a:ext cx="0" cy="0"/>
+          <a:chOff x="0" y="0"/>
+          <a:chExt cx="0" cy="0"/>
+        </a:xfrm>
+      </p:grpSpPr>
+      <p:sp>
+        <p:nvSpPr>
+          <p:cNvPr id="2" name="Title 1">
+            <a:extLst>
+              <a:ext uri="{FF2B5EF4-FFF2-40B4-BE49-F238E27FC236}">
+                <a16:creationId xmlns:a16="http://schemas.microsoft.com/office/drawing/2014/main" id="{DCEFCE2E-0403-A033-9C72-5EA5E70D898F}"/>
+              </a:ext>
+            </a:extLst>
+          </p:cNvPr>
+          <p:cNvSpPr>
+            <a:spLocks noGrp="1"/>
+          </p:cNvSpPr>
+          <p:nvPr>
+            <p:ph type="title"/>
+          </p:nvPr>
+        </p:nvSpPr>
+        <p:spPr/>
+        <p:txBody>
+          <a:bodyPr/>
+          <a:lstStyle/>
+          <a:p>
+            <a:r>
+              <a:rPr lang="en-US" dirty="0"/>
+              <a:t>Data</a:t>
+            </a:r>
+          </a:p>
+        </p:txBody>
+      </p:sp>
+      <p:sp>
+        <p:nvSpPr>
+          <p:cNvPr id="3" name="Text Placeholder 2">
+            <a:extLst>
+              <a:ext uri="{FF2B5EF4-FFF2-40B4-BE49-F238E27FC236}">
+                <a16:creationId xmlns:a16="http://schemas.microsoft.com/office/drawing/2014/main" id="{B2186D10-C186-3977-840B-29760FAA7512}"/>
+              </a:ext>
+            </a:extLst>
+          </p:cNvPr>
+          <p:cNvSpPr>
+            <a:spLocks noGrp="1"/>
+          </p:cNvSpPr>
+          <p:nvPr>
+            <p:ph type="body" idx="1"/>
+          </p:nvPr>
+        </p:nvSpPr>
+        <p:spPr/>
+        <p:txBody>
+          <a:bodyPr/>
+          <a:lstStyle/>
+          <a:p>
+            <a:r>
+              <a:rPr lang="en-US" dirty="0"/>
+              <a:t>Facts and statistics collected for reference or analysis</a:t>
+            </a:r>
+          </a:p>
+          <a:p>
+            <a:r>
+              <a:rPr lang="en-US" dirty="0"/>
+              <a:t>Example types of data:</a:t>
+            </a:r>
+          </a:p>
+        </p:txBody>
+      </p:sp>
+    </p:spTree>
+    <p:extLst>
+      <p:ext uri="{BB962C8B-B14F-4D97-AF65-F5344CB8AC3E}">
+        <p14:creationId xmlns:p14="http://schemas.microsoft.com/office/powerpoint/2010/main" val="908128560"/>
+      </p:ext>
+    </p:extLst>
+  </p:cSld>
+  <p:clrMapOvr>
+    <a:masterClrMapping/>
+  </p:clrMapOvr>
+</p:sld>
+</file>
+
+<file path=ppt/slides/slide7.xml><?xml version="1.0" encoding="utf-8"?>
+<p:sld xmlns:a="http://schemas.openxmlformats.org/drawingml/2006/main" xmlns:r="http://schemas.openxmlformats.org/officeDocument/2006/relationships" xmlns:p="http://schemas.openxmlformats.org/presentationml/2006/main">
+  <p:cSld>
+    <p:spTree>
+      <p:nvGrpSpPr>
+        <p:cNvPr id="1" name="">
+          <a:extLst>
+            <a:ext uri="{FF2B5EF4-FFF2-40B4-BE49-F238E27FC236}">
+              <a16:creationId xmlns:a16="http://schemas.microsoft.com/office/drawing/2014/main" id="{1D45FDF0-B7BE-CCD2-628F-E08E70DCD973}"/>
+            </a:ext>
+          </a:extLst>
+        </p:cNvPr>
+        <p:cNvGrpSpPr/>
+        <p:nvPr/>
+      </p:nvGrpSpPr>
+      <p:grpSpPr>
+        <a:xfrm>
+          <a:off x="0" y="0"/>
+          <a:ext cx="0" cy="0"/>
+          <a:chOff x="0" y="0"/>
+          <a:chExt cx="0" cy="0"/>
+        </a:xfrm>
+      </p:grpSpPr>
+      <p:sp>
+        <p:nvSpPr>
+          <p:cNvPr id="2" name="Title 1">
+            <a:extLst>
+              <a:ext uri="{FF2B5EF4-FFF2-40B4-BE49-F238E27FC236}">
+                <a16:creationId xmlns:a16="http://schemas.microsoft.com/office/drawing/2014/main" id="{22E6183C-5832-FFA2-EA8F-4B5E037787D2}"/>
+              </a:ext>
+            </a:extLst>
+          </p:cNvPr>
+          <p:cNvSpPr>
+            <a:spLocks noGrp="1"/>
+          </p:cNvSpPr>
+          <p:nvPr>
+            <p:ph type="title"/>
+          </p:nvPr>
+        </p:nvSpPr>
+        <p:spPr/>
+        <p:txBody>
+          <a:bodyPr/>
+          <a:lstStyle/>
+          <a:p>
+            <a:r>
+              <a:rPr lang="en-US" dirty="0"/>
+              <a:t>Data</a:t>
+            </a:r>
+          </a:p>
+        </p:txBody>
+      </p:sp>
+      <p:sp>
+        <p:nvSpPr>
+          <p:cNvPr id="3" name="Text Placeholder 2">
+            <a:extLst>
+              <a:ext uri="{FF2B5EF4-FFF2-40B4-BE49-F238E27FC236}">
+                <a16:creationId xmlns:a16="http://schemas.microsoft.com/office/drawing/2014/main" id="{1A3D6F12-CA3F-A7E0-37E7-04FA277130DA}"/>
+              </a:ext>
+            </a:extLst>
+          </p:cNvPr>
+          <p:cNvSpPr>
+            <a:spLocks noGrp="1"/>
+          </p:cNvSpPr>
+          <p:nvPr>
+            <p:ph type="body" idx="1"/>
+          </p:nvPr>
+        </p:nvSpPr>
+        <p:spPr/>
+        <p:txBody>
+          <a:bodyPr/>
+          <a:lstStyle/>
+          <a:p>
+            <a:r>
+              <a:rPr lang="en-US" dirty="0"/>
+              <a:t>Facts and statistics collected for reference or analysis</a:t>
+            </a:r>
+          </a:p>
+          <a:p>
+            <a:r>
+              <a:rPr lang="en-US" dirty="0"/>
+              <a:t>Example types of data:</a:t>
+            </a:r>
+          </a:p>
+          <a:p>
+            <a:pPr lvl="1"/>
+            <a:r>
+              <a:rPr lang="en-US" dirty="0"/>
+              <a:t>Records: m – dimensional points or vectors</a:t>
+            </a:r>
+          </a:p>
+          <a:p>
+            <a:pPr marL="2015016" lvl="3" indent="0">
+              <a:buNone/>
+            </a:pPr>
+            <a:endParaRPr lang="en-US" dirty="0">
+              <a:ea typeface="Cambria Math" panose="02040503050406030204" pitchFamily="18" charset="0"/>
+              <a:sym typeface="Wingdings" pitchFamily="2" charset="2"/>
+            </a:endParaRPr>
+          </a:p>
+          <a:p>
+            <a:pPr lvl="2"/>
+            <a:endParaRPr lang="en-US" b="0" dirty="0">
+              <a:sym typeface="Wingdings" pitchFamily="2" charset="2"/>
+            </a:endParaRPr>
+          </a:p>
+          <a:p>
+            <a:pPr lvl="2"/>
+            <a:endParaRPr lang="en-US" dirty="0"/>
+          </a:p>
+        </p:txBody>
+      </p:sp>
+    </p:spTree>
+    <p:extLst>
+      <p:ext uri="{BB962C8B-B14F-4D97-AF65-F5344CB8AC3E}">
+        <p14:creationId xmlns:p14="http://schemas.microsoft.com/office/powerpoint/2010/main" val="698429972"/>
+      </p:ext>
+    </p:extLst>
+  </p:cSld>
+  <p:clrMapOvr>
+    <a:masterClrMapping/>
+  </p:clrMapOvr>
+</p:sld>
+</file>
+
+<file path=ppt/slides/slide8.xml><?xml version="1.0" encoding="utf-8"?>
+<p:sld xmlns:a="http://schemas.openxmlformats.org/drawingml/2006/main" xmlns:r="http://schemas.openxmlformats.org/officeDocument/2006/relationships" xmlns:p="http://schemas.openxmlformats.org/presentationml/2006/main">
+  <p:cSld>
+    <p:spTree>
+      <p:nvGrpSpPr>
+        <p:cNvPr id="1" name="">
+          <a:extLst>
+            <a:ext uri="{FF2B5EF4-FFF2-40B4-BE49-F238E27FC236}">
+              <a16:creationId xmlns:a16="http://schemas.microsoft.com/office/drawing/2014/main" id="{5AB0BA80-F0D5-B8F7-D3E4-4BCB69E8F506}"/>
+            </a:ext>
+          </a:extLst>
+        </p:cNvPr>
+        <p:cNvGrpSpPr/>
+        <p:nvPr/>
+      </p:nvGrpSpPr>
+      <p:grpSpPr>
+        <a:xfrm>
+          <a:off x="0" y="0"/>
+          <a:ext cx="0" cy="0"/>
+          <a:chOff x="0" y="0"/>
+          <a:chExt cx="0" cy="0"/>
+        </a:xfrm>
+      </p:grpSpPr>
+      <p:sp>
+        <p:nvSpPr>
+          <p:cNvPr id="2" name="Title 1">
+            <a:extLst>
+              <a:ext uri="{FF2B5EF4-FFF2-40B4-BE49-F238E27FC236}">
+                <a16:creationId xmlns:a16="http://schemas.microsoft.com/office/drawing/2014/main" id="{8065F0B6-7964-738F-73D9-397BF5D12AB2}"/>
+              </a:ext>
+            </a:extLst>
+          </p:cNvPr>
+          <p:cNvSpPr>
+            <a:spLocks noGrp="1"/>
+          </p:cNvSpPr>
+          <p:nvPr>
+            <p:ph type="title"/>
+          </p:nvPr>
+        </p:nvSpPr>
+        <p:spPr/>
+        <p:txBody>
+          <a:bodyPr/>
+          <a:lstStyle/>
+          <a:p>
+            <a:r>
+              <a:rPr lang="en-US" dirty="0"/>
+              <a:t>Data</a:t>
+            </a:r>
+          </a:p>
+        </p:txBody>
+      </p:sp>
+      <p:sp>
+        <p:nvSpPr>
+          <p:cNvPr id="3" name="Text Placeholder 2">
+            <a:extLst>
+              <a:ext uri="{FF2B5EF4-FFF2-40B4-BE49-F238E27FC236}">
+                <a16:creationId xmlns:a16="http://schemas.microsoft.com/office/drawing/2014/main" id="{A7B05343-66C1-4B7E-787F-FADBADCEE88E}"/>
+              </a:ext>
+            </a:extLst>
+          </p:cNvPr>
+          <p:cNvSpPr>
+            <a:spLocks noGrp="1"/>
+          </p:cNvSpPr>
+          <p:nvPr>
+            <p:ph type="body" idx="1"/>
+          </p:nvPr>
+        </p:nvSpPr>
+        <p:spPr/>
+        <p:txBody>
+          <a:bodyPr/>
+          <a:lstStyle/>
+          <a:p>
+            <a:r>
+              <a:rPr lang="en-US" dirty="0"/>
+              <a:t>Facts and statistics collected for reference or analysis</a:t>
+            </a:r>
+          </a:p>
+          <a:p>
+            <a:r>
+              <a:rPr lang="en-US" dirty="0"/>
+              <a:t>Example types of data:</a:t>
+            </a:r>
+          </a:p>
+          <a:p>
+            <a:pPr lvl="1"/>
+            <a:r>
+              <a:rPr lang="en-US" dirty="0"/>
+              <a:t>Records: m – dimensional points or vectors</a:t>
+            </a:r>
+          </a:p>
+          <a:p>
+            <a:pPr lvl="2"/>
+            <a:r>
+              <a:rPr lang="en-US" dirty="0"/>
+              <a:t>E.g., (name, age, height (in)) </a:t>
+            </a:r>
+            <a:r>
+              <a:rPr lang="en-US" dirty="0">
+                <a:sym typeface="Wingdings" pitchFamily="2" charset="2"/>
+              </a:rPr>
+              <a:t> X = (Lucy, 11, 53), Y = (Stacy, 17, 62)</a:t>
+            </a:r>
+          </a:p>
+          <a:p>
+            <a:pPr lvl="2"/>
+            <a:endParaRPr lang="en-US" dirty="0">
+              <a:sym typeface="Wingdings" pitchFamily="2" charset="2"/>
+            </a:endParaRPr>
+          </a:p>
+          <a:p>
+            <a:pPr lvl="2"/>
+            <a:endParaRPr lang="en-US" dirty="0">
+              <a:sym typeface="Wingdings" pitchFamily="2" charset="2"/>
+            </a:endParaRPr>
+          </a:p>
+          <a:p>
+            <a:pPr lvl="2"/>
+            <a:endParaRPr lang="en-US" dirty="0">
+              <a:sym typeface="Wingdings" pitchFamily="2" charset="2"/>
+            </a:endParaRPr>
+          </a:p>
+          <a:p>
+            <a:pPr lvl="2"/>
+            <a:endParaRPr lang="en-US" dirty="0">
+              <a:sym typeface="Wingdings" pitchFamily="2" charset="2"/>
+            </a:endParaRPr>
+          </a:p>
+          <a:p>
+            <a:pPr lvl="2"/>
+            <a:endParaRPr lang="en-US" dirty="0">
+              <a:sym typeface="Wingdings" pitchFamily="2" charset="2"/>
+            </a:endParaRPr>
+          </a:p>
+          <a:p>
+            <a:pPr marL="2015016" lvl="3" indent="0">
+              <a:buNone/>
+            </a:pPr>
+            <a:endParaRPr lang="en-US" dirty="0">
+              <a:ea typeface="Cambria Math" panose="02040503050406030204" pitchFamily="18" charset="0"/>
+              <a:sym typeface="Wingdings" pitchFamily="2" charset="2"/>
+            </a:endParaRPr>
+          </a:p>
+          <a:p>
+            <a:pPr lvl="2"/>
+            <a:endParaRPr lang="en-US" b="0" dirty="0">
+              <a:sym typeface="Wingdings" pitchFamily="2" charset="2"/>
+            </a:endParaRPr>
+          </a:p>
+          <a:p>
+            <a:pPr lvl="2"/>
+            <a:endParaRPr lang="en-US" dirty="0"/>
+          </a:p>
+        </p:txBody>
+      </p:sp>
+    </p:spTree>
+    <p:extLst>
+      <p:ext uri="{BB962C8B-B14F-4D97-AF65-F5344CB8AC3E}">
+        <p14:creationId xmlns:p14="http://schemas.microsoft.com/office/powerpoint/2010/main" val="2284338605"/>
+      </p:ext>
+    </p:extLst>
+  </p:cSld>
+  <p:clrMapOvr>
+    <a:masterClrMapping/>
+  </p:clrMapOvr>
+</p:sld>
+</file>
+
+<file path=ppt/slides/slide9.xml><?xml version="1.0" encoding="utf-8"?>
+<p:sld xmlns:a="http://schemas.openxmlformats.org/drawingml/2006/main" xmlns:r="http://schemas.openxmlformats.org/officeDocument/2006/relationships" xmlns:p="http://schemas.openxmlformats.org/presentationml/2006/main">
+  <p:cSld>
+    <p:spTree>
+      <p:nvGrpSpPr>
+        <p:cNvPr id="1" name="">
+          <a:extLst>
+            <a:ext uri="{FF2B5EF4-FFF2-40B4-BE49-F238E27FC236}">
+              <a16:creationId xmlns:a16="http://schemas.microsoft.com/office/drawing/2014/main" id="{C35AE4EA-1555-AAC6-1064-1CE01B1316A1}"/>
+            </a:ext>
+          </a:extLst>
+        </p:cNvPr>
+        <p:cNvGrpSpPr/>
+        <p:nvPr/>
+      </p:nvGrpSpPr>
+      <p:grpSpPr>
+        <a:xfrm>
+          <a:off x="0" y="0"/>
+          <a:ext cx="0" cy="0"/>
+          <a:chOff x="0" y="0"/>
+          <a:chExt cx="0" cy="0"/>
+        </a:xfrm>
+      </p:grpSpPr>
+      <p:sp>
+        <p:nvSpPr>
+          <p:cNvPr id="2" name="Title 1">
+            <a:extLst>
+              <a:ext uri="{FF2B5EF4-FFF2-40B4-BE49-F238E27FC236}">
+                <a16:creationId xmlns:a16="http://schemas.microsoft.com/office/drawing/2014/main" id="{6E75A027-D088-BFD8-0821-D2ADF394AF05}"/>
+              </a:ext>
+            </a:extLst>
+          </p:cNvPr>
+          <p:cNvSpPr>
+            <a:spLocks noGrp="1"/>
+          </p:cNvSpPr>
+          <p:nvPr>
+            <p:ph type="title"/>
+          </p:nvPr>
+        </p:nvSpPr>
+        <p:spPr/>
+        <p:txBody>
+          <a:bodyPr/>
+          <a:lstStyle/>
+          <a:p>
+            <a:r>
+              <a:rPr lang="en-US" dirty="0"/>
+              <a:t>Data</a:t>
+            </a:r>
+          </a:p>
+        </p:txBody>
+      </p:sp>
+      <p:sp>
+        <p:nvSpPr>
+          <p:cNvPr id="3" name="Text Placeholder 2">
+            <a:extLst>
+              <a:ext uri="{FF2B5EF4-FFF2-40B4-BE49-F238E27FC236}">
+                <a16:creationId xmlns:a16="http://schemas.microsoft.com/office/drawing/2014/main" id="{C5579AA4-56A1-5702-1535-D85CF07E9A66}"/>
+              </a:ext>
+            </a:extLst>
+          </p:cNvPr>
+          <p:cNvSpPr>
+            <a:spLocks noGrp="1"/>
+          </p:cNvSpPr>
+          <p:nvPr>
+            <p:ph type="body" idx="1"/>
+          </p:nvPr>
+        </p:nvSpPr>
+        <p:spPr/>
+        <p:txBody>
+          <a:bodyPr/>
+          <a:lstStyle/>
+          <a:p>
+            <a:r>
+              <a:rPr lang="en-US" dirty="0"/>
+              <a:t>Facts and statistics collected for reference or analysis</a:t>
+            </a:r>
+          </a:p>
+          <a:p>
+            <a:r>
+              <a:rPr lang="en-US" dirty="0"/>
+              <a:t>Example types of data:</a:t>
+            </a:r>
+          </a:p>
+          <a:p>
+            <a:pPr lvl="1"/>
+            <a:r>
+              <a:rPr lang="en-US" dirty="0"/>
+              <a:t>Records: m – dimensional points or vectors</a:t>
+            </a:r>
+          </a:p>
+          <a:p>
+            <a:pPr lvl="2"/>
+            <a:r>
+              <a:rPr lang="en-US" dirty="0"/>
+              <a:t>E.g., (name, age, height (in)) </a:t>
+            </a:r>
+            <a:r>
+              <a:rPr lang="en-US" dirty="0">
+                <a:sym typeface="Wingdings" pitchFamily="2" charset="2"/>
+              </a:rPr>
+              <a:t> X = (Lucy, 11, 53), Y = (Stacy, 17, 62)</a:t>
+            </a:r>
+          </a:p>
+          <a:p>
+            <a:pPr lvl="2"/>
+            <a:endParaRPr lang="en-US" dirty="0">
+              <a:sym typeface="Wingdings" pitchFamily="2" charset="2"/>
+            </a:endParaRPr>
+          </a:p>
+          <a:p>
+            <a:pPr lvl="2"/>
+            <a:endParaRPr lang="en-US" dirty="0">
+              <a:sym typeface="Wingdings" pitchFamily="2" charset="2"/>
+            </a:endParaRPr>
+          </a:p>
+          <a:p>
+            <a:pPr lvl="2"/>
+            <a:endParaRPr lang="en-US" dirty="0">
+              <a:sym typeface="Wingdings" pitchFamily="2" charset="2"/>
+            </a:endParaRPr>
+          </a:p>
+          <a:p>
+            <a:pPr marL="2015016" lvl="3" indent="0">
+              <a:buNone/>
+            </a:pPr>
+            <a:endParaRPr lang="en-US" dirty="0">
+              <a:ea typeface="Cambria Math" panose="02040503050406030204" pitchFamily="18" charset="0"/>
+              <a:sym typeface="Wingdings" pitchFamily="2" charset="2"/>
+            </a:endParaRPr>
+          </a:p>
+          <a:p>
+            <a:pPr lvl="2"/>
+            <a:endParaRPr lang="en-US" b="0" dirty="0">
+              <a:sym typeface="Wingdings" pitchFamily="2" charset="2"/>
+            </a:endParaRPr>
+          </a:p>
+          <a:p>
+            <a:pPr lvl="2"/>
+            <a:endParaRPr lang="en-US" dirty="0"/>
+          </a:p>
+        </p:txBody>
+      </p:sp>
       <p:cxnSp>
         <p:nvCxnSpPr>
           <p:cNvPr id="5" name="Straight Arrow Connector 4">
             <a:extLst>
               <a:ext uri="{FF2B5EF4-FFF2-40B4-BE49-F238E27FC236}">
-                <a16:creationId xmlns:a16="http://schemas.microsoft.com/office/drawing/2014/main" id="{519069BD-134B-8C52-C6AC-3D1D34087C55}"/>
+                <a16:creationId xmlns:a16="http://schemas.microsoft.com/office/drawing/2014/main" id="{603D1F77-D02F-8E5C-143F-57E2B8B7D1C4}"/>
               </a:ext>
             </a:extLst>
           </p:cNvPr>
@@ -26378,7 +29847,7 @@
           <p:cNvPr id="8" name="Straight Arrow Connector 7">
             <a:extLst>
               <a:ext uri="{FF2B5EF4-FFF2-40B4-BE49-F238E27FC236}">
-                <a16:creationId xmlns:a16="http://schemas.microsoft.com/office/drawing/2014/main" id="{2FBEF20E-DCB8-7726-30A6-D304DAC42AF6}"/>
+                <a16:creationId xmlns:a16="http://schemas.microsoft.com/office/drawing/2014/main" id="{C9C833E5-FA89-F3BA-0EEA-44CAE1994781}"/>
               </a:ext>
             </a:extLst>
           </p:cNvPr>
@@ -26417,7 +29886,7 @@
           <p:cNvPr id="9" name="TextBox 8">
             <a:extLst>
               <a:ext uri="{FF2B5EF4-FFF2-40B4-BE49-F238E27FC236}">
-                <a16:creationId xmlns:a16="http://schemas.microsoft.com/office/drawing/2014/main" id="{7C10E8B0-07F8-9F8B-9497-5C03038360F7}"/>
+                <a16:creationId xmlns:a16="http://schemas.microsoft.com/office/drawing/2014/main" id="{0E86AC19-BCBC-ABC5-4125-727529EC4B5A}"/>
               </a:ext>
             </a:extLst>
           </p:cNvPr>
@@ -26452,7 +29921,7 @@
           <p:cNvPr id="10" name="TextBox 9">
             <a:extLst>
               <a:ext uri="{FF2B5EF4-FFF2-40B4-BE49-F238E27FC236}">
-                <a16:creationId xmlns:a16="http://schemas.microsoft.com/office/drawing/2014/main" id="{BC5E1F1D-18BB-8447-FD63-FA736DDB8E19}"/>
+                <a16:creationId xmlns:a16="http://schemas.microsoft.com/office/drawing/2014/main" id="{EA90742A-DF97-ED61-8CC4-8BBE8651E3F2}"/>
               </a:ext>
             </a:extLst>
           </p:cNvPr>
@@ -26487,7 +29956,7 @@
           <p:cNvPr id="12" name="Straight Arrow Connector 11">
             <a:extLst>
               <a:ext uri="{FF2B5EF4-FFF2-40B4-BE49-F238E27FC236}">
-                <a16:creationId xmlns:a16="http://schemas.microsoft.com/office/drawing/2014/main" id="{3FFAC652-EE04-788B-FE90-0122F317D88D}"/>
+                <a16:creationId xmlns:a16="http://schemas.microsoft.com/office/drawing/2014/main" id="{FF0EF5DC-DE56-3E8B-4494-52DDA3BA83B1}"/>
               </a:ext>
             </a:extLst>
           </p:cNvPr>
@@ -26526,7 +29995,7 @@
           <p:cNvPr id="14" name="Straight Arrow Connector 13">
             <a:extLst>
               <a:ext uri="{FF2B5EF4-FFF2-40B4-BE49-F238E27FC236}">
-                <a16:creationId xmlns:a16="http://schemas.microsoft.com/office/drawing/2014/main" id="{AA47BC01-6A33-1F0B-5489-28B2737EC7D5}"/>
+                <a16:creationId xmlns:a16="http://schemas.microsoft.com/office/drawing/2014/main" id="{11B17BDE-F367-BC12-E4F5-39E8D8A590BF}"/>
               </a:ext>
             </a:extLst>
           </p:cNvPr>
@@ -26565,7 +30034,7 @@
           <p:cNvPr id="15" name="TextBox 14">
             <a:extLst>
               <a:ext uri="{FF2B5EF4-FFF2-40B4-BE49-F238E27FC236}">
-                <a16:creationId xmlns:a16="http://schemas.microsoft.com/office/drawing/2014/main" id="{15C466A4-D3F0-2504-26F5-5475022B2FD5}"/>
+                <a16:creationId xmlns:a16="http://schemas.microsoft.com/office/drawing/2014/main" id="{73919A01-CC75-DCCE-B1E7-B8D4D05B0348}"/>
               </a:ext>
             </a:extLst>
           </p:cNvPr>
@@ -26600,7 +30069,7 @@
           <p:cNvPr id="16" name="TextBox 15">
             <a:extLst>
               <a:ext uri="{FF2B5EF4-FFF2-40B4-BE49-F238E27FC236}">
-                <a16:creationId xmlns:a16="http://schemas.microsoft.com/office/drawing/2014/main" id="{505BEA2B-A6DA-B230-B37F-F5CBBC6470A0}"/>
+                <a16:creationId xmlns:a16="http://schemas.microsoft.com/office/drawing/2014/main" id="{8411F0DA-4507-D804-65F7-3A734E6801EA}"/>
               </a:ext>
             </a:extLst>
           </p:cNvPr>
@@ -26633,2518 +30102,7 @@
     </p:spTree>
     <p:extLst>
       <p:ext uri="{BB962C8B-B14F-4D97-AF65-F5344CB8AC3E}">
-        <p14:creationId xmlns:p14="http://schemas.microsoft.com/office/powerpoint/2010/main" val="3645278751"/>
-      </p:ext>
-    </p:extLst>
-  </p:cSld>
-  <p:clrMapOvr>
-    <a:masterClrMapping/>
-  </p:clrMapOvr>
-</p:sld>
-</file>
-
-<file path=ppt/slides/slide6.xml><?xml version="1.0" encoding="utf-8"?>
-<p:sld xmlns:a="http://schemas.openxmlformats.org/drawingml/2006/main" xmlns:r="http://schemas.openxmlformats.org/officeDocument/2006/relationships" xmlns:p="http://schemas.openxmlformats.org/presentationml/2006/main">
-  <p:cSld>
-    <p:spTree>
-      <p:nvGrpSpPr>
-        <p:cNvPr id="1" name=""/>
-        <p:cNvGrpSpPr/>
-        <p:nvPr/>
-      </p:nvGrpSpPr>
-      <p:grpSpPr>
-        <a:xfrm>
-          <a:off x="0" y="0"/>
-          <a:ext cx="0" cy="0"/>
-          <a:chOff x="0" y="0"/>
-          <a:chExt cx="0" cy="0"/>
-        </a:xfrm>
-      </p:grpSpPr>
-      <p:sp>
-        <p:nvSpPr>
-          <p:cNvPr id="2" name="Title 1">
-            <a:extLst>
-              <a:ext uri="{FF2B5EF4-FFF2-40B4-BE49-F238E27FC236}">
-                <a16:creationId xmlns:a16="http://schemas.microsoft.com/office/drawing/2014/main" id="{895555D5-7205-147F-AD5E-FA5736A2D9B3}"/>
-              </a:ext>
-            </a:extLst>
-          </p:cNvPr>
-          <p:cNvSpPr>
-            <a:spLocks noGrp="1"/>
-          </p:cNvSpPr>
-          <p:nvPr>
-            <p:ph type="title"/>
-          </p:nvPr>
-        </p:nvSpPr>
-        <p:spPr/>
-        <p:txBody>
-          <a:bodyPr/>
-          <a:lstStyle/>
-          <a:p>
-            <a:r>
-              <a:rPr lang="en-US" dirty="0"/>
-              <a:t>Data (cont.)</a:t>
-            </a:r>
-          </a:p>
-        </p:txBody>
-      </p:sp>
-      <p:sp>
-        <p:nvSpPr>
-          <p:cNvPr id="3" name="Text Placeholder 2">
-            <a:extLst>
-              <a:ext uri="{FF2B5EF4-FFF2-40B4-BE49-F238E27FC236}">
-                <a16:creationId xmlns:a16="http://schemas.microsoft.com/office/drawing/2014/main" id="{4EFE0515-FF6A-6167-A878-7726C84C04DA}"/>
-              </a:ext>
-            </a:extLst>
-          </p:cNvPr>
-          <p:cNvSpPr>
-            <a:spLocks noGrp="1"/>
-          </p:cNvSpPr>
-          <p:nvPr>
-            <p:ph type="body" idx="1"/>
-          </p:nvPr>
-        </p:nvSpPr>
-        <p:spPr/>
-        <p:txBody>
-          <a:bodyPr/>
-          <a:lstStyle/>
-          <a:p>
-            <a:r>
-              <a:rPr lang="en-US" dirty="0"/>
-              <a:t>Example types of data:</a:t>
-            </a:r>
-          </a:p>
-          <a:p>
-            <a:pPr lvl="1"/>
-            <a:r>
-              <a:rPr lang="en-US" dirty="0"/>
-              <a:t>Graphs: nodes connected by edges</a:t>
-            </a:r>
-          </a:p>
-          <a:p>
-            <a:pPr lvl="1"/>
-            <a:r>
-              <a:rPr lang="en-US" dirty="0"/>
-              <a:t>E.g., graph to show a social media network. Nodes = individual people, Edges = follower relation</a:t>
-            </a:r>
-          </a:p>
-        </p:txBody>
-      </p:sp>
-      <p:cxnSp>
-        <p:nvCxnSpPr>
-          <p:cNvPr id="14" name="Straight Arrow Connector 13">
-            <a:extLst>
-              <a:ext uri="{FF2B5EF4-FFF2-40B4-BE49-F238E27FC236}">
-                <a16:creationId xmlns:a16="http://schemas.microsoft.com/office/drawing/2014/main" id="{47FEB12A-154F-A92B-1AF4-C5B091745426}"/>
-              </a:ext>
-            </a:extLst>
-          </p:cNvPr>
-          <p:cNvCxnSpPr>
-            <a:cxnSpLocks/>
-            <a:endCxn id="35" idx="3"/>
-          </p:cNvCxnSpPr>
-          <p:nvPr/>
-        </p:nvCxnSpPr>
-        <p:spPr>
-          <a:xfrm flipV="1">
-            <a:off x="4618074" y="3824663"/>
-            <a:ext cx="706936" cy="616157"/>
-          </a:xfrm>
-          <a:prstGeom prst="straightConnector1">
-            <a:avLst/>
-          </a:prstGeom>
-          <a:ln>
-            <a:tailEnd type="triangle"/>
-          </a:ln>
-        </p:spPr>
-        <p:style>
-          <a:lnRef idx="2">
-            <a:schemeClr val="accent1"/>
-          </a:lnRef>
-          <a:fillRef idx="0">
-            <a:schemeClr val="accent1"/>
-          </a:fillRef>
-          <a:effectRef idx="1">
-            <a:schemeClr val="accent1"/>
-          </a:effectRef>
-          <a:fontRef idx="minor">
-            <a:schemeClr val="tx1"/>
-          </a:fontRef>
-        </p:style>
-      </p:cxnSp>
-      <p:cxnSp>
-        <p:nvCxnSpPr>
-          <p:cNvPr id="16" name="Straight Arrow Connector 15">
-            <a:extLst>
-              <a:ext uri="{FF2B5EF4-FFF2-40B4-BE49-F238E27FC236}">
-                <a16:creationId xmlns:a16="http://schemas.microsoft.com/office/drawing/2014/main" id="{4AB8B4BD-48B8-AF05-0EBD-9008B57795F6}"/>
-              </a:ext>
-            </a:extLst>
-          </p:cNvPr>
-          <p:cNvCxnSpPr>
-            <a:cxnSpLocks/>
-          </p:cNvCxnSpPr>
-          <p:nvPr/>
-        </p:nvCxnSpPr>
-        <p:spPr>
-          <a:xfrm flipV="1">
-            <a:off x="5415516" y="3429000"/>
-            <a:ext cx="680484" cy="313660"/>
-          </a:xfrm>
-          <a:prstGeom prst="straightConnector1">
-            <a:avLst/>
-          </a:prstGeom>
-          <a:ln>
-            <a:tailEnd type="triangle"/>
-          </a:ln>
-        </p:spPr>
-        <p:style>
-          <a:lnRef idx="2">
-            <a:schemeClr val="accent1"/>
-          </a:lnRef>
-          <a:fillRef idx="0">
-            <a:schemeClr val="accent1"/>
-          </a:fillRef>
-          <a:effectRef idx="1">
-            <a:schemeClr val="accent1"/>
-          </a:effectRef>
-          <a:fontRef idx="minor">
-            <a:schemeClr val="tx1"/>
-          </a:fontRef>
-        </p:style>
-      </p:cxnSp>
-      <p:cxnSp>
-        <p:nvCxnSpPr>
-          <p:cNvPr id="19" name="Straight Arrow Connector 18">
-            <a:extLst>
-              <a:ext uri="{FF2B5EF4-FFF2-40B4-BE49-F238E27FC236}">
-                <a16:creationId xmlns:a16="http://schemas.microsoft.com/office/drawing/2014/main" id="{40248466-7819-F4A0-4125-9D0B34C25ED6}"/>
-              </a:ext>
-            </a:extLst>
-          </p:cNvPr>
-          <p:cNvCxnSpPr>
-            <a:cxnSpLocks/>
-            <a:stCxn id="36" idx="6"/>
-            <a:endCxn id="34" idx="1"/>
-          </p:cNvCxnSpPr>
-          <p:nvPr/>
-        </p:nvCxnSpPr>
-        <p:spPr>
-          <a:xfrm>
-            <a:off x="6138531" y="3364595"/>
-            <a:ext cx="823643" cy="351883"/>
-          </a:xfrm>
-          <a:prstGeom prst="straightConnector1">
-            <a:avLst/>
-          </a:prstGeom>
-          <a:ln>
-            <a:tailEnd type="triangle"/>
-          </a:ln>
-        </p:spPr>
-        <p:style>
-          <a:lnRef idx="2">
-            <a:schemeClr val="accent1"/>
-          </a:lnRef>
-          <a:fillRef idx="0">
-            <a:schemeClr val="accent1"/>
-          </a:fillRef>
-          <a:effectRef idx="1">
-            <a:schemeClr val="accent1"/>
-          </a:effectRef>
-          <a:fontRef idx="minor">
-            <a:schemeClr val="tx1"/>
-          </a:fontRef>
-        </p:style>
-      </p:cxnSp>
-      <p:cxnSp>
-        <p:nvCxnSpPr>
-          <p:cNvPr id="24" name="Straight Arrow Connector 23">
-            <a:extLst>
-              <a:ext uri="{FF2B5EF4-FFF2-40B4-BE49-F238E27FC236}">
-                <a16:creationId xmlns:a16="http://schemas.microsoft.com/office/drawing/2014/main" id="{1DE28E89-1262-34D0-8FA3-CC4817AE8B87}"/>
-              </a:ext>
-            </a:extLst>
-          </p:cNvPr>
-          <p:cNvCxnSpPr>
-            <a:cxnSpLocks/>
-            <a:stCxn id="34" idx="3"/>
-            <a:endCxn id="37" idx="6"/>
-          </p:cNvCxnSpPr>
-          <p:nvPr/>
-        </p:nvCxnSpPr>
-        <p:spPr>
-          <a:xfrm flipH="1">
-            <a:off x="4671237" y="3795420"/>
-            <a:ext cx="2290937" cy="674643"/>
-          </a:xfrm>
-          <a:prstGeom prst="straightConnector1">
-            <a:avLst/>
-          </a:prstGeom>
-          <a:ln>
-            <a:tailEnd type="triangle"/>
-          </a:ln>
-        </p:spPr>
-        <p:style>
-          <a:lnRef idx="2">
-            <a:schemeClr val="accent1"/>
-          </a:lnRef>
-          <a:fillRef idx="0">
-            <a:schemeClr val="accent1"/>
-          </a:fillRef>
-          <a:effectRef idx="1">
-            <a:schemeClr val="accent1"/>
-          </a:effectRef>
-          <a:fontRef idx="minor">
-            <a:schemeClr val="tx1"/>
-          </a:fontRef>
-        </p:style>
-      </p:cxnSp>
-      <p:cxnSp>
-        <p:nvCxnSpPr>
-          <p:cNvPr id="27" name="Straight Arrow Connector 26">
-            <a:extLst>
-              <a:ext uri="{FF2B5EF4-FFF2-40B4-BE49-F238E27FC236}">
-                <a16:creationId xmlns:a16="http://schemas.microsoft.com/office/drawing/2014/main" id="{8B312B00-E0E1-B627-2E17-582C2D518799}"/>
-              </a:ext>
-            </a:extLst>
-          </p:cNvPr>
-          <p:cNvCxnSpPr>
-            <a:cxnSpLocks/>
-            <a:stCxn id="34" idx="2"/>
-            <a:endCxn id="36" idx="4"/>
-          </p:cNvCxnSpPr>
-          <p:nvPr/>
-        </p:nvCxnSpPr>
-        <p:spPr>
-          <a:xfrm flipH="1" flipV="1">
-            <a:off x="6085368" y="3420416"/>
-            <a:ext cx="861235" cy="335533"/>
-          </a:xfrm>
-          <a:prstGeom prst="straightConnector1">
-            <a:avLst/>
-          </a:prstGeom>
-          <a:ln>
-            <a:tailEnd type="triangle"/>
-          </a:ln>
-        </p:spPr>
-        <p:style>
-          <a:lnRef idx="2">
-            <a:schemeClr val="accent1"/>
-          </a:lnRef>
-          <a:fillRef idx="0">
-            <a:schemeClr val="accent1"/>
-          </a:fillRef>
-          <a:effectRef idx="1">
-            <a:schemeClr val="accent1"/>
-          </a:effectRef>
-          <a:fontRef idx="minor">
-            <a:schemeClr val="tx1"/>
-          </a:fontRef>
-        </p:style>
-      </p:cxnSp>
-      <p:sp>
-        <p:nvSpPr>
-          <p:cNvPr id="34" name="Oval 33">
-            <a:extLst>
-              <a:ext uri="{FF2B5EF4-FFF2-40B4-BE49-F238E27FC236}">
-                <a16:creationId xmlns:a16="http://schemas.microsoft.com/office/drawing/2014/main" id="{8D546FB0-C892-50B6-F00B-F870A894A6AD}"/>
-              </a:ext>
-            </a:extLst>
-          </p:cNvPr>
-          <p:cNvSpPr/>
-          <p:nvPr/>
-        </p:nvSpPr>
-        <p:spPr>
-          <a:xfrm>
-            <a:off x="6946603" y="3700128"/>
-            <a:ext cx="106326" cy="111642"/>
-          </a:xfrm>
-          <a:prstGeom prst="ellipse">
-            <a:avLst/>
-          </a:prstGeom>
-          <a:solidFill>
-            <a:srgbClr val="000000"/>
-          </a:solidFill>
-        </p:spPr>
-        <p:style>
-          <a:lnRef idx="2">
-            <a:schemeClr val="accent1">
-              <a:shade val="15000"/>
-            </a:schemeClr>
-          </a:lnRef>
-          <a:fillRef idx="1">
-            <a:schemeClr val="accent1"/>
-          </a:fillRef>
-          <a:effectRef idx="0">
-            <a:schemeClr val="accent1"/>
-          </a:effectRef>
-          <a:fontRef idx="minor">
-            <a:schemeClr val="lt1"/>
-          </a:fontRef>
-        </p:style>
-        <p:txBody>
-          <a:bodyPr rtlCol="0" anchor="ctr"/>
-          <a:lstStyle/>
-          <a:p>
-            <a:pPr algn="ctr"/>
-            <a:endParaRPr lang="en-US"/>
-          </a:p>
-        </p:txBody>
-      </p:sp>
-      <p:sp>
-        <p:nvSpPr>
-          <p:cNvPr id="35" name="Oval 34">
-            <a:extLst>
-              <a:ext uri="{FF2B5EF4-FFF2-40B4-BE49-F238E27FC236}">
-                <a16:creationId xmlns:a16="http://schemas.microsoft.com/office/drawing/2014/main" id="{6962E404-3858-826B-E295-BF92A136FCA3}"/>
-              </a:ext>
-            </a:extLst>
-          </p:cNvPr>
-          <p:cNvSpPr/>
-          <p:nvPr/>
-        </p:nvSpPr>
-        <p:spPr>
-          <a:xfrm>
-            <a:off x="5309439" y="3729371"/>
-            <a:ext cx="106326" cy="111642"/>
-          </a:xfrm>
-          <a:prstGeom prst="ellipse">
-            <a:avLst/>
-          </a:prstGeom>
-          <a:solidFill>
-            <a:srgbClr val="000000"/>
-          </a:solidFill>
-        </p:spPr>
-        <p:style>
-          <a:lnRef idx="2">
-            <a:schemeClr val="accent1">
-              <a:shade val="15000"/>
-            </a:schemeClr>
-          </a:lnRef>
-          <a:fillRef idx="1">
-            <a:schemeClr val="accent1"/>
-          </a:fillRef>
-          <a:effectRef idx="0">
-            <a:schemeClr val="accent1"/>
-          </a:effectRef>
-          <a:fontRef idx="minor">
-            <a:schemeClr val="lt1"/>
-          </a:fontRef>
-        </p:style>
-        <p:txBody>
-          <a:bodyPr rtlCol="0" anchor="ctr"/>
-          <a:lstStyle/>
-          <a:p>
-            <a:pPr algn="ctr"/>
-            <a:endParaRPr lang="en-US"/>
-          </a:p>
-        </p:txBody>
-      </p:sp>
-      <p:sp>
-        <p:nvSpPr>
-          <p:cNvPr id="36" name="Oval 35">
-            <a:extLst>
-              <a:ext uri="{FF2B5EF4-FFF2-40B4-BE49-F238E27FC236}">
-                <a16:creationId xmlns:a16="http://schemas.microsoft.com/office/drawing/2014/main" id="{471BF54F-2CB0-558D-575F-99CAEDCDA41A}"/>
-              </a:ext>
-            </a:extLst>
-          </p:cNvPr>
-          <p:cNvSpPr/>
-          <p:nvPr/>
-        </p:nvSpPr>
-        <p:spPr>
-          <a:xfrm>
-            <a:off x="6032205" y="3308774"/>
-            <a:ext cx="106326" cy="111642"/>
-          </a:xfrm>
-          <a:prstGeom prst="ellipse">
-            <a:avLst/>
-          </a:prstGeom>
-          <a:solidFill>
-            <a:srgbClr val="000000"/>
-          </a:solidFill>
-        </p:spPr>
-        <p:style>
-          <a:lnRef idx="2">
-            <a:schemeClr val="accent1">
-              <a:shade val="15000"/>
-            </a:schemeClr>
-          </a:lnRef>
-          <a:fillRef idx="1">
-            <a:schemeClr val="accent1"/>
-          </a:fillRef>
-          <a:effectRef idx="0">
-            <a:schemeClr val="accent1"/>
-          </a:effectRef>
-          <a:fontRef idx="minor">
-            <a:schemeClr val="lt1"/>
-          </a:fontRef>
-        </p:style>
-        <p:txBody>
-          <a:bodyPr rtlCol="0" anchor="ctr"/>
-          <a:lstStyle/>
-          <a:p>
-            <a:pPr algn="ctr"/>
-            <a:endParaRPr lang="en-US"/>
-          </a:p>
-        </p:txBody>
-      </p:sp>
-      <p:sp>
-        <p:nvSpPr>
-          <p:cNvPr id="37" name="Oval 36">
-            <a:extLst>
-              <a:ext uri="{FF2B5EF4-FFF2-40B4-BE49-F238E27FC236}">
-                <a16:creationId xmlns:a16="http://schemas.microsoft.com/office/drawing/2014/main" id="{E7BFD30B-A71C-E9BF-B307-055D9F525FAC}"/>
-              </a:ext>
-            </a:extLst>
-          </p:cNvPr>
-          <p:cNvSpPr/>
-          <p:nvPr/>
-        </p:nvSpPr>
-        <p:spPr>
-          <a:xfrm>
-            <a:off x="4564911" y="4414242"/>
-            <a:ext cx="106326" cy="111642"/>
-          </a:xfrm>
-          <a:prstGeom prst="ellipse">
-            <a:avLst/>
-          </a:prstGeom>
-          <a:solidFill>
-            <a:srgbClr val="000000"/>
-          </a:solidFill>
-        </p:spPr>
-        <p:style>
-          <a:lnRef idx="2">
-            <a:schemeClr val="accent1">
-              <a:shade val="15000"/>
-            </a:schemeClr>
-          </a:lnRef>
-          <a:fillRef idx="1">
-            <a:schemeClr val="accent1"/>
-          </a:fillRef>
-          <a:effectRef idx="0">
-            <a:schemeClr val="accent1"/>
-          </a:effectRef>
-          <a:fontRef idx="minor">
-            <a:schemeClr val="lt1"/>
-          </a:fontRef>
-        </p:style>
-        <p:txBody>
-          <a:bodyPr rtlCol="0" anchor="ctr"/>
-          <a:lstStyle/>
-          <a:p>
-            <a:pPr algn="ctr"/>
-            <a:endParaRPr lang="en-US"/>
-          </a:p>
-        </p:txBody>
-      </p:sp>
-      <p:sp>
-        <p:nvSpPr>
-          <p:cNvPr id="47" name="TextBox 46">
-            <a:extLst>
-              <a:ext uri="{FF2B5EF4-FFF2-40B4-BE49-F238E27FC236}">
-                <a16:creationId xmlns:a16="http://schemas.microsoft.com/office/drawing/2014/main" id="{CA6D5B7E-79E3-90C4-CDB8-FAA8FBA0FF98}"/>
-              </a:ext>
-            </a:extLst>
-          </p:cNvPr>
-          <p:cNvSpPr txBox="1"/>
-          <p:nvPr/>
-        </p:nvSpPr>
-        <p:spPr>
-          <a:xfrm>
-            <a:off x="4017464" y="4316174"/>
-            <a:ext cx="600610" cy="307777"/>
-          </a:xfrm>
-          <a:prstGeom prst="rect">
-            <a:avLst/>
-          </a:prstGeom>
-          <a:noFill/>
-        </p:spPr>
-        <p:txBody>
-          <a:bodyPr wrap="square" rtlCol="0">
-            <a:spAutoFit/>
-          </a:bodyPr>
-          <a:lstStyle/>
-          <a:p>
-            <a:r>
-              <a:rPr lang="en-US" dirty="0"/>
-              <a:t>Jack</a:t>
-            </a:r>
-          </a:p>
-        </p:txBody>
-      </p:sp>
-      <p:sp>
-        <p:nvSpPr>
-          <p:cNvPr id="48" name="TextBox 47">
-            <a:extLst>
-              <a:ext uri="{FF2B5EF4-FFF2-40B4-BE49-F238E27FC236}">
-                <a16:creationId xmlns:a16="http://schemas.microsoft.com/office/drawing/2014/main" id="{F41FD077-277F-D989-6CB1-72646FB79D33}"/>
-              </a:ext>
-            </a:extLst>
-          </p:cNvPr>
-          <p:cNvSpPr txBox="1"/>
-          <p:nvPr/>
-        </p:nvSpPr>
-        <p:spPr>
-          <a:xfrm>
-            <a:off x="4895719" y="3533236"/>
-            <a:ext cx="600610" cy="307777"/>
-          </a:xfrm>
-          <a:prstGeom prst="rect">
-            <a:avLst/>
-          </a:prstGeom>
-          <a:noFill/>
-        </p:spPr>
-        <p:txBody>
-          <a:bodyPr wrap="square" rtlCol="0">
-            <a:spAutoFit/>
-          </a:bodyPr>
-          <a:lstStyle/>
-          <a:p>
-            <a:r>
-              <a:rPr lang="en-US" dirty="0"/>
-              <a:t>Jill</a:t>
-            </a:r>
-          </a:p>
-        </p:txBody>
-      </p:sp>
-      <p:sp>
-        <p:nvSpPr>
-          <p:cNvPr id="49" name="TextBox 48">
-            <a:extLst>
-              <a:ext uri="{FF2B5EF4-FFF2-40B4-BE49-F238E27FC236}">
-                <a16:creationId xmlns:a16="http://schemas.microsoft.com/office/drawing/2014/main" id="{B1C5546A-5417-0A1D-D717-E7127B09ABAC}"/>
-              </a:ext>
-            </a:extLst>
-          </p:cNvPr>
-          <p:cNvSpPr txBox="1"/>
-          <p:nvPr/>
-        </p:nvSpPr>
-        <p:spPr>
-          <a:xfrm>
-            <a:off x="5613297" y="3121223"/>
-            <a:ext cx="600610" cy="307777"/>
-          </a:xfrm>
-          <a:prstGeom prst="rect">
-            <a:avLst/>
-          </a:prstGeom>
-          <a:noFill/>
-        </p:spPr>
-        <p:txBody>
-          <a:bodyPr wrap="square" rtlCol="0">
-            <a:spAutoFit/>
-          </a:bodyPr>
-          <a:lstStyle/>
-          <a:p>
-            <a:r>
-              <a:rPr lang="en-US" dirty="0"/>
-              <a:t>Joe</a:t>
-            </a:r>
-          </a:p>
-        </p:txBody>
-      </p:sp>
-      <p:sp>
-        <p:nvSpPr>
-          <p:cNvPr id="50" name="TextBox 49">
-            <a:extLst>
-              <a:ext uri="{FF2B5EF4-FFF2-40B4-BE49-F238E27FC236}">
-                <a16:creationId xmlns:a16="http://schemas.microsoft.com/office/drawing/2014/main" id="{40D9E1EF-1214-699A-1C87-7F532EC0353B}"/>
-              </a:ext>
-            </a:extLst>
-          </p:cNvPr>
-          <p:cNvSpPr txBox="1"/>
-          <p:nvPr/>
-        </p:nvSpPr>
-        <p:spPr>
-          <a:xfrm>
-            <a:off x="7019911" y="3641531"/>
-            <a:ext cx="797526" cy="307777"/>
-          </a:xfrm>
-          <a:prstGeom prst="rect">
-            <a:avLst/>
-          </a:prstGeom>
-          <a:noFill/>
-        </p:spPr>
-        <p:txBody>
-          <a:bodyPr wrap="square" rtlCol="0">
-            <a:spAutoFit/>
-          </a:bodyPr>
-          <a:lstStyle/>
-          <a:p>
-            <a:r>
-              <a:rPr lang="en-US" dirty="0"/>
-              <a:t>Jared</a:t>
-            </a:r>
-          </a:p>
-        </p:txBody>
-      </p:sp>
-    </p:spTree>
-    <p:extLst>
-      <p:ext uri="{BB962C8B-B14F-4D97-AF65-F5344CB8AC3E}">
-        <p14:creationId xmlns:p14="http://schemas.microsoft.com/office/powerpoint/2010/main" val="682111659"/>
-      </p:ext>
-    </p:extLst>
-  </p:cSld>
-  <p:clrMapOvr>
-    <a:masterClrMapping/>
-  </p:clrMapOvr>
-</p:sld>
-</file>
-
-<file path=ppt/slides/slide7.xml><?xml version="1.0" encoding="utf-8"?>
-<p:sld xmlns:a="http://schemas.openxmlformats.org/drawingml/2006/main" xmlns:r="http://schemas.openxmlformats.org/officeDocument/2006/relationships" xmlns:p="http://schemas.openxmlformats.org/presentationml/2006/main">
-  <p:cSld>
-    <p:spTree>
-      <p:nvGrpSpPr>
-        <p:cNvPr id="1" name="">
-          <a:extLst>
-            <a:ext uri="{FF2B5EF4-FFF2-40B4-BE49-F238E27FC236}">
-              <a16:creationId xmlns:a16="http://schemas.microsoft.com/office/drawing/2014/main" id="{C3BB01BA-7B8B-228F-101E-702CBE7817D6}"/>
-            </a:ext>
-          </a:extLst>
-        </p:cNvPr>
-        <p:cNvGrpSpPr/>
-        <p:nvPr/>
-      </p:nvGrpSpPr>
-      <p:grpSpPr>
-        <a:xfrm>
-          <a:off x="0" y="0"/>
-          <a:ext cx="0" cy="0"/>
-          <a:chOff x="0" y="0"/>
-          <a:chExt cx="0" cy="0"/>
-        </a:xfrm>
-      </p:grpSpPr>
-      <p:sp>
-        <p:nvSpPr>
-          <p:cNvPr id="2" name="Title 1">
-            <a:extLst>
-              <a:ext uri="{FF2B5EF4-FFF2-40B4-BE49-F238E27FC236}">
-                <a16:creationId xmlns:a16="http://schemas.microsoft.com/office/drawing/2014/main" id="{C2B9D056-90A8-E7F4-6E6E-5E1540C5F35B}"/>
-              </a:ext>
-            </a:extLst>
-          </p:cNvPr>
-          <p:cNvSpPr>
-            <a:spLocks noGrp="1"/>
-          </p:cNvSpPr>
-          <p:nvPr>
-            <p:ph type="title"/>
-          </p:nvPr>
-        </p:nvSpPr>
-        <p:spPr/>
-        <p:txBody>
-          <a:bodyPr/>
-          <a:lstStyle/>
-          <a:p>
-            <a:r>
-              <a:rPr lang="en-US" dirty="0"/>
-              <a:t>Data (cont.)</a:t>
-            </a:r>
-          </a:p>
-        </p:txBody>
-      </p:sp>
-      <mc:AlternateContent xmlns:mc="http://schemas.openxmlformats.org/markup-compatibility/2006" xmlns:a14="http://schemas.microsoft.com/office/drawing/2010/main">
-        <mc:Choice Requires="a14">
-          <p:sp>
-            <p:nvSpPr>
-              <p:cNvPr id="3" name="Text Placeholder 2">
-                <a:extLst>
-                  <a:ext uri="{FF2B5EF4-FFF2-40B4-BE49-F238E27FC236}">
-                    <a16:creationId xmlns:a16="http://schemas.microsoft.com/office/drawing/2014/main" id="{1456C8F0-9894-CD98-5DBE-A4ABACC61740}"/>
-                  </a:ext>
-                </a:extLst>
-              </p:cNvPr>
-              <p:cNvSpPr>
-                <a:spLocks noGrp="1"/>
-              </p:cNvSpPr>
-              <p:nvPr>
-                <p:ph type="body" idx="1"/>
-              </p:nvPr>
-            </p:nvSpPr>
-            <p:spPr>
-              <a:xfrm>
-                <a:off x="415600" y="1664160"/>
-                <a:ext cx="11360800" cy="4403600"/>
-              </a:xfrm>
-            </p:spPr>
-            <p:txBody>
-              <a:bodyPr>
-                <a:normAutofit/>
-              </a:bodyPr>
-              <a:lstStyle/>
-              <a:p>
-                <a:r>
-                  <a:rPr lang="en-US" dirty="0"/>
-                  <a:t>Example types of data:</a:t>
-                </a:r>
-              </a:p>
-              <a:p>
-                <a:pPr lvl="1"/>
-                <a:r>
-                  <a:rPr lang="en-US" dirty="0"/>
-                  <a:t>Graphs: nodes connected by edges</a:t>
-                </a:r>
-              </a:p>
-              <a:p>
-                <a:pPr lvl="1"/>
-                <a:r>
-                  <a:rPr lang="en-US" dirty="0"/>
-                  <a:t>E.g., graph to show a social media network. Nodes = individual people, Edges = follower relation</a:t>
-                </a:r>
-              </a:p>
-              <a:p>
-                <a:pPr lvl="1"/>
-                <a:endParaRPr lang="en-US" dirty="0"/>
-              </a:p>
-              <a:p>
-                <a:pPr lvl="1"/>
-                <a:endParaRPr lang="en-US" dirty="0"/>
-              </a:p>
-              <a:p>
-                <a:pPr lvl="1"/>
-                <a:endParaRPr lang="en-US" dirty="0"/>
-              </a:p>
-              <a:p>
-                <a:pPr lvl="1"/>
-                <a:endParaRPr lang="en-US" dirty="0"/>
-              </a:p>
-              <a:p>
-                <a:pPr lvl="1"/>
-                <a:endParaRPr lang="en-US" dirty="0"/>
-              </a:p>
-              <a:p>
-                <a:pPr lvl="1"/>
-                <a:r>
-                  <a:rPr lang="en-US" dirty="0"/>
-                  <a:t>Adjacency Matrix:                    </a:t>
-                </a:r>
-                <a14:m>
-                  <m:oMath xmlns:m="http://schemas.openxmlformats.org/officeDocument/2006/math">
-                    <m:d>
-                      <m:dPr>
-                        <m:ctrlPr>
-                          <a:rPr lang="en-US" b="0" i="1" smtClean="0">
-                            <a:latin typeface="Cambria Math" panose="02040503050406030204" pitchFamily="18" charset="0"/>
-                          </a:rPr>
-                        </m:ctrlPr>
-                      </m:dPr>
-                      <m:e>
-                        <m:m>
-                          <m:mPr>
-                            <m:plcHide m:val="on"/>
-                            <m:mcs>
-                              <m:mc>
-                                <m:mcPr>
-                                  <m:count m:val="4"/>
-                                  <m:mcJc m:val="center"/>
-                                </m:mcPr>
-                              </m:mc>
-                            </m:mcs>
-                            <m:ctrlPr>
-                              <a:rPr lang="en-US" b="0" i="1" smtClean="0">
-                                <a:latin typeface="Cambria Math" panose="02040503050406030204" pitchFamily="18" charset="0"/>
-                              </a:rPr>
-                            </m:ctrlPr>
-                          </m:mPr>
-                          <m:mr>
-                            <m:e>
-                              <m:r>
-                                <a:rPr lang="en-US" b="0" i="1" smtClean="0">
-                                  <a:latin typeface="Cambria Math" panose="02040503050406030204" pitchFamily="18" charset="0"/>
-                                </a:rPr>
-                                <m:t>0</m:t>
-                              </m:r>
-                            </m:e>
-                            <m:e>
-                              <m:r>
-                                <a:rPr lang="en-US" b="0" i="1" smtClean="0">
-                                  <a:latin typeface="Cambria Math" panose="02040503050406030204" pitchFamily="18" charset="0"/>
-                                </a:rPr>
-                                <m:t>1</m:t>
-                              </m:r>
-                            </m:e>
-                            <m:e>
-                              <m:r>
-                                <a:rPr lang="en-US" b="0" i="1" smtClean="0">
-                                  <a:latin typeface="Cambria Math" panose="02040503050406030204" pitchFamily="18" charset="0"/>
-                                </a:rPr>
-                                <m:t>0</m:t>
-                              </m:r>
-                            </m:e>
-                            <m:e>
-                              <m:r>
-                                <a:rPr lang="en-US" b="0" i="1" smtClean="0">
-                                  <a:latin typeface="Cambria Math" panose="02040503050406030204" pitchFamily="18" charset="0"/>
-                                </a:rPr>
-                                <m:t>0</m:t>
-                              </m:r>
-                            </m:e>
-                          </m:mr>
-                          <m:mr>
-                            <m:e>
-                              <m:r>
-                                <a:rPr lang="en-US" b="0" i="1" smtClean="0">
-                                  <a:latin typeface="Cambria Math" panose="02040503050406030204" pitchFamily="18" charset="0"/>
-                                </a:rPr>
-                                <m:t>0</m:t>
-                              </m:r>
-                            </m:e>
-                            <m:e>
-                              <m:r>
-                                <a:rPr lang="en-US" b="0" i="1" smtClean="0">
-                                  <a:latin typeface="Cambria Math" panose="02040503050406030204" pitchFamily="18" charset="0"/>
-                                </a:rPr>
-                                <m:t>0</m:t>
-                              </m:r>
-                            </m:e>
-                            <m:e>
-                              <m:r>
-                                <a:rPr lang="en-US" b="0" i="1" smtClean="0">
-                                  <a:latin typeface="Cambria Math" panose="02040503050406030204" pitchFamily="18" charset="0"/>
-                                </a:rPr>
-                                <m:t>1</m:t>
-                              </m:r>
-                            </m:e>
-                            <m:e>
-                              <m:r>
-                                <a:rPr lang="en-US" b="0" i="1" smtClean="0">
-                                  <a:latin typeface="Cambria Math" panose="02040503050406030204" pitchFamily="18" charset="0"/>
-                                </a:rPr>
-                                <m:t>0</m:t>
-                              </m:r>
-                            </m:e>
-                          </m:mr>
-                          <m:mr>
-                            <m:e>
-                              <m:r>
-                                <a:rPr lang="en-US" b="0" i="1" smtClean="0">
-                                  <a:latin typeface="Cambria Math" panose="02040503050406030204" pitchFamily="18" charset="0"/>
-                                </a:rPr>
-                                <m:t>0</m:t>
-                              </m:r>
-                            </m:e>
-                            <m:e>
-                              <m:r>
-                                <a:rPr lang="en-US" b="0" i="1" smtClean="0">
-                                  <a:latin typeface="Cambria Math" panose="02040503050406030204" pitchFamily="18" charset="0"/>
-                                </a:rPr>
-                                <m:t>0</m:t>
-                              </m:r>
-                            </m:e>
-                            <m:e>
-                              <m:r>
-                                <a:rPr lang="en-US" b="0" i="1" smtClean="0">
-                                  <a:latin typeface="Cambria Math" panose="02040503050406030204" pitchFamily="18" charset="0"/>
-                                </a:rPr>
-                                <m:t>0</m:t>
-                              </m:r>
-                            </m:e>
-                            <m:e>
-                              <m:r>
-                                <a:rPr lang="en-US" b="0" i="1" smtClean="0">
-                                  <a:latin typeface="Cambria Math" panose="02040503050406030204" pitchFamily="18" charset="0"/>
-                                </a:rPr>
-                                <m:t>1</m:t>
-                              </m:r>
-                            </m:e>
-                          </m:mr>
-                          <m:mr>
-                            <m:e>
-                              <m:r>
-                                <a:rPr lang="en-US" b="0" i="1" smtClean="0">
-                                  <a:latin typeface="Cambria Math" panose="02040503050406030204" pitchFamily="18" charset="0"/>
-                                </a:rPr>
-                                <m:t>1</m:t>
-                              </m:r>
-                            </m:e>
-                            <m:e>
-                              <m:r>
-                                <a:rPr lang="en-US" b="0" i="1" smtClean="0">
-                                  <a:latin typeface="Cambria Math" panose="02040503050406030204" pitchFamily="18" charset="0"/>
-                                </a:rPr>
-                                <m:t>0</m:t>
-                              </m:r>
-                            </m:e>
-                            <m:e>
-                              <m:r>
-                                <a:rPr lang="en-US" b="0" i="1" smtClean="0">
-                                  <a:latin typeface="Cambria Math" panose="02040503050406030204" pitchFamily="18" charset="0"/>
-                                </a:rPr>
-                                <m:t>1</m:t>
-                              </m:r>
-                            </m:e>
-                            <m:e>
-                              <m:r>
-                                <a:rPr lang="en-US" b="0" i="1" smtClean="0">
-                                  <a:latin typeface="Cambria Math" panose="02040503050406030204" pitchFamily="18" charset="0"/>
-                                </a:rPr>
-                                <m:t>0</m:t>
-                              </m:r>
-                            </m:e>
-                          </m:mr>
-                        </m:m>
-                      </m:e>
-                    </m:d>
-                  </m:oMath>
-                </a14:m>
-                <a:endParaRPr lang="en-US" b="0" dirty="0"/>
-              </a:p>
-              <a:p>
-                <a:pPr lvl="1"/>
-                <a:endParaRPr lang="en-US" b="0" dirty="0"/>
-              </a:p>
-              <a:p>
-                <a:pPr lvl="1"/>
-                <a:endParaRPr lang="en-US" dirty="0"/>
-              </a:p>
-            </p:txBody>
-          </p:sp>
-        </mc:Choice>
-        <mc:Fallback xmlns="">
-          <p:sp>
-            <p:nvSpPr>
-              <p:cNvPr id="3" name="Text Placeholder 2">
-                <a:extLst>
-                  <a:ext uri="{FF2B5EF4-FFF2-40B4-BE49-F238E27FC236}">
-                    <a16:creationId xmlns:a16="http://schemas.microsoft.com/office/drawing/2014/main" id="{1456C8F0-9894-CD98-5DBE-A4ABACC61740}"/>
-                  </a:ext>
-                </a:extLst>
-              </p:cNvPr>
-              <p:cNvSpPr>
-                <a:spLocks noGrp="1" noRot="1" noChangeAspect="1" noMove="1" noResize="1" noEditPoints="1" noAdjustHandles="1" noChangeArrowheads="1" noChangeShapeType="1" noTextEdit="1"/>
-              </p:cNvSpPr>
-              <p:nvPr>
-                <p:ph type="body" idx="1"/>
-              </p:nvPr>
-            </p:nvSpPr>
-            <p:spPr>
-              <a:xfrm>
-                <a:off x="415600" y="1664160"/>
-                <a:ext cx="11360800" cy="4403600"/>
-              </a:xfrm>
-              <a:blipFill>
-                <a:blip r:embed="rId2"/>
-                <a:stretch>
-                  <a:fillRect/>
-                </a:stretch>
-              </a:blipFill>
-            </p:spPr>
-            <p:txBody>
-              <a:bodyPr/>
-              <a:lstStyle/>
-              <a:p>
-                <a:r>
-                  <a:rPr lang="en-US">
-                    <a:noFill/>
-                  </a:rPr>
-                  <a:t> </a:t>
-                </a:r>
-              </a:p>
-            </p:txBody>
-          </p:sp>
-        </mc:Fallback>
-      </mc:AlternateContent>
-      <p:cxnSp>
-        <p:nvCxnSpPr>
-          <p:cNvPr id="14" name="Straight Arrow Connector 13">
-            <a:extLst>
-              <a:ext uri="{FF2B5EF4-FFF2-40B4-BE49-F238E27FC236}">
-                <a16:creationId xmlns:a16="http://schemas.microsoft.com/office/drawing/2014/main" id="{9B0FFD66-F586-80C4-D097-B6E24932E9CD}"/>
-              </a:ext>
-            </a:extLst>
-          </p:cNvPr>
-          <p:cNvCxnSpPr>
-            <a:cxnSpLocks/>
-            <a:endCxn id="35" idx="3"/>
-          </p:cNvCxnSpPr>
-          <p:nvPr/>
-        </p:nvCxnSpPr>
-        <p:spPr>
-          <a:xfrm flipV="1">
-            <a:off x="5100777" y="3895203"/>
-            <a:ext cx="706936" cy="616157"/>
-          </a:xfrm>
-          <a:prstGeom prst="straightConnector1">
-            <a:avLst/>
-          </a:prstGeom>
-          <a:ln>
-            <a:tailEnd type="triangle"/>
-          </a:ln>
-        </p:spPr>
-        <p:style>
-          <a:lnRef idx="2">
-            <a:schemeClr val="accent1"/>
-          </a:lnRef>
-          <a:fillRef idx="0">
-            <a:schemeClr val="accent1"/>
-          </a:fillRef>
-          <a:effectRef idx="1">
-            <a:schemeClr val="accent1"/>
-          </a:effectRef>
-          <a:fontRef idx="minor">
-            <a:schemeClr val="tx1"/>
-          </a:fontRef>
-        </p:style>
-      </p:cxnSp>
-      <p:cxnSp>
-        <p:nvCxnSpPr>
-          <p:cNvPr id="16" name="Straight Arrow Connector 15">
-            <a:extLst>
-              <a:ext uri="{FF2B5EF4-FFF2-40B4-BE49-F238E27FC236}">
-                <a16:creationId xmlns:a16="http://schemas.microsoft.com/office/drawing/2014/main" id="{98AFBC1E-37E4-61BF-1F08-25D4DA9E89C8}"/>
-              </a:ext>
-            </a:extLst>
-          </p:cNvPr>
-          <p:cNvCxnSpPr>
-            <a:cxnSpLocks/>
-          </p:cNvCxnSpPr>
-          <p:nvPr/>
-        </p:nvCxnSpPr>
-        <p:spPr>
-          <a:xfrm flipV="1">
-            <a:off x="5898219" y="3499540"/>
-            <a:ext cx="680484" cy="313660"/>
-          </a:xfrm>
-          <a:prstGeom prst="straightConnector1">
-            <a:avLst/>
-          </a:prstGeom>
-          <a:ln>
-            <a:tailEnd type="triangle"/>
-          </a:ln>
-        </p:spPr>
-        <p:style>
-          <a:lnRef idx="2">
-            <a:schemeClr val="accent1"/>
-          </a:lnRef>
-          <a:fillRef idx="0">
-            <a:schemeClr val="accent1"/>
-          </a:fillRef>
-          <a:effectRef idx="1">
-            <a:schemeClr val="accent1"/>
-          </a:effectRef>
-          <a:fontRef idx="minor">
-            <a:schemeClr val="tx1"/>
-          </a:fontRef>
-        </p:style>
-      </p:cxnSp>
-      <p:cxnSp>
-        <p:nvCxnSpPr>
-          <p:cNvPr id="19" name="Straight Arrow Connector 18">
-            <a:extLst>
-              <a:ext uri="{FF2B5EF4-FFF2-40B4-BE49-F238E27FC236}">
-                <a16:creationId xmlns:a16="http://schemas.microsoft.com/office/drawing/2014/main" id="{B6082D79-2853-BD0C-787B-CACA8EAD3D6C}"/>
-              </a:ext>
-            </a:extLst>
-          </p:cNvPr>
-          <p:cNvCxnSpPr>
-            <a:cxnSpLocks/>
-            <a:stCxn id="36" idx="6"/>
-            <a:endCxn id="34" idx="1"/>
-          </p:cNvCxnSpPr>
-          <p:nvPr/>
-        </p:nvCxnSpPr>
-        <p:spPr>
-          <a:xfrm>
-            <a:off x="6621234" y="3435135"/>
-            <a:ext cx="823643" cy="351883"/>
-          </a:xfrm>
-          <a:prstGeom prst="straightConnector1">
-            <a:avLst/>
-          </a:prstGeom>
-          <a:ln>
-            <a:tailEnd type="triangle"/>
-          </a:ln>
-        </p:spPr>
-        <p:style>
-          <a:lnRef idx="2">
-            <a:schemeClr val="accent1"/>
-          </a:lnRef>
-          <a:fillRef idx="0">
-            <a:schemeClr val="accent1"/>
-          </a:fillRef>
-          <a:effectRef idx="1">
-            <a:schemeClr val="accent1"/>
-          </a:effectRef>
-          <a:fontRef idx="minor">
-            <a:schemeClr val="tx1"/>
-          </a:fontRef>
-        </p:style>
-      </p:cxnSp>
-      <p:cxnSp>
-        <p:nvCxnSpPr>
-          <p:cNvPr id="24" name="Straight Arrow Connector 23">
-            <a:extLst>
-              <a:ext uri="{FF2B5EF4-FFF2-40B4-BE49-F238E27FC236}">
-                <a16:creationId xmlns:a16="http://schemas.microsoft.com/office/drawing/2014/main" id="{30E307B5-0EFB-1CC0-9257-247826875DBD}"/>
-              </a:ext>
-            </a:extLst>
-          </p:cNvPr>
-          <p:cNvCxnSpPr>
-            <a:cxnSpLocks/>
-            <a:stCxn id="34" idx="3"/>
-            <a:endCxn id="37" idx="6"/>
-          </p:cNvCxnSpPr>
-          <p:nvPr/>
-        </p:nvCxnSpPr>
-        <p:spPr>
-          <a:xfrm flipH="1">
-            <a:off x="5153940" y="3865960"/>
-            <a:ext cx="2290937" cy="674643"/>
-          </a:xfrm>
-          <a:prstGeom prst="straightConnector1">
-            <a:avLst/>
-          </a:prstGeom>
-          <a:ln>
-            <a:tailEnd type="triangle"/>
-          </a:ln>
-        </p:spPr>
-        <p:style>
-          <a:lnRef idx="2">
-            <a:schemeClr val="accent1"/>
-          </a:lnRef>
-          <a:fillRef idx="0">
-            <a:schemeClr val="accent1"/>
-          </a:fillRef>
-          <a:effectRef idx="1">
-            <a:schemeClr val="accent1"/>
-          </a:effectRef>
-          <a:fontRef idx="minor">
-            <a:schemeClr val="tx1"/>
-          </a:fontRef>
-        </p:style>
-      </p:cxnSp>
-      <p:cxnSp>
-        <p:nvCxnSpPr>
-          <p:cNvPr id="27" name="Straight Arrow Connector 26">
-            <a:extLst>
-              <a:ext uri="{FF2B5EF4-FFF2-40B4-BE49-F238E27FC236}">
-                <a16:creationId xmlns:a16="http://schemas.microsoft.com/office/drawing/2014/main" id="{4B8E28F8-D7F8-3AC7-D8D0-48C87DA446C1}"/>
-              </a:ext>
-            </a:extLst>
-          </p:cNvPr>
-          <p:cNvCxnSpPr>
-            <a:cxnSpLocks/>
-            <a:stCxn id="34" idx="2"/>
-            <a:endCxn id="36" idx="4"/>
-          </p:cNvCxnSpPr>
-          <p:nvPr/>
-        </p:nvCxnSpPr>
-        <p:spPr>
-          <a:xfrm flipH="1" flipV="1">
-            <a:off x="6568071" y="3490956"/>
-            <a:ext cx="861235" cy="335533"/>
-          </a:xfrm>
-          <a:prstGeom prst="straightConnector1">
-            <a:avLst/>
-          </a:prstGeom>
-          <a:ln>
-            <a:tailEnd type="triangle"/>
-          </a:ln>
-        </p:spPr>
-        <p:style>
-          <a:lnRef idx="2">
-            <a:schemeClr val="accent1"/>
-          </a:lnRef>
-          <a:fillRef idx="0">
-            <a:schemeClr val="accent1"/>
-          </a:fillRef>
-          <a:effectRef idx="1">
-            <a:schemeClr val="accent1"/>
-          </a:effectRef>
-          <a:fontRef idx="minor">
-            <a:schemeClr val="tx1"/>
-          </a:fontRef>
-        </p:style>
-      </p:cxnSp>
-      <p:sp>
-        <p:nvSpPr>
-          <p:cNvPr id="34" name="Oval 33">
-            <a:extLst>
-              <a:ext uri="{FF2B5EF4-FFF2-40B4-BE49-F238E27FC236}">
-                <a16:creationId xmlns:a16="http://schemas.microsoft.com/office/drawing/2014/main" id="{81D37781-91C3-FBDE-B4D7-4E2173874C7C}"/>
-              </a:ext>
-            </a:extLst>
-          </p:cNvPr>
-          <p:cNvSpPr/>
-          <p:nvPr/>
-        </p:nvSpPr>
-        <p:spPr>
-          <a:xfrm>
-            <a:off x="7429306" y="3770668"/>
-            <a:ext cx="106326" cy="111642"/>
-          </a:xfrm>
-          <a:prstGeom prst="ellipse">
-            <a:avLst/>
-          </a:prstGeom>
-          <a:solidFill>
-            <a:srgbClr val="000000"/>
-          </a:solidFill>
-        </p:spPr>
-        <p:style>
-          <a:lnRef idx="2">
-            <a:schemeClr val="accent1">
-              <a:shade val="15000"/>
-            </a:schemeClr>
-          </a:lnRef>
-          <a:fillRef idx="1">
-            <a:schemeClr val="accent1"/>
-          </a:fillRef>
-          <a:effectRef idx="0">
-            <a:schemeClr val="accent1"/>
-          </a:effectRef>
-          <a:fontRef idx="minor">
-            <a:schemeClr val="lt1"/>
-          </a:fontRef>
-        </p:style>
-        <p:txBody>
-          <a:bodyPr rtlCol="0" anchor="ctr"/>
-          <a:lstStyle/>
-          <a:p>
-            <a:pPr algn="ctr"/>
-            <a:endParaRPr lang="en-US"/>
-          </a:p>
-        </p:txBody>
-      </p:sp>
-      <p:sp>
-        <p:nvSpPr>
-          <p:cNvPr id="35" name="Oval 34">
-            <a:extLst>
-              <a:ext uri="{FF2B5EF4-FFF2-40B4-BE49-F238E27FC236}">
-                <a16:creationId xmlns:a16="http://schemas.microsoft.com/office/drawing/2014/main" id="{78159281-7A42-0FB1-78EE-293E4A0E56E4}"/>
-              </a:ext>
-            </a:extLst>
-          </p:cNvPr>
-          <p:cNvSpPr/>
-          <p:nvPr/>
-        </p:nvSpPr>
-        <p:spPr>
-          <a:xfrm>
-            <a:off x="5792142" y="3799911"/>
-            <a:ext cx="106326" cy="111642"/>
-          </a:xfrm>
-          <a:prstGeom prst="ellipse">
-            <a:avLst/>
-          </a:prstGeom>
-          <a:solidFill>
-            <a:srgbClr val="000000"/>
-          </a:solidFill>
-        </p:spPr>
-        <p:style>
-          <a:lnRef idx="2">
-            <a:schemeClr val="accent1">
-              <a:shade val="15000"/>
-            </a:schemeClr>
-          </a:lnRef>
-          <a:fillRef idx="1">
-            <a:schemeClr val="accent1"/>
-          </a:fillRef>
-          <a:effectRef idx="0">
-            <a:schemeClr val="accent1"/>
-          </a:effectRef>
-          <a:fontRef idx="minor">
-            <a:schemeClr val="lt1"/>
-          </a:fontRef>
-        </p:style>
-        <p:txBody>
-          <a:bodyPr rtlCol="0" anchor="ctr"/>
-          <a:lstStyle/>
-          <a:p>
-            <a:pPr algn="ctr"/>
-            <a:endParaRPr lang="en-US"/>
-          </a:p>
-        </p:txBody>
-      </p:sp>
-      <p:sp>
-        <p:nvSpPr>
-          <p:cNvPr id="36" name="Oval 35">
-            <a:extLst>
-              <a:ext uri="{FF2B5EF4-FFF2-40B4-BE49-F238E27FC236}">
-                <a16:creationId xmlns:a16="http://schemas.microsoft.com/office/drawing/2014/main" id="{0495DAC4-FE3A-0FCA-3A0B-9FADDAEDB7E7}"/>
-              </a:ext>
-            </a:extLst>
-          </p:cNvPr>
-          <p:cNvSpPr/>
-          <p:nvPr/>
-        </p:nvSpPr>
-        <p:spPr>
-          <a:xfrm>
-            <a:off x="6514908" y="3379314"/>
-            <a:ext cx="106326" cy="111642"/>
-          </a:xfrm>
-          <a:prstGeom prst="ellipse">
-            <a:avLst/>
-          </a:prstGeom>
-          <a:solidFill>
-            <a:srgbClr val="000000"/>
-          </a:solidFill>
-        </p:spPr>
-        <p:style>
-          <a:lnRef idx="2">
-            <a:schemeClr val="accent1">
-              <a:shade val="15000"/>
-            </a:schemeClr>
-          </a:lnRef>
-          <a:fillRef idx="1">
-            <a:schemeClr val="accent1"/>
-          </a:fillRef>
-          <a:effectRef idx="0">
-            <a:schemeClr val="accent1"/>
-          </a:effectRef>
-          <a:fontRef idx="minor">
-            <a:schemeClr val="lt1"/>
-          </a:fontRef>
-        </p:style>
-        <p:txBody>
-          <a:bodyPr rtlCol="0" anchor="ctr"/>
-          <a:lstStyle/>
-          <a:p>
-            <a:pPr algn="ctr"/>
-            <a:endParaRPr lang="en-US"/>
-          </a:p>
-        </p:txBody>
-      </p:sp>
-      <p:sp>
-        <p:nvSpPr>
-          <p:cNvPr id="37" name="Oval 36">
-            <a:extLst>
-              <a:ext uri="{FF2B5EF4-FFF2-40B4-BE49-F238E27FC236}">
-                <a16:creationId xmlns:a16="http://schemas.microsoft.com/office/drawing/2014/main" id="{D3004235-C699-4165-779B-F58C034954B0}"/>
-              </a:ext>
-            </a:extLst>
-          </p:cNvPr>
-          <p:cNvSpPr/>
-          <p:nvPr/>
-        </p:nvSpPr>
-        <p:spPr>
-          <a:xfrm>
-            <a:off x="5047614" y="4484782"/>
-            <a:ext cx="106326" cy="111642"/>
-          </a:xfrm>
-          <a:prstGeom prst="ellipse">
-            <a:avLst/>
-          </a:prstGeom>
-          <a:solidFill>
-            <a:srgbClr val="000000"/>
-          </a:solidFill>
-        </p:spPr>
-        <p:style>
-          <a:lnRef idx="2">
-            <a:schemeClr val="accent1">
-              <a:shade val="15000"/>
-            </a:schemeClr>
-          </a:lnRef>
-          <a:fillRef idx="1">
-            <a:schemeClr val="accent1"/>
-          </a:fillRef>
-          <a:effectRef idx="0">
-            <a:schemeClr val="accent1"/>
-          </a:effectRef>
-          <a:fontRef idx="minor">
-            <a:schemeClr val="lt1"/>
-          </a:fontRef>
-        </p:style>
-        <p:txBody>
-          <a:bodyPr rtlCol="0" anchor="ctr"/>
-          <a:lstStyle/>
-          <a:p>
-            <a:pPr algn="ctr"/>
-            <a:endParaRPr lang="en-US"/>
-          </a:p>
-        </p:txBody>
-      </p:sp>
-      <p:sp>
-        <p:nvSpPr>
-          <p:cNvPr id="47" name="TextBox 46">
-            <a:extLst>
-              <a:ext uri="{FF2B5EF4-FFF2-40B4-BE49-F238E27FC236}">
-                <a16:creationId xmlns:a16="http://schemas.microsoft.com/office/drawing/2014/main" id="{5119CB65-A58A-F5D9-1676-28FF787D08AE}"/>
-              </a:ext>
-            </a:extLst>
-          </p:cNvPr>
-          <p:cNvSpPr txBox="1"/>
-          <p:nvPr/>
-        </p:nvSpPr>
-        <p:spPr>
-          <a:xfrm>
-            <a:off x="4500167" y="4386714"/>
-            <a:ext cx="600610" cy="307777"/>
-          </a:xfrm>
-          <a:prstGeom prst="rect">
-            <a:avLst/>
-          </a:prstGeom>
-          <a:noFill/>
-        </p:spPr>
-        <p:txBody>
-          <a:bodyPr wrap="square" rtlCol="0">
-            <a:spAutoFit/>
-          </a:bodyPr>
-          <a:lstStyle/>
-          <a:p>
-            <a:r>
-              <a:rPr lang="en-US" dirty="0"/>
-              <a:t>Jack</a:t>
-            </a:r>
-          </a:p>
-        </p:txBody>
-      </p:sp>
-      <p:sp>
-        <p:nvSpPr>
-          <p:cNvPr id="48" name="TextBox 47">
-            <a:extLst>
-              <a:ext uri="{FF2B5EF4-FFF2-40B4-BE49-F238E27FC236}">
-                <a16:creationId xmlns:a16="http://schemas.microsoft.com/office/drawing/2014/main" id="{9754FCE5-E7B9-08E2-31A6-74CF45F91255}"/>
-              </a:ext>
-            </a:extLst>
-          </p:cNvPr>
-          <p:cNvSpPr txBox="1"/>
-          <p:nvPr/>
-        </p:nvSpPr>
-        <p:spPr>
-          <a:xfrm>
-            <a:off x="5378422" y="3603776"/>
-            <a:ext cx="600610" cy="307777"/>
-          </a:xfrm>
-          <a:prstGeom prst="rect">
-            <a:avLst/>
-          </a:prstGeom>
-          <a:noFill/>
-        </p:spPr>
-        <p:txBody>
-          <a:bodyPr wrap="square" rtlCol="0">
-            <a:spAutoFit/>
-          </a:bodyPr>
-          <a:lstStyle/>
-          <a:p>
-            <a:r>
-              <a:rPr lang="en-US" dirty="0"/>
-              <a:t>Jill</a:t>
-            </a:r>
-          </a:p>
-        </p:txBody>
-      </p:sp>
-      <p:sp>
-        <p:nvSpPr>
-          <p:cNvPr id="49" name="TextBox 48">
-            <a:extLst>
-              <a:ext uri="{FF2B5EF4-FFF2-40B4-BE49-F238E27FC236}">
-                <a16:creationId xmlns:a16="http://schemas.microsoft.com/office/drawing/2014/main" id="{FB3B6CF4-3FD3-B675-56DC-B4A29069947E}"/>
-              </a:ext>
-            </a:extLst>
-          </p:cNvPr>
-          <p:cNvSpPr txBox="1"/>
-          <p:nvPr/>
-        </p:nvSpPr>
-        <p:spPr>
-          <a:xfrm>
-            <a:off x="6096000" y="3191763"/>
-            <a:ext cx="600610" cy="307777"/>
-          </a:xfrm>
-          <a:prstGeom prst="rect">
-            <a:avLst/>
-          </a:prstGeom>
-          <a:noFill/>
-        </p:spPr>
-        <p:txBody>
-          <a:bodyPr wrap="square" rtlCol="0">
-            <a:spAutoFit/>
-          </a:bodyPr>
-          <a:lstStyle/>
-          <a:p>
-            <a:r>
-              <a:rPr lang="en-US" dirty="0"/>
-              <a:t>Joe</a:t>
-            </a:r>
-          </a:p>
-        </p:txBody>
-      </p:sp>
-      <p:sp>
-        <p:nvSpPr>
-          <p:cNvPr id="50" name="TextBox 49">
-            <a:extLst>
-              <a:ext uri="{FF2B5EF4-FFF2-40B4-BE49-F238E27FC236}">
-                <a16:creationId xmlns:a16="http://schemas.microsoft.com/office/drawing/2014/main" id="{9B8CA6AA-F906-BA25-12BA-02EB80F157D7}"/>
-              </a:ext>
-            </a:extLst>
-          </p:cNvPr>
-          <p:cNvSpPr txBox="1"/>
-          <p:nvPr/>
-        </p:nvSpPr>
-        <p:spPr>
-          <a:xfrm>
-            <a:off x="7502614" y="3712071"/>
-            <a:ext cx="797526" cy="307777"/>
-          </a:xfrm>
-          <a:prstGeom prst="rect">
-            <a:avLst/>
-          </a:prstGeom>
-          <a:noFill/>
-        </p:spPr>
-        <p:txBody>
-          <a:bodyPr wrap="square" rtlCol="0">
-            <a:spAutoFit/>
-          </a:bodyPr>
-          <a:lstStyle/>
-          <a:p>
-            <a:r>
-              <a:rPr lang="en-US" dirty="0"/>
-              <a:t>Jared</a:t>
-            </a:r>
-          </a:p>
-        </p:txBody>
-      </p:sp>
-      <p:cxnSp>
-        <p:nvCxnSpPr>
-          <p:cNvPr id="5" name="Straight Arrow Connector 4">
-            <a:extLst>
-              <a:ext uri="{FF2B5EF4-FFF2-40B4-BE49-F238E27FC236}">
-                <a16:creationId xmlns:a16="http://schemas.microsoft.com/office/drawing/2014/main" id="{997064DE-6CB1-C515-3544-0400EC7F08D8}"/>
-              </a:ext>
-            </a:extLst>
-          </p:cNvPr>
-          <p:cNvCxnSpPr/>
-          <p:nvPr/>
-        </p:nvCxnSpPr>
-        <p:spPr>
-          <a:xfrm flipH="1">
-            <a:off x="7138684" y="3191763"/>
-            <a:ext cx="808075" cy="299193"/>
-          </a:xfrm>
-          <a:prstGeom prst="straightConnector1">
-            <a:avLst/>
-          </a:prstGeom>
-          <a:ln>
-            <a:tailEnd type="triangle"/>
-          </a:ln>
-        </p:spPr>
-        <p:style>
-          <a:lnRef idx="2">
-            <a:schemeClr val="accent2"/>
-          </a:lnRef>
-          <a:fillRef idx="0">
-            <a:schemeClr val="accent2"/>
-          </a:fillRef>
-          <a:effectRef idx="1">
-            <a:schemeClr val="accent2"/>
-          </a:effectRef>
-          <a:fontRef idx="minor">
-            <a:schemeClr val="tx1"/>
-          </a:fontRef>
-        </p:style>
-      </p:cxnSp>
-      <p:sp>
-        <p:nvSpPr>
-          <p:cNvPr id="6" name="TextBox 5">
-            <a:extLst>
-              <a:ext uri="{FF2B5EF4-FFF2-40B4-BE49-F238E27FC236}">
-                <a16:creationId xmlns:a16="http://schemas.microsoft.com/office/drawing/2014/main" id="{007A5AAB-DEB8-5371-48E2-0EA5494AC106}"/>
-              </a:ext>
-            </a:extLst>
-          </p:cNvPr>
-          <p:cNvSpPr txBox="1"/>
-          <p:nvPr/>
-        </p:nvSpPr>
-        <p:spPr>
-          <a:xfrm>
-            <a:off x="7946759" y="2976320"/>
-            <a:ext cx="2998381" cy="523220"/>
-          </a:xfrm>
-          <a:prstGeom prst="rect">
-            <a:avLst/>
-          </a:prstGeom>
-          <a:noFill/>
-          <a:ln w="19050">
-            <a:solidFill>
-              <a:schemeClr val="accent2"/>
-            </a:solidFill>
-          </a:ln>
-        </p:spPr>
-        <p:txBody>
-          <a:bodyPr wrap="square" rtlCol="0">
-            <a:spAutoFit/>
-          </a:bodyPr>
-          <a:lstStyle/>
-          <a:p>
-            <a:r>
-              <a:rPr lang="en-US" dirty="0"/>
-              <a:t>Looks like Joe and Jared follow each other!</a:t>
-            </a:r>
-          </a:p>
-        </p:txBody>
-      </p:sp>
-      <p:sp>
-        <p:nvSpPr>
-          <p:cNvPr id="7" name="TextBox 6">
-            <a:extLst>
-              <a:ext uri="{FF2B5EF4-FFF2-40B4-BE49-F238E27FC236}">
-                <a16:creationId xmlns:a16="http://schemas.microsoft.com/office/drawing/2014/main" id="{370C6BC1-2660-4662-0E97-E129BCA46EBE}"/>
-              </a:ext>
-            </a:extLst>
-          </p:cNvPr>
-          <p:cNvSpPr txBox="1"/>
-          <p:nvPr/>
-        </p:nvSpPr>
-        <p:spPr>
-          <a:xfrm>
-            <a:off x="4853643" y="4617124"/>
-            <a:ext cx="759654" cy="307777"/>
-          </a:xfrm>
-          <a:prstGeom prst="rect">
-            <a:avLst/>
-          </a:prstGeom>
-          <a:noFill/>
-        </p:spPr>
-        <p:txBody>
-          <a:bodyPr wrap="square" rtlCol="0">
-            <a:spAutoFit/>
-          </a:bodyPr>
-          <a:lstStyle/>
-          <a:p>
-            <a:r>
-              <a:rPr lang="en-US" dirty="0"/>
-              <a:t>Jack</a:t>
-            </a:r>
-          </a:p>
-        </p:txBody>
-      </p:sp>
-      <p:sp>
-        <p:nvSpPr>
-          <p:cNvPr id="8" name="TextBox 7">
-            <a:extLst>
-              <a:ext uri="{FF2B5EF4-FFF2-40B4-BE49-F238E27FC236}">
-                <a16:creationId xmlns:a16="http://schemas.microsoft.com/office/drawing/2014/main" id="{949D8263-2CA1-F896-E7C6-920E3ECC9C25}"/>
-              </a:ext>
-            </a:extLst>
-          </p:cNvPr>
-          <p:cNvSpPr txBox="1"/>
-          <p:nvPr/>
-        </p:nvSpPr>
-        <p:spPr>
-          <a:xfrm>
-            <a:off x="4436370" y="5091189"/>
-            <a:ext cx="600610" cy="307777"/>
-          </a:xfrm>
-          <a:prstGeom prst="rect">
-            <a:avLst/>
-          </a:prstGeom>
-          <a:noFill/>
-        </p:spPr>
-        <p:txBody>
-          <a:bodyPr wrap="square" rtlCol="0">
-            <a:spAutoFit/>
-          </a:bodyPr>
-          <a:lstStyle/>
-          <a:p>
-            <a:r>
-              <a:rPr lang="en-US" dirty="0"/>
-              <a:t>Jill</a:t>
-            </a:r>
-          </a:p>
-        </p:txBody>
-      </p:sp>
-      <p:sp>
-        <p:nvSpPr>
-          <p:cNvPr id="9" name="TextBox 8">
-            <a:extLst>
-              <a:ext uri="{FF2B5EF4-FFF2-40B4-BE49-F238E27FC236}">
-                <a16:creationId xmlns:a16="http://schemas.microsoft.com/office/drawing/2014/main" id="{BE69D888-91DF-63B8-57F5-356157A6CF95}"/>
-              </a:ext>
-            </a:extLst>
-          </p:cNvPr>
-          <p:cNvSpPr txBox="1"/>
-          <p:nvPr/>
-        </p:nvSpPr>
-        <p:spPr>
-          <a:xfrm>
-            <a:off x="4436370" y="5353766"/>
-            <a:ext cx="600610" cy="307777"/>
-          </a:xfrm>
-          <a:prstGeom prst="rect">
-            <a:avLst/>
-          </a:prstGeom>
-          <a:noFill/>
-        </p:spPr>
-        <p:txBody>
-          <a:bodyPr wrap="square" rtlCol="0">
-            <a:spAutoFit/>
-          </a:bodyPr>
-          <a:lstStyle/>
-          <a:p>
-            <a:r>
-              <a:rPr lang="en-US" dirty="0"/>
-              <a:t>Joe</a:t>
-            </a:r>
-          </a:p>
-        </p:txBody>
-      </p:sp>
-      <p:sp>
-        <p:nvSpPr>
-          <p:cNvPr id="10" name="TextBox 9">
-            <a:extLst>
-              <a:ext uri="{FF2B5EF4-FFF2-40B4-BE49-F238E27FC236}">
-                <a16:creationId xmlns:a16="http://schemas.microsoft.com/office/drawing/2014/main" id="{72F26AF1-17C5-BD8E-6B64-183239F7B637}"/>
-              </a:ext>
-            </a:extLst>
-          </p:cNvPr>
-          <p:cNvSpPr txBox="1"/>
-          <p:nvPr/>
-        </p:nvSpPr>
-        <p:spPr>
-          <a:xfrm>
-            <a:off x="4378712" y="5655128"/>
-            <a:ext cx="759654" cy="307777"/>
-          </a:xfrm>
-          <a:prstGeom prst="rect">
-            <a:avLst/>
-          </a:prstGeom>
-          <a:noFill/>
-        </p:spPr>
-        <p:txBody>
-          <a:bodyPr wrap="square" rtlCol="0">
-            <a:spAutoFit/>
-          </a:bodyPr>
-          <a:lstStyle/>
-          <a:p>
-            <a:r>
-              <a:rPr lang="en-US" dirty="0"/>
-              <a:t>Jared</a:t>
-            </a:r>
-          </a:p>
-        </p:txBody>
-      </p:sp>
-      <p:sp>
-        <p:nvSpPr>
-          <p:cNvPr id="11" name="TextBox 10">
-            <a:extLst>
-              <a:ext uri="{FF2B5EF4-FFF2-40B4-BE49-F238E27FC236}">
-                <a16:creationId xmlns:a16="http://schemas.microsoft.com/office/drawing/2014/main" id="{200FE317-14FC-FFFC-52C6-47574B6A5E92}"/>
-              </a:ext>
-            </a:extLst>
-          </p:cNvPr>
-          <p:cNvSpPr txBox="1"/>
-          <p:nvPr/>
-        </p:nvSpPr>
-        <p:spPr>
-          <a:xfrm>
-            <a:off x="4430924" y="4831556"/>
-            <a:ext cx="759654" cy="307777"/>
-          </a:xfrm>
-          <a:prstGeom prst="rect">
-            <a:avLst/>
-          </a:prstGeom>
-          <a:noFill/>
-        </p:spPr>
-        <p:txBody>
-          <a:bodyPr wrap="square" rtlCol="0">
-            <a:spAutoFit/>
-          </a:bodyPr>
-          <a:lstStyle/>
-          <a:p>
-            <a:r>
-              <a:rPr lang="en-US" dirty="0"/>
-              <a:t>Jack</a:t>
-            </a:r>
-          </a:p>
-        </p:txBody>
-      </p:sp>
-      <p:sp>
-        <p:nvSpPr>
-          <p:cNvPr id="12" name="TextBox 11">
-            <a:extLst>
-              <a:ext uri="{FF2B5EF4-FFF2-40B4-BE49-F238E27FC236}">
-                <a16:creationId xmlns:a16="http://schemas.microsoft.com/office/drawing/2014/main" id="{441BC656-3DC2-2D31-DCDE-BF58C20ABC12}"/>
-              </a:ext>
-            </a:extLst>
-          </p:cNvPr>
-          <p:cNvSpPr txBox="1"/>
-          <p:nvPr/>
-        </p:nvSpPr>
-        <p:spPr>
-          <a:xfrm>
-            <a:off x="5319368" y="4617123"/>
-            <a:ext cx="759654" cy="307777"/>
-          </a:xfrm>
-          <a:prstGeom prst="rect">
-            <a:avLst/>
-          </a:prstGeom>
-          <a:noFill/>
-        </p:spPr>
-        <p:txBody>
-          <a:bodyPr wrap="square" rtlCol="0">
-            <a:spAutoFit/>
-          </a:bodyPr>
-          <a:lstStyle/>
-          <a:p>
-            <a:r>
-              <a:rPr lang="en-US" dirty="0"/>
-              <a:t>Jill</a:t>
-            </a:r>
-          </a:p>
-        </p:txBody>
-      </p:sp>
-      <p:sp>
-        <p:nvSpPr>
-          <p:cNvPr id="13" name="TextBox 12">
-            <a:extLst>
-              <a:ext uri="{FF2B5EF4-FFF2-40B4-BE49-F238E27FC236}">
-                <a16:creationId xmlns:a16="http://schemas.microsoft.com/office/drawing/2014/main" id="{C308D47E-C10E-81BE-D4C1-E22B16A3CC86}"/>
-              </a:ext>
-            </a:extLst>
-          </p:cNvPr>
-          <p:cNvSpPr txBox="1"/>
-          <p:nvPr/>
-        </p:nvSpPr>
-        <p:spPr>
-          <a:xfrm>
-            <a:off x="5994912" y="4617123"/>
-            <a:ext cx="759654" cy="307777"/>
-          </a:xfrm>
-          <a:prstGeom prst="rect">
-            <a:avLst/>
-          </a:prstGeom>
-          <a:noFill/>
-        </p:spPr>
-        <p:txBody>
-          <a:bodyPr wrap="square" rtlCol="0">
-            <a:spAutoFit/>
-          </a:bodyPr>
-          <a:lstStyle/>
-          <a:p>
-            <a:r>
-              <a:rPr lang="en-US" dirty="0"/>
-              <a:t>Jared</a:t>
-            </a:r>
-          </a:p>
-        </p:txBody>
-      </p:sp>
-      <p:sp>
-        <p:nvSpPr>
-          <p:cNvPr id="15" name="TextBox 14">
-            <a:extLst>
-              <a:ext uri="{FF2B5EF4-FFF2-40B4-BE49-F238E27FC236}">
-                <a16:creationId xmlns:a16="http://schemas.microsoft.com/office/drawing/2014/main" id="{5EDA8391-2BF5-1597-EF4A-E31D99020A4E}"/>
-              </a:ext>
-            </a:extLst>
-          </p:cNvPr>
-          <p:cNvSpPr txBox="1"/>
-          <p:nvPr/>
-        </p:nvSpPr>
-        <p:spPr>
-          <a:xfrm>
-            <a:off x="5635875" y="4617123"/>
-            <a:ext cx="759654" cy="307777"/>
-          </a:xfrm>
-          <a:prstGeom prst="rect">
-            <a:avLst/>
-          </a:prstGeom>
-          <a:noFill/>
-        </p:spPr>
-        <p:txBody>
-          <a:bodyPr wrap="square" rtlCol="0">
-            <a:spAutoFit/>
-          </a:bodyPr>
-          <a:lstStyle/>
-          <a:p>
-            <a:r>
-              <a:rPr lang="en-US" dirty="0"/>
-              <a:t>Joe</a:t>
-            </a:r>
-          </a:p>
-        </p:txBody>
-      </p:sp>
-    </p:spTree>
-    <p:extLst>
-      <p:ext uri="{BB962C8B-B14F-4D97-AF65-F5344CB8AC3E}">
-        <p14:creationId xmlns:p14="http://schemas.microsoft.com/office/powerpoint/2010/main" val="2142864027"/>
-      </p:ext>
-    </p:extLst>
-  </p:cSld>
-  <p:clrMapOvr>
-    <a:masterClrMapping/>
-  </p:clrMapOvr>
-  <p:timing>
-    <p:tnLst>
-      <p:par>
-        <p:cTn id="1" dur="indefinite" restart="never" nodeType="tmRoot">
-          <p:childTnLst>
-            <p:seq concurrent="1" nextAc="seek">
-              <p:cTn id="2" dur="indefinite" nodeType="mainSeq">
-                <p:childTnLst>
-                  <p:par>
-                    <p:cTn id="3" fill="hold">
-                      <p:stCondLst>
-                        <p:cond delay="indefinite"/>
-                      </p:stCondLst>
-                      <p:childTnLst>
-                        <p:par>
-                          <p:cTn id="4" fill="hold">
-                            <p:stCondLst>
-                              <p:cond delay="0"/>
-                            </p:stCondLst>
-                            <p:childTnLst>
-                              <p:par>
-                                <p:cTn id="5" presetID="1" presetClass="entr" presetSubtype="0" fill="hold" nodeType="clickEffect">
-                                  <p:stCondLst>
-                                    <p:cond delay="0"/>
-                                  </p:stCondLst>
-                                  <p:childTnLst>
-                                    <p:set>
-                                      <p:cBhvr>
-                                        <p:cTn id="6" dur="1" fill="hold">
-                                          <p:stCondLst>
-                                            <p:cond delay="0"/>
-                                          </p:stCondLst>
-                                        </p:cTn>
-                                        <p:tgtEl>
-                                          <p:spTgt spid="3">
-                                            <p:txEl>
-                                              <p:pRg st="8" end="8"/>
-                                            </p:txEl>
-                                          </p:spTgt>
-                                        </p:tgtEl>
-                                        <p:attrNameLst>
-                                          <p:attrName>style.visibility</p:attrName>
-                                        </p:attrNameLst>
-                                      </p:cBhvr>
-                                      <p:to>
-                                        <p:strVal val="visible"/>
-                                      </p:to>
-                                    </p:set>
-                                  </p:childTnLst>
-                                </p:cTn>
-                              </p:par>
-                            </p:childTnLst>
-                          </p:cTn>
-                        </p:par>
-                        <p:par>
-                          <p:cTn id="7" fill="hold">
-                            <p:stCondLst>
-                              <p:cond delay="0"/>
-                            </p:stCondLst>
-                            <p:childTnLst>
-                              <p:par>
-                                <p:cTn id="8" presetID="1" presetClass="entr" presetSubtype="0" fill="hold" grpId="0" nodeType="afterEffect">
-                                  <p:stCondLst>
-                                    <p:cond delay="0"/>
-                                  </p:stCondLst>
-                                  <p:childTnLst>
-                                    <p:set>
-                                      <p:cBhvr>
-                                        <p:cTn id="9" dur="1" fill="hold">
-                                          <p:stCondLst>
-                                            <p:cond delay="0"/>
-                                          </p:stCondLst>
-                                        </p:cTn>
-                                        <p:tgtEl>
-                                          <p:spTgt spid="11"/>
-                                        </p:tgtEl>
-                                        <p:attrNameLst>
-                                          <p:attrName>style.visibility</p:attrName>
-                                        </p:attrNameLst>
-                                      </p:cBhvr>
-                                      <p:to>
-                                        <p:strVal val="visible"/>
-                                      </p:to>
-                                    </p:set>
-                                  </p:childTnLst>
-                                </p:cTn>
-                              </p:par>
-                              <p:par>
-                                <p:cTn id="10" presetID="1" presetClass="entr" presetSubtype="0" fill="hold" grpId="0" nodeType="withEffect">
-                                  <p:stCondLst>
-                                    <p:cond delay="0"/>
-                                  </p:stCondLst>
-                                  <p:childTnLst>
-                                    <p:set>
-                                      <p:cBhvr>
-                                        <p:cTn id="11" dur="1" fill="hold">
-                                          <p:stCondLst>
-                                            <p:cond delay="0"/>
-                                          </p:stCondLst>
-                                        </p:cTn>
-                                        <p:tgtEl>
-                                          <p:spTgt spid="8"/>
-                                        </p:tgtEl>
-                                        <p:attrNameLst>
-                                          <p:attrName>style.visibility</p:attrName>
-                                        </p:attrNameLst>
-                                      </p:cBhvr>
-                                      <p:to>
-                                        <p:strVal val="visible"/>
-                                      </p:to>
-                                    </p:set>
-                                  </p:childTnLst>
-                                </p:cTn>
-                              </p:par>
-                              <p:par>
-                                <p:cTn id="12" presetID="1" presetClass="entr" presetSubtype="0" fill="hold" grpId="0" nodeType="withEffect">
-                                  <p:stCondLst>
-                                    <p:cond delay="0"/>
-                                  </p:stCondLst>
-                                  <p:childTnLst>
-                                    <p:set>
-                                      <p:cBhvr>
-                                        <p:cTn id="13" dur="1" fill="hold">
-                                          <p:stCondLst>
-                                            <p:cond delay="0"/>
-                                          </p:stCondLst>
-                                        </p:cTn>
-                                        <p:tgtEl>
-                                          <p:spTgt spid="9"/>
-                                        </p:tgtEl>
-                                        <p:attrNameLst>
-                                          <p:attrName>style.visibility</p:attrName>
-                                        </p:attrNameLst>
-                                      </p:cBhvr>
-                                      <p:to>
-                                        <p:strVal val="visible"/>
-                                      </p:to>
-                                    </p:set>
-                                  </p:childTnLst>
-                                </p:cTn>
-                              </p:par>
-                              <p:par>
-                                <p:cTn id="14" presetID="1" presetClass="entr" presetSubtype="0" fill="hold" grpId="0" nodeType="withEffect">
-                                  <p:stCondLst>
-                                    <p:cond delay="0"/>
-                                  </p:stCondLst>
-                                  <p:childTnLst>
-                                    <p:set>
-                                      <p:cBhvr>
-                                        <p:cTn id="15" dur="1" fill="hold">
-                                          <p:stCondLst>
-                                            <p:cond delay="0"/>
-                                          </p:stCondLst>
-                                        </p:cTn>
-                                        <p:tgtEl>
-                                          <p:spTgt spid="10"/>
-                                        </p:tgtEl>
-                                        <p:attrNameLst>
-                                          <p:attrName>style.visibility</p:attrName>
-                                        </p:attrNameLst>
-                                      </p:cBhvr>
-                                      <p:to>
-                                        <p:strVal val="visible"/>
-                                      </p:to>
-                                    </p:set>
-                                  </p:childTnLst>
-                                </p:cTn>
-                              </p:par>
-                              <p:par>
-                                <p:cTn id="16" presetID="1" presetClass="entr" presetSubtype="0" fill="hold" grpId="0" nodeType="withEffect">
-                                  <p:stCondLst>
-                                    <p:cond delay="0"/>
-                                  </p:stCondLst>
-                                  <p:childTnLst>
-                                    <p:set>
-                                      <p:cBhvr>
-                                        <p:cTn id="17" dur="1" fill="hold">
-                                          <p:stCondLst>
-                                            <p:cond delay="0"/>
-                                          </p:stCondLst>
-                                        </p:cTn>
-                                        <p:tgtEl>
-                                          <p:spTgt spid="12"/>
-                                        </p:tgtEl>
-                                        <p:attrNameLst>
-                                          <p:attrName>style.visibility</p:attrName>
-                                        </p:attrNameLst>
-                                      </p:cBhvr>
-                                      <p:to>
-                                        <p:strVal val="visible"/>
-                                      </p:to>
-                                    </p:set>
-                                  </p:childTnLst>
-                                </p:cTn>
-                              </p:par>
-                              <p:par>
-                                <p:cTn id="18" presetID="1" presetClass="entr" presetSubtype="0" fill="hold" grpId="0" nodeType="withEffect">
-                                  <p:stCondLst>
-                                    <p:cond delay="0"/>
-                                  </p:stCondLst>
-                                  <p:childTnLst>
-                                    <p:set>
-                                      <p:cBhvr>
-                                        <p:cTn id="19" dur="1" fill="hold">
-                                          <p:stCondLst>
-                                            <p:cond delay="0"/>
-                                          </p:stCondLst>
-                                        </p:cTn>
-                                        <p:tgtEl>
-                                          <p:spTgt spid="7"/>
-                                        </p:tgtEl>
-                                        <p:attrNameLst>
-                                          <p:attrName>style.visibility</p:attrName>
-                                        </p:attrNameLst>
-                                      </p:cBhvr>
-                                      <p:to>
-                                        <p:strVal val="visible"/>
-                                      </p:to>
-                                    </p:set>
-                                  </p:childTnLst>
-                                </p:cTn>
-                              </p:par>
-                              <p:par>
-                                <p:cTn id="20" presetID="1" presetClass="entr" presetSubtype="0" fill="hold" grpId="0" nodeType="withEffect">
-                                  <p:stCondLst>
-                                    <p:cond delay="0"/>
-                                  </p:stCondLst>
-                                  <p:childTnLst>
-                                    <p:set>
-                                      <p:cBhvr>
-                                        <p:cTn id="21" dur="1" fill="hold">
-                                          <p:stCondLst>
-                                            <p:cond delay="0"/>
-                                          </p:stCondLst>
-                                        </p:cTn>
-                                        <p:tgtEl>
-                                          <p:spTgt spid="15"/>
-                                        </p:tgtEl>
-                                        <p:attrNameLst>
-                                          <p:attrName>style.visibility</p:attrName>
-                                        </p:attrNameLst>
-                                      </p:cBhvr>
-                                      <p:to>
-                                        <p:strVal val="visible"/>
-                                      </p:to>
-                                    </p:set>
-                                  </p:childTnLst>
-                                </p:cTn>
-                              </p:par>
-                              <p:par>
-                                <p:cTn id="22" presetID="1" presetClass="entr" presetSubtype="0" fill="hold" grpId="0" nodeType="withEffect">
-                                  <p:stCondLst>
-                                    <p:cond delay="0"/>
-                                  </p:stCondLst>
-                                  <p:childTnLst>
-                                    <p:set>
-                                      <p:cBhvr>
-                                        <p:cTn id="23" dur="1" fill="hold">
-                                          <p:stCondLst>
-                                            <p:cond delay="0"/>
-                                          </p:stCondLst>
-                                        </p:cTn>
-                                        <p:tgtEl>
-                                          <p:spTgt spid="13"/>
-                                        </p:tgtEl>
-                                        <p:attrNameLst>
-                                          <p:attrName>style.visibility</p:attrName>
-                                        </p:attrNameLst>
-                                      </p:cBhvr>
-                                      <p:to>
-                                        <p:strVal val="visible"/>
-                                      </p:to>
-                                    </p:set>
-                                  </p:childTnLst>
-                                </p:cTn>
-                              </p:par>
-                            </p:childTnLst>
-                          </p:cTn>
-                        </p:par>
-                      </p:childTnLst>
-                    </p:cTn>
-                  </p:par>
-                </p:childTnLst>
-              </p:cTn>
-              <p:prevCondLst>
-                <p:cond evt="onPrev" delay="0">
-                  <p:tgtEl>
-                    <p:sldTgt/>
-                  </p:tgtEl>
-                </p:cond>
-              </p:prevCondLst>
-              <p:nextCondLst>
-                <p:cond evt="onNext" delay="0">
-                  <p:tgtEl>
-                    <p:sldTgt/>
-                  </p:tgtEl>
-                </p:cond>
-              </p:nextCondLst>
-            </p:seq>
-          </p:childTnLst>
-        </p:cTn>
-      </p:par>
-    </p:tnLst>
-    <p:bldLst>
-      <p:bldP spid="7" grpId="0"/>
-      <p:bldP spid="8" grpId="0"/>
-      <p:bldP spid="9" grpId="0"/>
-      <p:bldP spid="10" grpId="0"/>
-      <p:bldP spid="11" grpId="0"/>
-      <p:bldP spid="12" grpId="0"/>
-      <p:bldP spid="13" grpId="0"/>
-      <p:bldP spid="15" grpId="0"/>
-    </p:bldLst>
-  </p:timing>
-</p:sld>
-</file>
-
-<file path=ppt/slides/slide8.xml><?xml version="1.0" encoding="utf-8"?>
-<p:sld xmlns:a="http://schemas.openxmlformats.org/drawingml/2006/main" xmlns:r="http://schemas.openxmlformats.org/officeDocument/2006/relationships" xmlns:p="http://schemas.openxmlformats.org/presentationml/2006/main">
-  <p:cSld>
-    <p:spTree>
-      <p:nvGrpSpPr>
-        <p:cNvPr id="1" name=""/>
-        <p:cNvGrpSpPr/>
-        <p:nvPr/>
-      </p:nvGrpSpPr>
-      <p:grpSpPr>
-        <a:xfrm>
-          <a:off x="0" y="0"/>
-          <a:ext cx="0" cy="0"/>
-          <a:chOff x="0" y="0"/>
-          <a:chExt cx="0" cy="0"/>
-        </a:xfrm>
-      </p:grpSpPr>
-      <p:sp>
-        <p:nvSpPr>
-          <p:cNvPr id="2" name="Title 1">
-            <a:extLst>
-              <a:ext uri="{FF2B5EF4-FFF2-40B4-BE49-F238E27FC236}">
-                <a16:creationId xmlns:a16="http://schemas.microsoft.com/office/drawing/2014/main" id="{24963A1B-05F3-1366-5F9A-985B8499A1EA}"/>
-              </a:ext>
-            </a:extLst>
-          </p:cNvPr>
-          <p:cNvSpPr>
-            <a:spLocks noGrp="1"/>
-          </p:cNvSpPr>
-          <p:nvPr>
-            <p:ph type="title"/>
-          </p:nvPr>
-        </p:nvSpPr>
-        <p:spPr/>
-        <p:txBody>
-          <a:bodyPr/>
-          <a:lstStyle/>
-          <a:p>
-            <a:r>
-              <a:rPr lang="en-US" dirty="0"/>
-              <a:t>Other types of data</a:t>
-            </a:r>
-          </a:p>
-        </p:txBody>
-      </p:sp>
-      <p:sp>
-        <p:nvSpPr>
-          <p:cNvPr id="3" name="Text Placeholder 2">
-            <a:extLst>
-              <a:ext uri="{FF2B5EF4-FFF2-40B4-BE49-F238E27FC236}">
-                <a16:creationId xmlns:a16="http://schemas.microsoft.com/office/drawing/2014/main" id="{6E15CF34-1072-B31C-1352-992935F7E466}"/>
-              </a:ext>
-            </a:extLst>
-          </p:cNvPr>
-          <p:cNvSpPr>
-            <a:spLocks noGrp="1"/>
-          </p:cNvSpPr>
-          <p:nvPr>
-            <p:ph type="body" idx="1"/>
-          </p:nvPr>
-        </p:nvSpPr>
-        <p:spPr/>
-        <p:txBody>
-          <a:bodyPr/>
-          <a:lstStyle/>
-          <a:p>
-            <a:r>
-              <a:rPr lang="en-US" dirty="0"/>
-              <a:t>Images</a:t>
-            </a:r>
-          </a:p>
-          <a:p>
-            <a:pPr lvl="1"/>
-            <a:r>
-              <a:rPr lang="en-US" dirty="0"/>
-              <a:t>E.g., a matrix of pixels</a:t>
-            </a:r>
-          </a:p>
-          <a:p>
-            <a:r>
-              <a:rPr lang="en-US" dirty="0"/>
-              <a:t>Text</a:t>
-            </a:r>
-          </a:p>
-          <a:p>
-            <a:pPr lvl="1"/>
-            <a:r>
-              <a:rPr lang="en-US" dirty="0"/>
-              <a:t>E.g., list of words</a:t>
-            </a:r>
-          </a:p>
-          <a:p>
-            <a:r>
-              <a:rPr lang="en-US" dirty="0"/>
-              <a:t>Corpus of documents</a:t>
-            </a:r>
-          </a:p>
-          <a:p>
-            <a:pPr marL="152396" indent="0">
-              <a:buNone/>
-            </a:pPr>
-            <a:endParaRPr lang="en-US" dirty="0"/>
-          </a:p>
-        </p:txBody>
-      </p:sp>
-    </p:spTree>
-    <p:extLst>
-      <p:ext uri="{BB962C8B-B14F-4D97-AF65-F5344CB8AC3E}">
-        <p14:creationId xmlns:p14="http://schemas.microsoft.com/office/powerpoint/2010/main" val="127045809"/>
-      </p:ext>
-    </p:extLst>
-  </p:cSld>
-  <p:clrMapOvr>
-    <a:masterClrMapping/>
-  </p:clrMapOvr>
-</p:sld>
-</file>
-
-<file path=ppt/slides/slide9.xml><?xml version="1.0" encoding="utf-8"?>
-<p:sld xmlns:a="http://schemas.openxmlformats.org/drawingml/2006/main" xmlns:r="http://schemas.openxmlformats.org/officeDocument/2006/relationships" xmlns:p="http://schemas.openxmlformats.org/presentationml/2006/main">
-  <p:cSld>
-    <p:spTree>
-      <p:nvGrpSpPr>
-        <p:cNvPr id="1" name=""/>
-        <p:cNvGrpSpPr/>
-        <p:nvPr/>
-      </p:nvGrpSpPr>
-      <p:grpSpPr>
-        <a:xfrm>
-          <a:off x="0" y="0"/>
-          <a:ext cx="0" cy="0"/>
-          <a:chOff x="0" y="0"/>
-          <a:chExt cx="0" cy="0"/>
-        </a:xfrm>
-      </p:grpSpPr>
-      <p:sp>
-        <p:nvSpPr>
-          <p:cNvPr id="2" name="Title 1">
-            <a:extLst>
-              <a:ext uri="{FF2B5EF4-FFF2-40B4-BE49-F238E27FC236}">
-                <a16:creationId xmlns:a16="http://schemas.microsoft.com/office/drawing/2014/main" id="{14DD2CC4-687D-0D4F-2A19-E0FE80CE5BB1}"/>
-              </a:ext>
-            </a:extLst>
-          </p:cNvPr>
-          <p:cNvSpPr>
-            <a:spLocks noGrp="1"/>
-          </p:cNvSpPr>
-          <p:nvPr>
-            <p:ph type="title"/>
-          </p:nvPr>
-        </p:nvSpPr>
-        <p:spPr/>
-        <p:txBody>
-          <a:bodyPr/>
-          <a:lstStyle/>
-          <a:p>
-            <a:r>
-              <a:rPr lang="en-US" dirty="0"/>
-              <a:t>How can we represent vectors and matrices when programming?</a:t>
-            </a:r>
-          </a:p>
-        </p:txBody>
-      </p:sp>
-      <p:sp>
-        <p:nvSpPr>
-          <p:cNvPr id="3" name="Text Placeholder 2">
-            <a:extLst>
-              <a:ext uri="{FF2B5EF4-FFF2-40B4-BE49-F238E27FC236}">
-                <a16:creationId xmlns:a16="http://schemas.microsoft.com/office/drawing/2014/main" id="{863350B8-4B52-8DE8-B648-DEF9D365E519}"/>
-              </a:ext>
-            </a:extLst>
-          </p:cNvPr>
-          <p:cNvSpPr>
-            <a:spLocks noGrp="1"/>
-          </p:cNvSpPr>
-          <p:nvPr>
-            <p:ph type="body" idx="1"/>
-          </p:nvPr>
-        </p:nvSpPr>
-        <p:spPr/>
-        <p:txBody>
-          <a:bodyPr/>
-          <a:lstStyle/>
-          <a:p>
-            <a:endParaRPr lang="en-US" dirty="0"/>
-          </a:p>
-          <a:p>
-            <a:endParaRPr lang="en-US" dirty="0"/>
-          </a:p>
-          <a:p>
-            <a:endParaRPr lang="en-US" dirty="0"/>
-          </a:p>
-          <a:p>
-            <a:endParaRPr lang="en-US" dirty="0"/>
-          </a:p>
-          <a:p>
-            <a:endParaRPr lang="en-US" dirty="0"/>
-          </a:p>
-          <a:p>
-            <a:r>
-              <a:rPr lang="en-US" dirty="0"/>
-              <a:t>NumPy provides fast, memory-efficient data structures and math operations for working with arrays, vectors, and matrices.</a:t>
-            </a:r>
-          </a:p>
-          <a:p>
-            <a:pPr lvl="1"/>
-            <a:r>
-              <a:rPr lang="en-US" dirty="0"/>
-              <a:t>NumPy is compiled in C!</a:t>
-            </a:r>
-          </a:p>
-          <a:p>
-            <a:pPr lvl="1"/>
-            <a:r>
-              <a:rPr lang="en-US" dirty="0"/>
-              <a:t>We can do vectorized math in NumPy as opposed to Python itself which would require us to use loops. </a:t>
-            </a:r>
-          </a:p>
-          <a:p>
-            <a:pPr lvl="1"/>
-            <a:r>
-              <a:rPr lang="en-US" dirty="0"/>
-              <a:t>NumPy includes linear algebra functionality, statistics, and serves as the foundation for any sort of math we do in Python</a:t>
-            </a:r>
-          </a:p>
-          <a:p>
-            <a:pPr lvl="2"/>
-            <a:r>
-              <a:rPr lang="en-US" dirty="0"/>
-              <a:t>E.g. image processing, machine learning, etc.</a:t>
-            </a:r>
-          </a:p>
-        </p:txBody>
-      </p:sp>
-      <p:pic>
-        <p:nvPicPr>
-          <p:cNvPr id="5" name="Picture 4">
-            <a:extLst>
-              <a:ext uri="{FF2B5EF4-FFF2-40B4-BE49-F238E27FC236}">
-                <a16:creationId xmlns:a16="http://schemas.microsoft.com/office/drawing/2014/main" id="{506EB930-E839-48BE-513B-F27F80BAC73A}"/>
-              </a:ext>
-            </a:extLst>
-          </p:cNvPr>
-          <p:cNvPicPr>
-            <a:picLocks noChangeAspect="1"/>
-          </p:cNvPicPr>
-          <p:nvPr/>
-        </p:nvPicPr>
-        <p:blipFill>
-          <a:blip r:embed="rId2"/>
-          <a:stretch>
-            <a:fillRect/>
-          </a:stretch>
-        </p:blipFill>
-        <p:spPr>
-          <a:xfrm>
-            <a:off x="415599" y="1688433"/>
-            <a:ext cx="11360801" cy="1371558"/>
-          </a:xfrm>
-          <a:prstGeom prst="rect">
-            <a:avLst/>
-          </a:prstGeom>
-        </p:spPr>
-      </p:pic>
-    </p:spTree>
-    <p:extLst>
-      <p:ext uri="{BB962C8B-B14F-4D97-AF65-F5344CB8AC3E}">
-        <p14:creationId xmlns:p14="http://schemas.microsoft.com/office/powerpoint/2010/main" val="4002971609"/>
+        <p14:creationId xmlns:p14="http://schemas.microsoft.com/office/powerpoint/2010/main" val="2320593368"/>
       </p:ext>
     </p:extLst>
   </p:cSld>
